--- a/lectures/Lab4.pptx
+++ b/lectures/Lab4.pptx
@@ -188,8 +188,8 @@
 <file path=ppt/revisionInfo.xml><?xml version="1.0" encoding="utf-8"?>
 <p1510:revInfo xmlns:a="http://schemas.openxmlformats.org/drawingml/2006/main" xmlns:r="http://schemas.openxmlformats.org/officeDocument/2006/relationships" xmlns:p1510="http://schemas.microsoft.com/office/powerpoint/2015/10/main">
   <p1510:revLst>
-    <p1510:client id="{2EDDC9A8-AB07-488F-9229-49B09BDC270E}" v="273" dt="2020-07-20T14:49:11.865"/>
-    <p1510:client id="{E9ACE7D3-F2C8-4BD0-B1A8-B02415A9CDD6}" v="95" dt="2020-07-20T14:42:53.835"/>
+    <p1510:client id="{2EDDC9A8-AB07-488F-9229-49B09BDC270E}" v="556" dt="2020-07-20T15:50:15.532"/>
+    <p1510:client id="{E9ACE7D3-F2C8-4BD0-B1A8-B02415A9CDD6}" v="151" dt="2020-07-20T15:29:19.586"/>
   </p1510:revLst>
 </p1510:revInfo>
 </file>
@@ -199,10 +199,25 @@
   <pc:docChgLst>
     <pc:chgData name="Matthew Calligaro" userId="9c1e9647689a123b" providerId="LiveId" clId="{2EDDC9A8-AB07-488F-9229-49B09BDC270E}"/>
     <pc:docChg chg="undo custSel addSld delSld modSld sldOrd">
-      <pc:chgData name="Matthew Calligaro" userId="9c1e9647689a123b" providerId="LiveId" clId="{2EDDC9A8-AB07-488F-9229-49B09BDC270E}" dt="2020-07-20T14:49:11.865" v="721" actId="20577"/>
+      <pc:chgData name="Matthew Calligaro" userId="9c1e9647689a123b" providerId="LiveId" clId="{2EDDC9A8-AB07-488F-9229-49B09BDC270E}" dt="2020-07-20T15:50:15.532" v="1004"/>
       <pc:docMkLst>
         <pc:docMk/>
       </pc:docMkLst>
+      <pc:sldChg chg="modSp mod">
+        <pc:chgData name="Matthew Calligaro" userId="9c1e9647689a123b" providerId="LiveId" clId="{2EDDC9A8-AB07-488F-9229-49B09BDC270E}" dt="2020-07-20T15:14:37.008" v="779" actId="20577"/>
+        <pc:sldMkLst>
+          <pc:docMk/>
+          <pc:sldMk cId="0" sldId="258"/>
+        </pc:sldMkLst>
+        <pc:spChg chg="mod">
+          <ac:chgData name="Matthew Calligaro" userId="9c1e9647689a123b" providerId="LiveId" clId="{2EDDC9A8-AB07-488F-9229-49B09BDC270E}" dt="2020-07-20T15:14:37.008" v="779" actId="20577"/>
+          <ac:spMkLst>
+            <pc:docMk/>
+            <pc:sldMk cId="0" sldId="258"/>
+            <ac:spMk id="14340" creationId="{D20EFF9E-F580-4D08-A8A0-E6A8156757A5}"/>
+          </ac:spMkLst>
+        </pc:spChg>
+      </pc:sldChg>
       <pc:sldChg chg="modSp mod">
         <pc:chgData name="Matthew Calligaro" userId="9c1e9647689a123b" providerId="LiveId" clId="{2EDDC9A8-AB07-488F-9229-49B09BDC270E}" dt="2020-07-20T14:20:46.400" v="478" actId="20577"/>
         <pc:sldMkLst>
@@ -274,13 +289,13 @@
         </pc:picChg>
       </pc:sldChg>
       <pc:sldChg chg="addSp delSp modSp mod">
-        <pc:chgData name="Matthew Calligaro" userId="9c1e9647689a123b" providerId="LiveId" clId="{2EDDC9A8-AB07-488F-9229-49B09BDC270E}" dt="2020-07-20T14:41:14.424" v="668" actId="20577"/>
+        <pc:chgData name="Matthew Calligaro" userId="9c1e9647689a123b" providerId="LiveId" clId="{2EDDC9A8-AB07-488F-9229-49B09BDC270E}" dt="2020-07-20T15:50:15.532" v="1004"/>
         <pc:sldMkLst>
           <pc:docMk/>
           <pc:sldMk cId="3762839996" sldId="279"/>
         </pc:sldMkLst>
         <pc:spChg chg="add mod">
-          <ac:chgData name="Matthew Calligaro" userId="9c1e9647689a123b" providerId="LiveId" clId="{2EDDC9A8-AB07-488F-9229-49B09BDC270E}" dt="2020-07-20T14:19:20.407" v="471"/>
+          <ac:chgData name="Matthew Calligaro" userId="9c1e9647689a123b" providerId="LiveId" clId="{2EDDC9A8-AB07-488F-9229-49B09BDC270E}" dt="2020-07-20T15:50:15.532" v="1004"/>
           <ac:spMkLst>
             <pc:docMk/>
             <pc:sldMk cId="3762839996" sldId="279"/>
@@ -480,7 +495,7 @@
         </pc:cxnChg>
       </pc:sldChg>
       <pc:sldChg chg="modSp mod">
-        <pc:chgData name="Matthew Calligaro" userId="9c1e9647689a123b" providerId="LiveId" clId="{2EDDC9A8-AB07-488F-9229-49B09BDC270E}" dt="2020-07-20T14:28:18.890" v="576" actId="403"/>
+        <pc:chgData name="Matthew Calligaro" userId="9c1e9647689a123b" providerId="LiveId" clId="{2EDDC9A8-AB07-488F-9229-49B09BDC270E}" dt="2020-07-20T15:14:12.553" v="729" actId="20577"/>
         <pc:sldMkLst>
           <pc:docMk/>
           <pc:sldMk cId="2953711973" sldId="288"/>
@@ -491,6 +506,14 @@
             <pc:docMk/>
             <pc:sldMk cId="2953711973" sldId="288"/>
             <ac:spMk id="13" creationId="{A3FC8CCC-EB8F-4E64-B738-61D2895253F7}"/>
+          </ac:spMkLst>
+        </pc:spChg>
+        <pc:spChg chg="mod">
+          <ac:chgData name="Matthew Calligaro" userId="9c1e9647689a123b" providerId="LiveId" clId="{2EDDC9A8-AB07-488F-9229-49B09BDC270E}" dt="2020-07-20T15:14:12.553" v="729" actId="20577"/>
+          <ac:spMkLst>
+            <pc:docMk/>
+            <pc:sldMk cId="2953711973" sldId="288"/>
+            <ac:spMk id="30" creationId="{9D46283B-75BC-43AC-B6E2-F6E4EF9CA0EB}"/>
           </ac:spMkLst>
         </pc:spChg>
       </pc:sldChg>
@@ -572,7 +595,7 @@
         </pc:picChg>
       </pc:sldChg>
       <pc:sldChg chg="addSp delSp modSp mod">
-        <pc:chgData name="Matthew Calligaro" userId="9c1e9647689a123b" providerId="LiveId" clId="{2EDDC9A8-AB07-488F-9229-49B09BDC270E}" dt="2020-07-20T14:33:30.466" v="628" actId="20577"/>
+        <pc:chgData name="Matthew Calligaro" userId="9c1e9647689a123b" providerId="LiveId" clId="{2EDDC9A8-AB07-488F-9229-49B09BDC270E}" dt="2020-07-20T15:48:38.438" v="1003" actId="1035"/>
         <pc:sldMkLst>
           <pc:docMk/>
           <pc:sldMk cId="1602312674" sldId="298"/>
@@ -585,12 +608,76 @@
             <ac:spMk id="3" creationId="{36317505-1DF5-425A-8C90-7BEAF3E99ED5}"/>
           </ac:spMkLst>
         </pc:spChg>
-        <pc:spChg chg="mod">
-          <ac:chgData name="Matthew Calligaro" userId="9c1e9647689a123b" providerId="LiveId" clId="{2EDDC9A8-AB07-488F-9229-49B09BDC270E}" dt="2020-07-20T14:33:30.466" v="628" actId="20577"/>
+        <pc:spChg chg="mod topLvl">
+          <ac:chgData name="Matthew Calligaro" userId="9c1e9647689a123b" providerId="LiveId" clId="{2EDDC9A8-AB07-488F-9229-49B09BDC270E}" dt="2020-07-20T15:47:40.177" v="980" actId="164"/>
+          <ac:spMkLst>
+            <pc:docMk/>
+            <pc:sldMk cId="1602312674" sldId="298"/>
+            <ac:spMk id="4" creationId="{255FEC94-BC25-4284-8A41-1EBDEBB33997}"/>
+          </ac:spMkLst>
+        </pc:spChg>
+        <pc:spChg chg="mod topLvl">
+          <ac:chgData name="Matthew Calligaro" userId="9c1e9647689a123b" providerId="LiveId" clId="{2EDDC9A8-AB07-488F-9229-49B09BDC270E}" dt="2020-07-20T15:47:40.177" v="980" actId="164"/>
+          <ac:spMkLst>
+            <pc:docMk/>
+            <pc:sldMk cId="1602312674" sldId="298"/>
+            <ac:spMk id="5" creationId="{42F56BCE-A563-4A86-BBD3-1444A534053F}"/>
+          </ac:spMkLst>
+        </pc:spChg>
+        <pc:spChg chg="mod topLvl">
+          <ac:chgData name="Matthew Calligaro" userId="9c1e9647689a123b" providerId="LiveId" clId="{2EDDC9A8-AB07-488F-9229-49B09BDC270E}" dt="2020-07-20T15:47:40.177" v="980" actId="164"/>
           <ac:spMkLst>
             <pc:docMk/>
             <pc:sldMk cId="1602312674" sldId="298"/>
             <ac:spMk id="6" creationId="{9FC49CE0-E0C0-4FAE-8A64-E5D09CDC63BE}"/>
+          </ac:spMkLst>
+        </pc:spChg>
+        <pc:spChg chg="mod">
+          <ac:chgData name="Matthew Calligaro" userId="9c1e9647689a123b" providerId="LiveId" clId="{2EDDC9A8-AB07-488F-9229-49B09BDC270E}" dt="2020-07-20T15:46:37.231" v="961" actId="1076"/>
+          <ac:spMkLst>
+            <pc:docMk/>
+            <pc:sldMk cId="1602312674" sldId="298"/>
+            <ac:spMk id="7" creationId="{2809B730-BFC3-46AF-96B3-988386627DDF}"/>
+          </ac:spMkLst>
+        </pc:spChg>
+        <pc:spChg chg="mod">
+          <ac:chgData name="Matthew Calligaro" userId="9c1e9647689a123b" providerId="LiveId" clId="{2EDDC9A8-AB07-488F-9229-49B09BDC270E}" dt="2020-07-20T15:46:42.801" v="962" actId="1076"/>
+          <ac:spMkLst>
+            <pc:docMk/>
+            <pc:sldMk cId="1602312674" sldId="298"/>
+            <ac:spMk id="8" creationId="{8AF067D8-C6E3-498D-B5D4-176F579DAFB4}"/>
+          </ac:spMkLst>
+        </pc:spChg>
+        <pc:spChg chg="mod topLvl">
+          <ac:chgData name="Matthew Calligaro" userId="9c1e9647689a123b" providerId="LiveId" clId="{2EDDC9A8-AB07-488F-9229-49B09BDC270E}" dt="2020-07-20T15:47:40.177" v="980" actId="164"/>
+          <ac:spMkLst>
+            <pc:docMk/>
+            <pc:sldMk cId="1602312674" sldId="298"/>
+            <ac:spMk id="12" creationId="{34419127-0C8E-4177-97C3-A0FE9968BD8A}"/>
+          </ac:spMkLst>
+        </pc:spChg>
+        <pc:spChg chg="mod ord topLvl">
+          <ac:chgData name="Matthew Calligaro" userId="9c1e9647689a123b" providerId="LiveId" clId="{2EDDC9A8-AB07-488F-9229-49B09BDC270E}" dt="2020-07-20T15:47:40.177" v="980" actId="164"/>
+          <ac:spMkLst>
+            <pc:docMk/>
+            <pc:sldMk cId="1602312674" sldId="298"/>
+            <ac:spMk id="14" creationId="{28C3BF28-CBF8-4080-BC30-D3334B0061F3}"/>
+          </ac:spMkLst>
+        </pc:spChg>
+        <pc:spChg chg="mod topLvl">
+          <ac:chgData name="Matthew Calligaro" userId="9c1e9647689a123b" providerId="LiveId" clId="{2EDDC9A8-AB07-488F-9229-49B09BDC270E}" dt="2020-07-20T15:47:40.177" v="980" actId="164"/>
+          <ac:spMkLst>
+            <pc:docMk/>
+            <pc:sldMk cId="1602312674" sldId="298"/>
+            <ac:spMk id="15" creationId="{4388BFFE-19C5-449F-8B17-28804783CDE1}"/>
+          </ac:spMkLst>
+        </pc:spChg>
+        <pc:spChg chg="add mod">
+          <ac:chgData name="Matthew Calligaro" userId="9c1e9647689a123b" providerId="LiveId" clId="{2EDDC9A8-AB07-488F-9229-49B09BDC270E}" dt="2020-07-20T15:46:16.603" v="957" actId="1036"/>
+          <ac:spMkLst>
+            <pc:docMk/>
+            <pc:sldMk cId="1602312674" sldId="298"/>
+            <ac:spMk id="27" creationId="{5A7B9F8B-27BE-4999-BEB8-7DB487F64472}"/>
           </ac:spMkLst>
         </pc:spChg>
         <pc:spChg chg="del">
@@ -599,6 +686,30 @@
             <pc:docMk/>
             <pc:sldMk cId="1602312674" sldId="298"/>
             <ac:spMk id="28" creationId="{E86277F6-4CF8-441C-BF73-77A0F909EE86}"/>
+          </ac:spMkLst>
+        </pc:spChg>
+        <pc:spChg chg="mod">
+          <ac:chgData name="Matthew Calligaro" userId="9c1e9647689a123b" providerId="LiveId" clId="{2EDDC9A8-AB07-488F-9229-49B09BDC270E}" dt="2020-07-20T15:46:16.603" v="957" actId="1036"/>
+          <ac:spMkLst>
+            <pc:docMk/>
+            <pc:sldMk cId="1602312674" sldId="298"/>
+            <ac:spMk id="29" creationId="{137E063C-B691-47F3-AEAC-B7B89BB839A8}"/>
+          </ac:spMkLst>
+        </pc:spChg>
+        <pc:spChg chg="mod">
+          <ac:chgData name="Matthew Calligaro" userId="9c1e9647689a123b" providerId="LiveId" clId="{2EDDC9A8-AB07-488F-9229-49B09BDC270E}" dt="2020-07-20T15:14:17.113" v="737" actId="20577"/>
+          <ac:spMkLst>
+            <pc:docMk/>
+            <pc:sldMk cId="1602312674" sldId="298"/>
+            <ac:spMk id="30" creationId="{9D46283B-75BC-43AC-B6E2-F6E4EF9CA0EB}"/>
+          </ac:spMkLst>
+        </pc:spChg>
+        <pc:spChg chg="add mod">
+          <ac:chgData name="Matthew Calligaro" userId="9c1e9647689a123b" providerId="LiveId" clId="{2EDDC9A8-AB07-488F-9229-49B09BDC270E}" dt="2020-07-20T15:46:16.603" v="957" actId="1036"/>
+          <ac:spMkLst>
+            <pc:docMk/>
+            <pc:sldMk cId="1602312674" sldId="298"/>
+            <ac:spMk id="31" creationId="{4AEE141E-C304-4856-AE06-F730B2EC01C3}"/>
           </ac:spMkLst>
         </pc:spChg>
         <pc:spChg chg="add del mod">
@@ -617,6 +728,14 @@
             <ac:spMk id="32" creationId="{BFD814D1-293E-4D35-91F9-609B53A51A8C}"/>
           </ac:spMkLst>
         </pc:spChg>
+        <pc:spChg chg="add mod">
+          <ac:chgData name="Matthew Calligaro" userId="9c1e9647689a123b" providerId="LiveId" clId="{2EDDC9A8-AB07-488F-9229-49B09BDC270E}" dt="2020-07-20T15:46:16.603" v="957" actId="1036"/>
+          <ac:spMkLst>
+            <pc:docMk/>
+            <pc:sldMk cId="1602312674" sldId="298"/>
+            <ac:spMk id="32" creationId="{E46F1349-CADC-42CE-9426-BBBC715A94FE}"/>
+          </ac:spMkLst>
+        </pc:spChg>
         <pc:spChg chg="del mod">
           <ac:chgData name="Matthew Calligaro" userId="9c1e9647689a123b" providerId="LiveId" clId="{2EDDC9A8-AB07-488F-9229-49B09BDC270E}" dt="2020-07-20T14:33:19.624" v="624" actId="478"/>
           <ac:spMkLst>
@@ -625,12 +744,227 @@
             <ac:spMk id="33" creationId="{A80CC401-8C80-4FDF-A66C-25FCC884B529}"/>
           </ac:spMkLst>
         </pc:spChg>
+        <pc:spChg chg="add mod">
+          <ac:chgData name="Matthew Calligaro" userId="9c1e9647689a123b" providerId="LiveId" clId="{2EDDC9A8-AB07-488F-9229-49B09BDC270E}" dt="2020-07-20T15:46:16.603" v="957" actId="1036"/>
+          <ac:spMkLst>
+            <pc:docMk/>
+            <pc:sldMk cId="1602312674" sldId="298"/>
+            <ac:spMk id="33" creationId="{B70DF23C-4D01-4388-AE4D-897641451E62}"/>
+          </ac:spMkLst>
+        </pc:spChg>
+        <pc:spChg chg="add mod">
+          <ac:chgData name="Matthew Calligaro" userId="9c1e9647689a123b" providerId="LiveId" clId="{2EDDC9A8-AB07-488F-9229-49B09BDC270E}" dt="2020-07-20T15:46:16.603" v="957" actId="1036"/>
+          <ac:spMkLst>
+            <pc:docMk/>
+            <pc:sldMk cId="1602312674" sldId="298"/>
+            <ac:spMk id="34" creationId="{5920956B-89F1-4789-AAD4-67E75DFA7906}"/>
+          </ac:spMkLst>
+        </pc:spChg>
         <pc:spChg chg="add del mod">
           <ac:chgData name="Matthew Calligaro" userId="9c1e9647689a123b" providerId="LiveId" clId="{2EDDC9A8-AB07-488F-9229-49B09BDC270E}" dt="2020-07-20T14:33:13.457" v="620" actId="478"/>
           <ac:spMkLst>
             <pc:docMk/>
             <pc:sldMk cId="1602312674" sldId="298"/>
             <ac:spMk id="34" creationId="{9C2DB993-5A51-46C2-B1DB-AA52C944A2BD}"/>
+          </ac:spMkLst>
+        </pc:spChg>
+        <pc:spChg chg="mod">
+          <ac:chgData name="Matthew Calligaro" userId="9c1e9647689a123b" providerId="LiveId" clId="{2EDDC9A8-AB07-488F-9229-49B09BDC270E}" dt="2020-07-20T15:46:16.603" v="957" actId="1036"/>
+          <ac:spMkLst>
+            <pc:docMk/>
+            <pc:sldMk cId="1602312674" sldId="298"/>
+            <ac:spMk id="35" creationId="{3B7B5374-BB3B-445D-8ABF-C0CC6B000919}"/>
+          </ac:spMkLst>
+        </pc:spChg>
+        <pc:spChg chg="add mod">
+          <ac:chgData name="Matthew Calligaro" userId="9c1e9647689a123b" providerId="LiveId" clId="{2EDDC9A8-AB07-488F-9229-49B09BDC270E}" dt="2020-07-20T15:46:16.603" v="957" actId="1036"/>
+          <ac:spMkLst>
+            <pc:docMk/>
+            <pc:sldMk cId="1602312674" sldId="298"/>
+            <ac:spMk id="36" creationId="{D05D7EF9-9975-4065-B8D1-260D6732D3B7}"/>
+          </ac:spMkLst>
+        </pc:spChg>
+        <pc:spChg chg="mod">
+          <ac:chgData name="Matthew Calligaro" userId="9c1e9647689a123b" providerId="LiveId" clId="{2EDDC9A8-AB07-488F-9229-49B09BDC270E}" dt="2020-07-20T15:46:16.603" v="957" actId="1036"/>
+          <ac:spMkLst>
+            <pc:docMk/>
+            <pc:sldMk cId="1602312674" sldId="298"/>
+            <ac:spMk id="37" creationId="{76C8BBB3-8F2E-40E5-B792-BE0CE7D546B5}"/>
+          </ac:spMkLst>
+        </pc:spChg>
+        <pc:spChg chg="add mod">
+          <ac:chgData name="Matthew Calligaro" userId="9c1e9647689a123b" providerId="LiveId" clId="{2EDDC9A8-AB07-488F-9229-49B09BDC270E}" dt="2020-07-20T15:47:40.177" v="980" actId="164"/>
+          <ac:spMkLst>
+            <pc:docMk/>
+            <pc:sldMk cId="1602312674" sldId="298"/>
+            <ac:spMk id="39" creationId="{221E3BE7-AF0D-4E77-AD0C-B3A4A27D95E7}"/>
+          </ac:spMkLst>
+        </pc:spChg>
+        <pc:spChg chg="add mod">
+          <ac:chgData name="Matthew Calligaro" userId="9c1e9647689a123b" providerId="LiveId" clId="{2EDDC9A8-AB07-488F-9229-49B09BDC270E}" dt="2020-07-20T15:47:40.177" v="980" actId="164"/>
+          <ac:spMkLst>
+            <pc:docMk/>
+            <pc:sldMk cId="1602312674" sldId="298"/>
+            <ac:spMk id="40" creationId="{69A96215-AE98-40AB-8E37-912532F5B503}"/>
+          </ac:spMkLst>
+        </pc:spChg>
+        <pc:spChg chg="add mod">
+          <ac:chgData name="Matthew Calligaro" userId="9c1e9647689a123b" providerId="LiveId" clId="{2EDDC9A8-AB07-488F-9229-49B09BDC270E}" dt="2020-07-20T15:47:40.177" v="980" actId="164"/>
+          <ac:spMkLst>
+            <pc:docMk/>
+            <pc:sldMk cId="1602312674" sldId="298"/>
+            <ac:spMk id="41" creationId="{2C4C2E7E-8F51-4B41-907C-4CF50DE06579}"/>
+          </ac:spMkLst>
+        </pc:spChg>
+        <pc:grpChg chg="add del mod">
+          <ac:chgData name="Matthew Calligaro" userId="9c1e9647689a123b" providerId="LiveId" clId="{2EDDC9A8-AB07-488F-9229-49B09BDC270E}" dt="2020-07-20T15:40:43.199" v="863" actId="165"/>
+          <ac:grpSpMkLst>
+            <pc:docMk/>
+            <pc:sldMk cId="1602312674" sldId="298"/>
+            <ac:grpSpMk id="3" creationId="{741EAF30-B7AE-44A2-BE2F-E76F7FF3DCA2}"/>
+          </ac:grpSpMkLst>
+        </pc:grpChg>
+        <pc:grpChg chg="del mod">
+          <ac:chgData name="Matthew Calligaro" userId="9c1e9647689a123b" providerId="LiveId" clId="{2EDDC9A8-AB07-488F-9229-49B09BDC270E}" dt="2020-07-20T15:40:31.056" v="856" actId="165"/>
+          <ac:grpSpMkLst>
+            <pc:docMk/>
+            <pc:sldMk cId="1602312674" sldId="298"/>
+            <ac:grpSpMk id="10" creationId="{DDA9A9BA-2383-4BCA-BD49-B1A36F64D5F8}"/>
+          </ac:grpSpMkLst>
+        </pc:grpChg>
+        <pc:grpChg chg="del mod topLvl">
+          <ac:chgData name="Matthew Calligaro" userId="9c1e9647689a123b" providerId="LiveId" clId="{2EDDC9A8-AB07-488F-9229-49B09BDC270E}" dt="2020-07-20T15:40:45.830" v="864" actId="165"/>
+          <ac:grpSpMkLst>
+            <pc:docMk/>
+            <pc:sldMk cId="1602312674" sldId="298"/>
+            <ac:grpSpMk id="11" creationId="{94B932B3-D1D3-46ED-87F8-D854AB461D62}"/>
+          </ac:grpSpMkLst>
+        </pc:grpChg>
+        <pc:grpChg chg="add del mod">
+          <ac:chgData name="Matthew Calligaro" userId="9c1e9647689a123b" providerId="LiveId" clId="{2EDDC9A8-AB07-488F-9229-49B09BDC270E}" dt="2020-07-20T15:45:49.956" v="940" actId="165"/>
+          <ac:grpSpMkLst>
+            <pc:docMk/>
+            <pc:sldMk cId="1602312674" sldId="298"/>
+            <ac:grpSpMk id="13" creationId="{00DA2E1D-1CA6-4BE5-A277-7BA42C49B67F}"/>
+          </ac:grpSpMkLst>
+        </pc:grpChg>
+        <pc:grpChg chg="add mod">
+          <ac:chgData name="Matthew Calligaro" userId="9c1e9647689a123b" providerId="LiveId" clId="{2EDDC9A8-AB07-488F-9229-49B09BDC270E}" dt="2020-07-20T15:46:16.603" v="957" actId="1036"/>
+          <ac:grpSpMkLst>
+            <pc:docMk/>
+            <pc:sldMk cId="1602312674" sldId="298"/>
+            <ac:grpSpMk id="19" creationId="{7140473F-613A-4D4A-A5E1-63CB57491DB7}"/>
+          </ac:grpSpMkLst>
+        </pc:grpChg>
+        <pc:grpChg chg="add mod">
+          <ac:chgData name="Matthew Calligaro" userId="9c1e9647689a123b" providerId="LiveId" clId="{2EDDC9A8-AB07-488F-9229-49B09BDC270E}" dt="2020-07-20T15:45:58.335" v="944" actId="164"/>
+          <ac:grpSpMkLst>
+            <pc:docMk/>
+            <pc:sldMk cId="1602312674" sldId="298"/>
+            <ac:grpSpMk id="20" creationId="{BFFE3306-7DCA-4F0B-9FB7-F6E54CE3A09B}"/>
+          </ac:grpSpMkLst>
+        </pc:grpChg>
+        <pc:grpChg chg="add del mod">
+          <ac:chgData name="Matthew Calligaro" userId="9c1e9647689a123b" providerId="LiveId" clId="{2EDDC9A8-AB07-488F-9229-49B09BDC270E}" dt="2020-07-20T15:47:34.766" v="979" actId="165"/>
+          <ac:grpSpMkLst>
+            <pc:docMk/>
+            <pc:sldMk cId="1602312674" sldId="298"/>
+            <ac:grpSpMk id="21" creationId="{DDBCD359-8A31-4D25-AF73-860BC33234B6}"/>
+          </ac:grpSpMkLst>
+        </pc:grpChg>
+        <pc:grpChg chg="del">
+          <ac:chgData name="Matthew Calligaro" userId="9c1e9647689a123b" providerId="LiveId" clId="{2EDDC9A8-AB07-488F-9229-49B09BDC270E}" dt="2020-07-20T15:44:52.831" v="935" actId="165"/>
+          <ac:grpSpMkLst>
+            <pc:docMk/>
+            <pc:sldMk cId="1602312674" sldId="298"/>
+            <ac:grpSpMk id="22" creationId="{818B23E3-1614-4574-A13B-217ED2234568}"/>
+          </ac:grpSpMkLst>
+        </pc:grpChg>
+        <pc:grpChg chg="add mod">
+          <ac:chgData name="Matthew Calligaro" userId="9c1e9647689a123b" providerId="LiveId" clId="{2EDDC9A8-AB07-488F-9229-49B09BDC270E}" dt="2020-07-20T15:47:40.177" v="980" actId="164"/>
+          <ac:grpSpMkLst>
+            <pc:docMk/>
+            <pc:sldMk cId="1602312674" sldId="298"/>
+            <ac:grpSpMk id="26" creationId="{176AEA03-C7A2-4524-8690-05896D24C2E8}"/>
+          </ac:grpSpMkLst>
+        </pc:grpChg>
+        <pc:picChg chg="add mod">
+          <ac:chgData name="Matthew Calligaro" userId="9c1e9647689a123b" providerId="LiveId" clId="{2EDDC9A8-AB07-488F-9229-49B09BDC270E}" dt="2020-07-20T15:46:16.603" v="957" actId="1036"/>
+          <ac:picMkLst>
+            <pc:docMk/>
+            <pc:sldMk cId="1602312674" sldId="298"/>
+            <ac:picMk id="28" creationId="{2271EB91-AC20-4F12-82D2-0B09E93CD792}"/>
+          </ac:picMkLst>
+        </pc:picChg>
+        <pc:picChg chg="add mod topLvl">
+          <ac:chgData name="Matthew Calligaro" userId="9c1e9647689a123b" providerId="LiveId" clId="{2EDDC9A8-AB07-488F-9229-49B09BDC270E}" dt="2020-07-20T15:48:38.438" v="1003" actId="1035"/>
+          <ac:picMkLst>
+            <pc:docMk/>
+            <pc:sldMk cId="1602312674" sldId="298"/>
+            <ac:picMk id="38" creationId="{CC377D04-0555-4F0E-92A1-511F44A059A4}"/>
+          </ac:picMkLst>
+        </pc:picChg>
+        <pc:cxnChg chg="mod topLvl">
+          <ac:chgData name="Matthew Calligaro" userId="9c1e9647689a123b" providerId="LiveId" clId="{2EDDC9A8-AB07-488F-9229-49B09BDC270E}" dt="2020-07-20T15:47:40.177" v="980" actId="164"/>
+          <ac:cxnSpMkLst>
+            <pc:docMk/>
+            <pc:sldMk cId="1602312674" sldId="298"/>
+            <ac:cxnSpMk id="16" creationId="{FEA109F8-91E5-4C17-8930-974A65AC0D50}"/>
+          </ac:cxnSpMkLst>
+        </pc:cxnChg>
+        <pc:cxnChg chg="mod topLvl">
+          <ac:chgData name="Matthew Calligaro" userId="9c1e9647689a123b" providerId="LiveId" clId="{2EDDC9A8-AB07-488F-9229-49B09BDC270E}" dt="2020-07-20T15:47:40.177" v="980" actId="164"/>
+          <ac:cxnSpMkLst>
+            <pc:docMk/>
+            <pc:sldMk cId="1602312674" sldId="298"/>
+            <ac:cxnSpMk id="17" creationId="{4A6E2A80-8647-49F5-8C09-1FF4C321B5E5}"/>
+          </ac:cxnSpMkLst>
+        </pc:cxnChg>
+        <pc:cxnChg chg="mod topLvl">
+          <ac:chgData name="Matthew Calligaro" userId="9c1e9647689a123b" providerId="LiveId" clId="{2EDDC9A8-AB07-488F-9229-49B09BDC270E}" dt="2020-07-20T15:47:40.177" v="980" actId="164"/>
+          <ac:cxnSpMkLst>
+            <pc:docMk/>
+            <pc:sldMk cId="1602312674" sldId="298"/>
+            <ac:cxnSpMk id="18" creationId="{E5F8715C-0268-49D2-AEC6-F4D835347A19}"/>
+          </ac:cxnSpMkLst>
+        </pc:cxnChg>
+        <pc:cxnChg chg="mod topLvl">
+          <ac:chgData name="Matthew Calligaro" userId="9c1e9647689a123b" providerId="LiveId" clId="{2EDDC9A8-AB07-488F-9229-49B09BDC270E}" dt="2020-07-20T15:46:16.603" v="957" actId="1036"/>
+          <ac:cxnSpMkLst>
+            <pc:docMk/>
+            <pc:sldMk cId="1602312674" sldId="298"/>
+            <ac:cxnSpMk id="23" creationId="{9AFE39A9-017E-45E0-B8C0-5381889EBB4C}"/>
+          </ac:cxnSpMkLst>
+        </pc:cxnChg>
+        <pc:cxnChg chg="mod topLvl">
+          <ac:chgData name="Matthew Calligaro" userId="9c1e9647689a123b" providerId="LiveId" clId="{2EDDC9A8-AB07-488F-9229-49B09BDC270E}" dt="2020-07-20T15:46:16.603" v="957" actId="1036"/>
+          <ac:cxnSpMkLst>
+            <pc:docMk/>
+            <pc:sldMk cId="1602312674" sldId="298"/>
+            <ac:cxnSpMk id="24" creationId="{31545C4C-7E52-4B7F-9474-49195DD89B8F}"/>
+          </ac:cxnSpMkLst>
+        </pc:cxnChg>
+        <pc:cxnChg chg="mod topLvl">
+          <ac:chgData name="Matthew Calligaro" userId="9c1e9647689a123b" providerId="LiveId" clId="{2EDDC9A8-AB07-488F-9229-49B09BDC270E}" dt="2020-07-20T15:46:16.603" v="957" actId="1036"/>
+          <ac:cxnSpMkLst>
+            <pc:docMk/>
+            <pc:sldMk cId="1602312674" sldId="298"/>
+            <ac:cxnSpMk id="25" creationId="{19DED80A-4F06-450B-AEC4-53B9158BDE7F}"/>
+          </ac:cxnSpMkLst>
+        </pc:cxnChg>
+      </pc:sldChg>
+      <pc:sldChg chg="modSp mod">
+        <pc:chgData name="Matthew Calligaro" userId="9c1e9647689a123b" providerId="LiveId" clId="{2EDDC9A8-AB07-488F-9229-49B09BDC270E}" dt="2020-07-20T15:19:49.337" v="796" actId="57"/>
+        <pc:sldMkLst>
+          <pc:docMk/>
+          <pc:sldMk cId="799295049" sldId="300"/>
+        </pc:sldMkLst>
+        <pc:spChg chg="mod">
+          <ac:chgData name="Matthew Calligaro" userId="9c1e9647689a123b" providerId="LiveId" clId="{2EDDC9A8-AB07-488F-9229-49B09BDC270E}" dt="2020-07-20T15:19:49.337" v="796" actId="57"/>
+          <ac:spMkLst>
+            <pc:docMk/>
+            <pc:sldMk cId="799295049" sldId="300"/>
+            <ac:spMk id="13" creationId="{B24FE231-5794-49FE-9E80-AA090BFE0346}"/>
           </ac:spMkLst>
         </pc:spChg>
       </pc:sldChg>
@@ -746,13 +1080,13 @@
         </pc:cxnChg>
       </pc:sldChg>
       <pc:sldChg chg="modSp add mod">
-        <pc:chgData name="Matthew Calligaro" userId="9c1e9647689a123b" providerId="LiveId" clId="{2EDDC9A8-AB07-488F-9229-49B09BDC270E}" dt="2020-07-20T14:41:10.161" v="665" actId="20577"/>
+        <pc:chgData name="Matthew Calligaro" userId="9c1e9647689a123b" providerId="LiveId" clId="{2EDDC9A8-AB07-488F-9229-49B09BDC270E}" dt="2020-07-20T15:36:07.961" v="802"/>
         <pc:sldMkLst>
           <pc:docMk/>
           <pc:sldMk cId="2209331596" sldId="302"/>
         </pc:sldMkLst>
         <pc:spChg chg="mod">
-          <ac:chgData name="Matthew Calligaro" userId="9c1e9647689a123b" providerId="LiveId" clId="{2EDDC9A8-AB07-488F-9229-49B09BDC270E}" dt="2020-07-20T14:19:36.186" v="476"/>
+          <ac:chgData name="Matthew Calligaro" userId="9c1e9647689a123b" providerId="LiveId" clId="{2EDDC9A8-AB07-488F-9229-49B09BDC270E}" dt="2020-07-20T15:36:07.961" v="802"/>
           <ac:spMkLst>
             <pc:docMk/>
             <pc:sldMk cId="2209331596" sldId="302"/>
@@ -769,7 +1103,7 @@
         </pc:spChg>
       </pc:sldChg>
       <pc:sldChg chg="modSp mod">
-        <pc:chgData name="Matthew Calligaro" userId="9c1e9647689a123b" providerId="LiveId" clId="{2EDDC9A8-AB07-488F-9229-49B09BDC270E}" dt="2020-07-20T14:46:28.848" v="716" actId="1076"/>
+        <pc:chgData name="Matthew Calligaro" userId="9c1e9647689a123b" providerId="LiveId" clId="{2EDDC9A8-AB07-488F-9229-49B09BDC270E}" dt="2020-07-20T15:14:21.250" v="745" actId="20577"/>
         <pc:sldMkLst>
           <pc:docMk/>
           <pc:sldMk cId="2090432993" sldId="303"/>
@@ -788,6 +1122,14 @@
             <pc:docMk/>
             <pc:sldMk cId="2090432993" sldId="303"/>
             <ac:spMk id="8" creationId="{8AF067D8-C6E3-498D-B5D4-176F579DAFB4}"/>
+          </ac:spMkLst>
+        </pc:spChg>
+        <pc:spChg chg="mod">
+          <ac:chgData name="Matthew Calligaro" userId="9c1e9647689a123b" providerId="LiveId" clId="{2EDDC9A8-AB07-488F-9229-49B09BDC270E}" dt="2020-07-20T15:14:21.250" v="745" actId="20577"/>
+          <ac:spMkLst>
+            <pc:docMk/>
+            <pc:sldMk cId="2090432993" sldId="303"/>
+            <ac:spMk id="30" creationId="{9D46283B-75BC-43AC-B6E2-F6E4EF9CA0EB}"/>
           </ac:spMkLst>
         </pc:spChg>
         <pc:picChg chg="mod">
@@ -859,10 +1201,25 @@
   <pc:docChgLst>
     <pc:chgData name="Guest User" providerId="Windows Live" clId="Web-{E9ACE7D3-F2C8-4BD0-B1A8-B02415A9CDD6}"/>
     <pc:docChg chg="addSld delSld modSld">
-      <pc:chgData name="Guest User" userId="" providerId="Windows Live" clId="Web-{E9ACE7D3-F2C8-4BD0-B1A8-B02415A9CDD6}" dt="2020-07-20T14:42:53.835" v="87"/>
+      <pc:chgData name="Guest User" userId="" providerId="Windows Live" clId="Web-{E9ACE7D3-F2C8-4BD0-B1A8-B02415A9CDD6}" dt="2020-07-20T15:29:19.586" v="143" actId="20577"/>
       <pc:docMkLst>
         <pc:docMk/>
       </pc:docMkLst>
+      <pc:sldChg chg="modSp">
+        <pc:chgData name="Guest User" userId="" providerId="Windows Live" clId="Web-{E9ACE7D3-F2C8-4BD0-B1A8-B02415A9CDD6}" dt="2020-07-20T15:26:06.415" v="92" actId="20577"/>
+        <pc:sldMkLst>
+          <pc:docMk/>
+          <pc:sldMk cId="3762839996" sldId="279"/>
+        </pc:sldMkLst>
+        <pc:spChg chg="mod">
+          <ac:chgData name="Guest User" userId="" providerId="Windows Live" clId="Web-{E9ACE7D3-F2C8-4BD0-B1A8-B02415A9CDD6}" dt="2020-07-20T15:26:06.415" v="92" actId="20577"/>
+          <ac:spMkLst>
+            <pc:docMk/>
+            <pc:sldMk cId="3762839996" sldId="279"/>
+            <ac:spMk id="3" creationId="{08BBDCA9-2C3F-4F51-A781-2A2121CAE0F2}"/>
+          </ac:spMkLst>
+        </pc:spChg>
+      </pc:sldChg>
       <pc:sldChg chg="addSp delSp modSp">
         <pc:chgData name="Guest User" userId="" providerId="Windows Live" clId="Web-{E9ACE7D3-F2C8-4BD0-B1A8-B02415A9CDD6}" dt="2020-07-20T14:24:42.582" v="50" actId="1076"/>
         <pc:sldMkLst>
@@ -937,6 +1294,21 @@
             <pc:docMk/>
             <pc:sldMk cId="1447307080" sldId="301"/>
             <ac:spMk id="12" creationId="{54EF737B-D0CB-4F4D-8464-2B3E0F345742}"/>
+          </ac:spMkLst>
+        </pc:spChg>
+      </pc:sldChg>
+      <pc:sldChg chg="modSp">
+        <pc:chgData name="Guest User" userId="" providerId="Windows Live" clId="Web-{E9ACE7D3-F2C8-4BD0-B1A8-B02415A9CDD6}" dt="2020-07-20T15:29:19.586" v="142" actId="20577"/>
+        <pc:sldMkLst>
+          <pc:docMk/>
+          <pc:sldMk cId="2209331596" sldId="302"/>
+        </pc:sldMkLst>
+        <pc:spChg chg="mod">
+          <ac:chgData name="Guest User" userId="" providerId="Windows Live" clId="Web-{E9ACE7D3-F2C8-4BD0-B1A8-B02415A9CDD6}" dt="2020-07-20T15:29:19.586" v="142" actId="20577"/>
+          <ac:spMkLst>
+            <pc:docMk/>
+            <pc:sldMk cId="2209331596" sldId="302"/>
+            <ac:spMk id="3" creationId="{08BBDCA9-2C3F-4F51-A781-2A2121CAE0F2}"/>
           </ac:spMkLst>
         </pc:spChg>
       </pc:sldChg>
@@ -5120,7 +5492,7 @@
                 <a:latin typeface="+mj-lt"/>
                 <a:cs typeface="Segoe UI" panose="020B0502040204020203" pitchFamily="34" charset="0"/>
               </a:rPr>
-              <a:t>IMU</a:t>
+              <a:t>Inertial Measurement Units</a:t>
             </a:r>
           </a:p>
         </p:txBody>
@@ -5910,7 +6282,7 @@
           <a:effectLst/>
           <a:extLst>
             <a:ext uri="{AF507438-7753-43e0-B8FC-AC1667EBCBE1}">
-              <a14:hiddenEffects xmlns="" xmlns:a14="http://schemas.microsoft.com/office/drawing/2010/main">
+              <a14:hiddenEffects xmlns:a14="http://schemas.microsoft.com/office/drawing/2010/main" xmlns="">
                 <a:effectLst>
                   <a:outerShdw blurRad="63500" dist="38099" dir="2700000" algn="ctr" rotWithShape="0">
                     <a:schemeClr val="bg2">
@@ -5993,7 +6365,7 @@
           <a:effectLst/>
           <a:extLst>
             <a:ext uri="{AF507438-7753-43e0-B8FC-AC1667EBCBE1}">
-              <a14:hiddenEffects xmlns="" xmlns:a14="http://schemas.microsoft.com/office/drawing/2010/main">
+              <a14:hiddenEffects xmlns:a14="http://schemas.microsoft.com/office/drawing/2010/main" xmlns="">
                 <a:effectLst>
                   <a:outerShdw blurRad="63500" dist="38099" dir="2700000" algn="ctr" rotWithShape="0">
                     <a:schemeClr val="bg2">
@@ -6692,7 +7064,7 @@
           <a:effectLst/>
           <a:extLst>
             <a:ext uri="{AF507438-7753-43e0-B8FC-AC1667EBCBE1}">
-              <a14:hiddenEffects xmlns="" xmlns:a14="http://schemas.microsoft.com/office/drawing/2010/main">
+              <a14:hiddenEffects xmlns:a14="http://schemas.microsoft.com/office/drawing/2010/main" xmlns="">
                 <a:effectLst>
                   <a:outerShdw blurRad="63500" dist="38099" dir="2700000" algn="ctr" rotWithShape="0">
                     <a:schemeClr val="bg2">
@@ -6775,7 +7147,7 @@
           <a:effectLst/>
           <a:extLst>
             <a:ext uri="{AF507438-7753-43e0-B8FC-AC1667EBCBE1}">
-              <a14:hiddenEffects xmlns="" xmlns:a14="http://schemas.microsoft.com/office/drawing/2010/main">
+              <a14:hiddenEffects xmlns:a14="http://schemas.microsoft.com/office/drawing/2010/main" xmlns="">
                 <a:effectLst>
                   <a:outerShdw blurRad="63500" dist="38099" dir="2700000" algn="ctr" rotWithShape="0">
                     <a:schemeClr val="bg2">
@@ -7093,7 +7465,21 @@
                 <a:latin typeface="Arial" panose="020B0604020202020204" pitchFamily="34" charset="0"/>
                 <a:cs typeface="Arial" panose="020B0604020202020204" pitchFamily="34" charset="0"/>
               </a:rPr>
-              <a:t>Has three values (in meters/sec2):</a:t>
+              <a:t>Has three values (in m/s</a:t>
+            </a:r>
+            <a:r>
+              <a:rPr lang="en-US" altLang="en-US" sz="2000" i="0" baseline="30000">
+                <a:latin typeface="+mj-lt"/>
+                <a:cs typeface="Arial" panose="020B0604020202020204" pitchFamily="34" charset="0"/>
+              </a:rPr>
+              <a:t>2</a:t>
+            </a:r>
+            <a:r>
+              <a:rPr lang="en-US" altLang="en-US" sz="2000">
+                <a:latin typeface="Arial" panose="020B0604020202020204" pitchFamily="34" charset="0"/>
+                <a:cs typeface="Arial" panose="020B0604020202020204" pitchFamily="34" charset="0"/>
+              </a:rPr>
+              <a:t>):</a:t>
             </a:r>
           </a:p>
           <a:p>
@@ -7795,7 +8181,7 @@
           <a:effectLst/>
           <a:extLst>
             <a:ext uri="{AF507438-7753-43e0-B8FC-AC1667EBCBE1}">
-              <a14:hiddenEffects xmlns="" xmlns:a14="http://schemas.microsoft.com/office/drawing/2010/main">
+              <a14:hiddenEffects xmlns:a14="http://schemas.microsoft.com/office/drawing/2010/main" xmlns="">
                 <a:effectLst>
                   <a:outerShdw blurRad="63500" dist="38099" dir="2700000" algn="ctr" rotWithShape="0">
                     <a:schemeClr val="bg2">
@@ -7878,7 +8264,7 @@
           <a:effectLst/>
           <a:extLst>
             <a:ext uri="{AF507438-7753-43e0-B8FC-AC1667EBCBE1}">
-              <a14:hiddenEffects xmlns="" xmlns:a14="http://schemas.microsoft.com/office/drawing/2010/main">
+              <a14:hiddenEffects xmlns:a14="http://schemas.microsoft.com/office/drawing/2010/main" xmlns="">
                 <a:effectLst>
                   <a:outerShdw blurRad="63500" dist="38099" dir="2700000" algn="ctr" rotWithShape="0">
                     <a:schemeClr val="bg2">
@@ -9127,7 +9513,7 @@
           <a:effectLst/>
           <a:extLst>
             <a:ext uri="{AF507438-7753-43e0-B8FC-AC1667EBCBE1}">
-              <a14:hiddenEffects xmlns="" xmlns:a14="http://schemas.microsoft.com/office/drawing/2010/main">
+              <a14:hiddenEffects xmlns:a14="http://schemas.microsoft.com/office/drawing/2010/main" xmlns="">
                 <a:effectLst>
                   <a:outerShdw blurRad="63500" dist="38099" dir="2700000" algn="ctr" rotWithShape="0">
                     <a:schemeClr val="bg2">
@@ -9210,7 +9596,7 @@
           <a:effectLst/>
           <a:extLst>
             <a:ext uri="{AF507438-7753-43e0-B8FC-AC1667EBCBE1}">
-              <a14:hiddenEffects xmlns="" xmlns:a14="http://schemas.microsoft.com/office/drawing/2010/main">
+              <a14:hiddenEffects xmlns:a14="http://schemas.microsoft.com/office/drawing/2010/main" xmlns="">
                 <a:effectLst>
                   <a:outerShdw blurRad="63500" dist="38099" dir="2700000" algn="ctr" rotWithShape="0">
                     <a:schemeClr val="bg2">
@@ -9677,7 +10063,7 @@
           <a:effectLst/>
           <a:extLst>
             <a:ext uri="{AF507438-7753-43e0-B8FC-AC1667EBCBE1}">
-              <a14:hiddenEffects xmlns="" xmlns:a14="http://schemas.microsoft.com/office/drawing/2010/main">
+              <a14:hiddenEffects xmlns:a14="http://schemas.microsoft.com/office/drawing/2010/main" xmlns="">
                 <a:effectLst>
                   <a:outerShdw blurRad="63500" dist="38099" dir="2700000" algn="ctr" rotWithShape="0">
                     <a:schemeClr val="bg2">
@@ -9760,7 +10146,7 @@
           <a:effectLst/>
           <a:extLst>
             <a:ext uri="{AF507438-7753-43e0-B8FC-AC1667EBCBE1}">
-              <a14:hiddenEffects xmlns="" xmlns:a14="http://schemas.microsoft.com/office/drawing/2010/main">
+              <a14:hiddenEffects xmlns:a14="http://schemas.microsoft.com/office/drawing/2010/main" xmlns="">
                 <a:effectLst>
                   <a:outerShdw blurRad="63500" dist="38099" dir="2700000" algn="ctr" rotWithShape="0">
                     <a:schemeClr val="bg2">
@@ -9907,7 +10293,7 @@
           </a:prstGeom>
         </p:spPr>
         <p:txBody>
-          <a:bodyPr wrap="square">
+          <a:bodyPr wrap="square" anchor="t">
             <a:spAutoFit/>
           </a:bodyPr>
           <a:lstStyle/>
@@ -10085,7 +10471,7 @@
                 </a:solidFill>
                 <a:latin typeface="Consolas" panose="020B0609020204030204" pitchFamily="49" charset="0"/>
               </a:rPr>
-              <a:t>3</a:t>
+              <a:t>2</a:t>
             </a:r>
             <a:r>
               <a:rPr lang="en-US" sz="2000">
@@ -10719,7 +11105,7 @@
           <a:effectLst/>
           <a:extLst>
             <a:ext uri="{AF507438-7753-43e0-B8FC-AC1667EBCBE1}">
-              <a14:hiddenEffects xmlns="" xmlns:a14="http://schemas.microsoft.com/office/drawing/2010/main">
+              <a14:hiddenEffects xmlns:a14="http://schemas.microsoft.com/office/drawing/2010/main" xmlns="">
                 <a:effectLst>
                   <a:outerShdw blurRad="63500" dist="38099" dir="2700000" algn="ctr" rotWithShape="0">
                     <a:schemeClr val="bg2">
@@ -10802,7 +11188,7 @@
           <a:effectLst/>
           <a:extLst>
             <a:ext uri="{AF507438-7753-43e0-B8FC-AC1667EBCBE1}">
-              <a14:hiddenEffects xmlns="" xmlns:a14="http://schemas.microsoft.com/office/drawing/2010/main">
+              <a14:hiddenEffects xmlns:a14="http://schemas.microsoft.com/office/drawing/2010/main" xmlns="">
                 <a:effectLst>
                   <a:outerShdw blurRad="63500" dist="38099" dir="2700000" algn="ctr" rotWithShape="0">
                     <a:schemeClr val="bg2">
@@ -10942,34 +11328,17 @@
         <p:spPr>
           <a:xfrm>
             <a:off x="640080" y="1463040"/>
-            <a:ext cx="8305800" cy="4093428"/>
+            <a:ext cx="8305800" cy="3785652"/>
           </a:xfrm>
           <a:prstGeom prst="rect">
             <a:avLst/>
           </a:prstGeom>
         </p:spPr>
         <p:txBody>
-          <a:bodyPr wrap="square">
+          <a:bodyPr wrap="square" anchor="t">
             <a:spAutoFit/>
           </a:bodyPr>
           <a:lstStyle/>
-          <a:p>
-            <a:r>
-              <a:rPr lang="en-US" sz="2000">
-                <a:solidFill>
-                  <a:srgbClr val="008000"/>
-                </a:solidFill>
-                <a:latin typeface="Consolas" panose="020B0609020204030204" pitchFamily="49" charset="0"/>
-              </a:rPr>
-              <a:t># Example 2</a:t>
-            </a:r>
-            <a:endParaRPr lang="en-US" sz="2000">
-              <a:solidFill>
-                <a:srgbClr val="000000"/>
-              </a:solidFill>
-              <a:latin typeface="Consolas" panose="020B0609020204030204" pitchFamily="49" charset="0"/>
-            </a:endParaRPr>
-          </a:p>
           <a:p>
             <a:r>
               <a:rPr lang="en-US" sz="2000">
@@ -11170,7 +11539,25 @@
                 </a:solidFill>
                 <a:latin typeface="Consolas" panose="020B0609020204030204" pitchFamily="49" charset="0"/>
               </a:rPr>
-              <a:t>]</a:t>
+              <a:t>] * </a:t>
+            </a:r>
+            <a:r>
+              <a:rPr lang="en-US" sz="2000" err="1">
+                <a:solidFill>
+                  <a:srgbClr val="000000"/>
+                </a:solidFill>
+                <a:latin typeface="Consolas" panose="020B0609020204030204" pitchFamily="49" charset="0"/>
+              </a:rPr>
+              <a:t>rc.get_delta_time</a:t>
+            </a:r>
+            <a:r>
+              <a:rPr lang="en-US" sz="2000">
+                <a:solidFill>
+                  <a:srgbClr val="000000"/>
+                </a:solidFill>
+                <a:latin typeface="Consolas" panose="020B0609020204030204" pitchFamily="49" charset="0"/>
+              </a:rPr>
+              <a:t>()</a:t>
             </a:r>
           </a:p>
           <a:p>
@@ -11898,7 +12285,7 @@
           <a:effectLst/>
           <a:extLst>
             <a:ext uri="{AF507438-7753-43e0-B8FC-AC1667EBCBE1}">
-              <a14:hiddenEffects xmlns="" xmlns:a14="http://schemas.microsoft.com/office/drawing/2010/main">
+              <a14:hiddenEffects xmlns:a14="http://schemas.microsoft.com/office/drawing/2010/main" xmlns="">
                 <a:effectLst>
                   <a:outerShdw blurRad="63500" dist="38099" dir="2700000" algn="ctr" rotWithShape="0">
                     <a:schemeClr val="bg2">
@@ -11981,7 +12368,7 @@
           <a:effectLst/>
           <a:extLst>
             <a:ext uri="{AF507438-7753-43e0-B8FC-AC1667EBCBE1}">
-              <a14:hiddenEffects xmlns="" xmlns:a14="http://schemas.microsoft.com/office/drawing/2010/main">
+              <a14:hiddenEffects xmlns:a14="http://schemas.microsoft.com/office/drawing/2010/main" xmlns="">
                 <a:effectLst>
                   <a:outerShdw blurRad="63500" dist="38099" dir="2700000" algn="ctr" rotWithShape="0">
                     <a:schemeClr val="bg2">
@@ -12494,7 +12881,7 @@
           <a:effectLst/>
           <a:extLst>
             <a:ext uri="{AF507438-7753-43e0-B8FC-AC1667EBCBE1}">
-              <a14:hiddenEffects xmlns="" xmlns:a14="http://schemas.microsoft.com/office/drawing/2010/main">
+              <a14:hiddenEffects xmlns:a14="http://schemas.microsoft.com/office/drawing/2010/main" xmlns="">
                 <a:effectLst>
                   <a:outerShdw blurRad="63500" dist="38099" dir="2700000" algn="ctr" rotWithShape="0">
                     <a:schemeClr val="bg2">
@@ -12577,7 +12964,7 @@
           <a:effectLst/>
           <a:extLst>
             <a:ext uri="{AF507438-7753-43e0-B8FC-AC1667EBCBE1}">
-              <a14:hiddenEffects xmlns="" xmlns:a14="http://schemas.microsoft.com/office/drawing/2010/main">
+              <a14:hiddenEffects xmlns:a14="http://schemas.microsoft.com/office/drawing/2010/main" xmlns="">
                 <a:effectLst>
                   <a:outerShdw blurRad="63500" dist="38099" dir="2700000" algn="ctr" rotWithShape="0">
                     <a:schemeClr val="bg2">
@@ -13315,7 +13702,7 @@
           <a:effectLst/>
           <a:extLst>
             <a:ext uri="{AF507438-7753-43e0-B8FC-AC1667EBCBE1}">
-              <a14:hiddenEffects xmlns="" xmlns:a14="http://schemas.microsoft.com/office/drawing/2010/main">
+              <a14:hiddenEffects xmlns:a14="http://schemas.microsoft.com/office/drawing/2010/main" xmlns="">
                 <a:effectLst>
                   <a:outerShdw blurRad="63500" dist="38099" dir="2700000" algn="ctr" rotWithShape="0">
                     <a:schemeClr val="bg2">
@@ -13398,7 +13785,7 @@
           <a:effectLst/>
           <a:extLst>
             <a:ext uri="{AF507438-7753-43e0-B8FC-AC1667EBCBE1}">
-              <a14:hiddenEffects xmlns="" xmlns:a14="http://schemas.microsoft.com/office/drawing/2010/main">
+              <a14:hiddenEffects xmlns:a14="http://schemas.microsoft.com/office/drawing/2010/main" xmlns="">
                 <a:effectLst>
                   <a:outerShdw blurRad="63500" dist="38099" dir="2700000" algn="ctr" rotWithShape="0">
                     <a:schemeClr val="bg2">
@@ -13854,7 +14241,7 @@
           <a:effectLst/>
           <a:extLst>
             <a:ext uri="{AF507438-7753-43e0-B8FC-AC1667EBCBE1}">
-              <a14:hiddenEffects xmlns="" xmlns:a14="http://schemas.microsoft.com/office/drawing/2010/main">
+              <a14:hiddenEffects xmlns:a14="http://schemas.microsoft.com/office/drawing/2010/main" xmlns="">
                 <a:effectLst>
                   <a:outerShdw blurRad="63500" dist="38099" dir="2700000" algn="ctr" rotWithShape="0">
                     <a:schemeClr val="bg2">
@@ -13937,7 +14324,7 @@
           <a:effectLst/>
           <a:extLst>
             <a:ext uri="{AF507438-7753-43e0-B8FC-AC1667EBCBE1}">
-              <a14:hiddenEffects xmlns="" xmlns:a14="http://schemas.microsoft.com/office/drawing/2010/main">
+              <a14:hiddenEffects xmlns:a14="http://schemas.microsoft.com/office/drawing/2010/main" xmlns="">
                 <a:effectLst>
                   <a:outerShdw blurRad="63500" dist="38099" dir="2700000" algn="ctr" rotWithShape="0">
                     <a:schemeClr val="bg2">
@@ -15860,7 +16247,7 @@
           <a:effectLst/>
           <a:extLst>
             <a:ext uri="{AF507438-7753-43e0-B8FC-AC1667EBCBE1}">
-              <a14:hiddenEffects xmlns="" xmlns:a14="http://schemas.microsoft.com/office/drawing/2010/main">
+              <a14:hiddenEffects xmlns:a14="http://schemas.microsoft.com/office/drawing/2010/main" xmlns="">
                 <a:effectLst>
                   <a:outerShdw blurRad="63500" dist="38099" dir="2700000" algn="ctr" rotWithShape="0">
                     <a:schemeClr val="bg2">
@@ -15943,7 +16330,7 @@
           <a:effectLst/>
           <a:extLst>
             <a:ext uri="{AF507438-7753-43e0-B8FC-AC1667EBCBE1}">
-              <a14:hiddenEffects xmlns="" xmlns:a14="http://schemas.microsoft.com/office/drawing/2010/main">
+              <a14:hiddenEffects xmlns:a14="http://schemas.microsoft.com/office/drawing/2010/main" xmlns="">
                 <a:effectLst>
                   <a:outerShdw blurRad="63500" dist="38099" dir="2700000" algn="ctr" rotWithShape="0">
                     <a:schemeClr val="bg2">
@@ -16225,7 +16612,7 @@
                 </a:solidFill>
                 <a:cs typeface="Segoe UI" panose="020B0502040204020203" pitchFamily="34" charset="0"/>
               </a:rPr>
-              <a:t>Internal Measurement Unit (IMU)</a:t>
+              <a:t>Inertial Measurement Unit (IMU)</a:t>
             </a:r>
           </a:p>
         </p:txBody>
@@ -16677,7 +17064,7 @@
           <a:effectLst/>
           <a:extLst>
             <a:ext uri="{AF507438-7753-43e0-B8FC-AC1667EBCBE1}">
-              <a14:hiddenEffects xmlns="" xmlns:a14="http://schemas.microsoft.com/office/drawing/2010/main">
+              <a14:hiddenEffects xmlns:a14="http://schemas.microsoft.com/office/drawing/2010/main" xmlns="">
                 <a:effectLst>
                   <a:outerShdw blurRad="63500" dist="38099" dir="2700000" algn="ctr" rotWithShape="0">
                     <a:schemeClr val="bg2">
@@ -16760,7 +17147,7 @@
           <a:effectLst/>
           <a:extLst>
             <a:ext uri="{AF507438-7753-43e0-B8FC-AC1667EBCBE1}">
-              <a14:hiddenEffects xmlns="" xmlns:a14="http://schemas.microsoft.com/office/drawing/2010/main">
+              <a14:hiddenEffects xmlns:a14="http://schemas.microsoft.com/office/drawing/2010/main" xmlns="">
                 <a:effectLst>
                   <a:outerShdw blurRad="63500" dist="38099" dir="2700000" algn="ctr" rotWithShape="0">
                     <a:schemeClr val="bg2">
@@ -17042,17 +17429,465 @@
                 </a:solidFill>
                 <a:cs typeface="Segoe UI" panose="020B0502040204020203" pitchFamily="34" charset="0"/>
               </a:rPr>
-              <a:t>Internal Measurement Unit (IMU)</a:t>
+              <a:t>Inertial Measurement Unit (IMU)</a:t>
+            </a:r>
+          </a:p>
+        </p:txBody>
+      </p:sp>
+      <p:sp>
+        <p:nvSpPr>
+          <p:cNvPr id="7" name="Content Placeholder 2">
+            <a:extLst>
+              <a:ext uri="{FF2B5EF4-FFF2-40B4-BE49-F238E27FC236}">
+                <a16:creationId xmlns:a16="http://schemas.microsoft.com/office/drawing/2014/main" id="{2809B730-BFC3-46AF-96B3-988386627DDF}"/>
+              </a:ext>
+            </a:extLst>
+          </p:cNvPr>
+          <p:cNvSpPr txBox="1">
+            <a:spLocks/>
+          </p:cNvSpPr>
+          <p:nvPr/>
+        </p:nvSpPr>
+        <p:spPr bwMode="auto">
+          <a:xfrm>
+            <a:off x="643119" y="1514942"/>
+            <a:ext cx="1650808" cy="516201"/>
+          </a:xfrm>
+          <a:prstGeom prst="rect">
+            <a:avLst/>
+          </a:prstGeom>
+          <a:noFill/>
+          <a:ln>
+            <a:noFill/>
+          </a:ln>
+          <a:extLst>
+            <a:ext uri="{909E8E84-426E-40DD-AFC4-6F175D3DCCD1}">
+              <a14:hiddenFill xmlns:a14="http://schemas.microsoft.com/office/drawing/2010/main">
+                <a:solidFill>
+                  <a:srgbClr val="FFFFFF"/>
+                </a:solidFill>
+              </a14:hiddenFill>
+            </a:ext>
+            <a:ext uri="{91240B29-F687-4F45-9708-019B960494DF}">
+              <a14:hiddenLine xmlns:a14="http://schemas.microsoft.com/office/drawing/2010/main" w="9525">
+                <a:solidFill>
+                  <a:srgbClr val="000000"/>
+                </a:solidFill>
+                <a:miter lim="800000"/>
+                <a:headEnd/>
+                <a:tailEnd/>
+              </a14:hiddenLine>
+            </a:ext>
+          </a:extLst>
+        </p:spPr>
+        <p:txBody>
+          <a:bodyPr vert="horz" wrap="square" lIns="91440" tIns="45720" rIns="91440" bIns="45720" numCol="1" anchor="t" anchorCtr="0" compatLnSpc="1">
+            <a:prstTxWarp prst="textNoShape">
+              <a:avLst/>
+            </a:prstTxWarp>
+          </a:bodyPr>
+          <a:lstStyle>
+            <a:lvl1pPr marL="230188" indent="-230188" algn="l" rtl="0" eaLnBrk="0" fontAlgn="base" hangingPunct="0">
+              <a:lnSpc>
+                <a:spcPts val="2700"/>
+              </a:lnSpc>
+              <a:spcBef>
+                <a:spcPct val="0"/>
+              </a:spcBef>
+              <a:spcAft>
+                <a:spcPts val="1400"/>
+              </a:spcAft>
+              <a:buClr>
+                <a:srgbClr val="993333"/>
+              </a:buClr>
+              <a:buChar char="•"/>
+              <a:defRPr sz="2300">
+                <a:solidFill>
+                  <a:schemeClr val="tx1"/>
+                </a:solidFill>
+                <a:latin typeface="+mn-lt"/>
+                <a:ea typeface="+mn-ea"/>
+                <a:cs typeface="Geneva" charset="0"/>
+              </a:defRPr>
+            </a:lvl1pPr>
+            <a:lvl2pPr marL="742950" indent="-285750" algn="l" rtl="0" eaLnBrk="0" fontAlgn="base" hangingPunct="0">
+              <a:lnSpc>
+                <a:spcPts val="2800"/>
+              </a:lnSpc>
+              <a:spcBef>
+                <a:spcPct val="0"/>
+              </a:spcBef>
+              <a:spcAft>
+                <a:spcPts val="1400"/>
+              </a:spcAft>
+              <a:buChar char="–"/>
+              <a:defRPr sz="2300">
+                <a:solidFill>
+                  <a:schemeClr val="tx1"/>
+                </a:solidFill>
+                <a:latin typeface="+mn-lt"/>
+                <a:ea typeface="+mn-ea"/>
+              </a:defRPr>
+            </a:lvl2pPr>
+            <a:lvl3pPr marL="1143000" indent="-228600" algn="l" rtl="0" eaLnBrk="0" fontAlgn="base" hangingPunct="0">
+              <a:spcBef>
+                <a:spcPct val="20000"/>
+              </a:spcBef>
+              <a:spcAft>
+                <a:spcPct val="0"/>
+              </a:spcAft>
+              <a:buClr>
+                <a:srgbClr val="993333"/>
+              </a:buClr>
+              <a:buChar char="•"/>
+              <a:defRPr sz="2300">
+                <a:solidFill>
+                  <a:schemeClr val="tx1"/>
+                </a:solidFill>
+                <a:latin typeface="+mn-lt"/>
+                <a:ea typeface="+mn-ea"/>
+              </a:defRPr>
+            </a:lvl3pPr>
+            <a:lvl4pPr marL="1600200" indent="-228600" algn="l" rtl="0" eaLnBrk="0" fontAlgn="base" hangingPunct="0">
+              <a:spcBef>
+                <a:spcPct val="20000"/>
+              </a:spcBef>
+              <a:spcAft>
+                <a:spcPct val="0"/>
+              </a:spcAft>
+              <a:defRPr sz="2000">
+                <a:solidFill>
+                  <a:schemeClr val="tx1"/>
+                </a:solidFill>
+                <a:latin typeface="Times" charset="0"/>
+                <a:ea typeface="+mn-ea"/>
+              </a:defRPr>
+            </a:lvl4pPr>
+            <a:lvl5pPr marL="2057400" indent="-228600" algn="l" rtl="0" eaLnBrk="0" fontAlgn="base" hangingPunct="0">
+              <a:spcBef>
+                <a:spcPct val="20000"/>
+              </a:spcBef>
+              <a:spcAft>
+                <a:spcPct val="0"/>
+              </a:spcAft>
+              <a:buChar char="»"/>
+              <a:defRPr sz="2000">
+                <a:solidFill>
+                  <a:schemeClr val="tx1"/>
+                </a:solidFill>
+                <a:latin typeface="Times" charset="0"/>
+                <a:ea typeface="+mn-ea"/>
+              </a:defRPr>
+            </a:lvl5pPr>
+            <a:lvl6pPr marL="2514600" indent="-228600" algn="l" rtl="0" eaLnBrk="0" fontAlgn="base" hangingPunct="0">
+              <a:spcBef>
+                <a:spcPct val="20000"/>
+              </a:spcBef>
+              <a:spcAft>
+                <a:spcPct val="0"/>
+              </a:spcAft>
+              <a:buChar char="»"/>
+              <a:defRPr sz="2000">
+                <a:solidFill>
+                  <a:schemeClr val="tx1"/>
+                </a:solidFill>
+                <a:latin typeface="Times" charset="0"/>
+                <a:ea typeface="+mn-ea"/>
+              </a:defRPr>
+            </a:lvl6pPr>
+            <a:lvl7pPr marL="2971800" indent="-228600" algn="l" rtl="0" eaLnBrk="0" fontAlgn="base" hangingPunct="0">
+              <a:spcBef>
+                <a:spcPct val="20000"/>
+              </a:spcBef>
+              <a:spcAft>
+                <a:spcPct val="0"/>
+              </a:spcAft>
+              <a:buChar char="»"/>
+              <a:defRPr sz="2000">
+                <a:solidFill>
+                  <a:schemeClr val="tx1"/>
+                </a:solidFill>
+                <a:latin typeface="Times" charset="0"/>
+                <a:ea typeface="+mn-ea"/>
+              </a:defRPr>
+            </a:lvl7pPr>
+            <a:lvl8pPr marL="3429000" indent="-228600" algn="l" rtl="0" eaLnBrk="0" fontAlgn="base" hangingPunct="0">
+              <a:spcBef>
+                <a:spcPct val="20000"/>
+              </a:spcBef>
+              <a:spcAft>
+                <a:spcPct val="0"/>
+              </a:spcAft>
+              <a:buChar char="»"/>
+              <a:defRPr sz="2000">
+                <a:solidFill>
+                  <a:schemeClr val="tx1"/>
+                </a:solidFill>
+                <a:latin typeface="Times" charset="0"/>
+                <a:ea typeface="+mn-ea"/>
+              </a:defRPr>
+            </a:lvl8pPr>
+            <a:lvl9pPr marL="3886200" indent="-228600" algn="l" rtl="0" eaLnBrk="0" fontAlgn="base" hangingPunct="0">
+              <a:spcBef>
+                <a:spcPct val="20000"/>
+              </a:spcBef>
+              <a:spcAft>
+                <a:spcPct val="0"/>
+              </a:spcAft>
+              <a:buChar char="»"/>
+              <a:defRPr sz="2000">
+                <a:solidFill>
+                  <a:schemeClr val="tx1"/>
+                </a:solidFill>
+                <a:latin typeface="Times" charset="0"/>
+                <a:ea typeface="+mn-ea"/>
+              </a:defRPr>
+            </a:lvl9pPr>
+          </a:lstStyle>
+          <a:p>
+            <a:pPr marL="0" indent="0">
+              <a:buNone/>
+            </a:pPr>
+            <a:r>
+              <a:rPr lang="en-US" altLang="en-US" sz="3200" b="1" kern="0">
+                <a:latin typeface="Arial" panose="020B0604020202020204" pitchFamily="34" charset="0"/>
+                <a:cs typeface="Arial" panose="020B0604020202020204" pitchFamily="34" charset="0"/>
+              </a:rPr>
+              <a:t>Accel</a:t>
+            </a:r>
+          </a:p>
+        </p:txBody>
+      </p:sp>
+      <p:sp>
+        <p:nvSpPr>
+          <p:cNvPr id="8" name="Content Placeholder 2">
+            <a:extLst>
+              <a:ext uri="{FF2B5EF4-FFF2-40B4-BE49-F238E27FC236}">
+                <a16:creationId xmlns:a16="http://schemas.microsoft.com/office/drawing/2014/main" id="{8AF067D8-C6E3-498D-B5D4-176F579DAFB4}"/>
+              </a:ext>
+            </a:extLst>
+          </p:cNvPr>
+          <p:cNvSpPr txBox="1">
+            <a:spLocks/>
+          </p:cNvSpPr>
+          <p:nvPr/>
+        </p:nvSpPr>
+        <p:spPr bwMode="auto">
+          <a:xfrm>
+            <a:off x="5346796" y="1514942"/>
+            <a:ext cx="1650808" cy="516201"/>
+          </a:xfrm>
+          <a:prstGeom prst="rect">
+            <a:avLst/>
+          </a:prstGeom>
+          <a:noFill/>
+          <a:ln>
+            <a:noFill/>
+          </a:ln>
+          <a:extLst>
+            <a:ext uri="{909E8E84-426E-40DD-AFC4-6F175D3DCCD1}">
+              <a14:hiddenFill xmlns:a14="http://schemas.microsoft.com/office/drawing/2010/main">
+                <a:solidFill>
+                  <a:srgbClr val="FFFFFF"/>
+                </a:solidFill>
+              </a14:hiddenFill>
+            </a:ext>
+            <a:ext uri="{91240B29-F687-4F45-9708-019B960494DF}">
+              <a14:hiddenLine xmlns:a14="http://schemas.microsoft.com/office/drawing/2010/main" w="9525">
+                <a:solidFill>
+                  <a:srgbClr val="000000"/>
+                </a:solidFill>
+                <a:miter lim="800000"/>
+                <a:headEnd/>
+                <a:tailEnd/>
+              </a14:hiddenLine>
+            </a:ext>
+          </a:extLst>
+        </p:spPr>
+        <p:txBody>
+          <a:bodyPr vert="horz" wrap="square" lIns="91440" tIns="45720" rIns="91440" bIns="45720" numCol="1" anchor="t" anchorCtr="0" compatLnSpc="1">
+            <a:prstTxWarp prst="textNoShape">
+              <a:avLst/>
+            </a:prstTxWarp>
+          </a:bodyPr>
+          <a:lstStyle>
+            <a:lvl1pPr marL="230188" indent="-230188" algn="l" rtl="0" eaLnBrk="0" fontAlgn="base" hangingPunct="0">
+              <a:lnSpc>
+                <a:spcPts val="2700"/>
+              </a:lnSpc>
+              <a:spcBef>
+                <a:spcPct val="0"/>
+              </a:spcBef>
+              <a:spcAft>
+                <a:spcPts val="1400"/>
+              </a:spcAft>
+              <a:buClr>
+                <a:srgbClr val="993333"/>
+              </a:buClr>
+              <a:buChar char="•"/>
+              <a:defRPr sz="2300">
+                <a:solidFill>
+                  <a:schemeClr val="tx1"/>
+                </a:solidFill>
+                <a:latin typeface="+mn-lt"/>
+                <a:ea typeface="+mn-ea"/>
+                <a:cs typeface="Geneva" charset="0"/>
+              </a:defRPr>
+            </a:lvl1pPr>
+            <a:lvl2pPr marL="742950" indent="-285750" algn="l" rtl="0" eaLnBrk="0" fontAlgn="base" hangingPunct="0">
+              <a:lnSpc>
+                <a:spcPts val="2800"/>
+              </a:lnSpc>
+              <a:spcBef>
+                <a:spcPct val="0"/>
+              </a:spcBef>
+              <a:spcAft>
+                <a:spcPts val="1400"/>
+              </a:spcAft>
+              <a:buChar char="–"/>
+              <a:defRPr sz="2300">
+                <a:solidFill>
+                  <a:schemeClr val="tx1"/>
+                </a:solidFill>
+                <a:latin typeface="+mn-lt"/>
+                <a:ea typeface="+mn-ea"/>
+              </a:defRPr>
+            </a:lvl2pPr>
+            <a:lvl3pPr marL="1143000" indent="-228600" algn="l" rtl="0" eaLnBrk="0" fontAlgn="base" hangingPunct="0">
+              <a:spcBef>
+                <a:spcPct val="20000"/>
+              </a:spcBef>
+              <a:spcAft>
+                <a:spcPct val="0"/>
+              </a:spcAft>
+              <a:buClr>
+                <a:srgbClr val="993333"/>
+              </a:buClr>
+              <a:buChar char="•"/>
+              <a:defRPr sz="2300">
+                <a:solidFill>
+                  <a:schemeClr val="tx1"/>
+                </a:solidFill>
+                <a:latin typeface="+mn-lt"/>
+                <a:ea typeface="+mn-ea"/>
+              </a:defRPr>
+            </a:lvl3pPr>
+            <a:lvl4pPr marL="1600200" indent="-228600" algn="l" rtl="0" eaLnBrk="0" fontAlgn="base" hangingPunct="0">
+              <a:spcBef>
+                <a:spcPct val="20000"/>
+              </a:spcBef>
+              <a:spcAft>
+                <a:spcPct val="0"/>
+              </a:spcAft>
+              <a:defRPr sz="2000">
+                <a:solidFill>
+                  <a:schemeClr val="tx1"/>
+                </a:solidFill>
+                <a:latin typeface="Times" charset="0"/>
+                <a:ea typeface="+mn-ea"/>
+              </a:defRPr>
+            </a:lvl4pPr>
+            <a:lvl5pPr marL="2057400" indent="-228600" algn="l" rtl="0" eaLnBrk="0" fontAlgn="base" hangingPunct="0">
+              <a:spcBef>
+                <a:spcPct val="20000"/>
+              </a:spcBef>
+              <a:spcAft>
+                <a:spcPct val="0"/>
+              </a:spcAft>
+              <a:buChar char="»"/>
+              <a:defRPr sz="2000">
+                <a:solidFill>
+                  <a:schemeClr val="tx1"/>
+                </a:solidFill>
+                <a:latin typeface="Times" charset="0"/>
+                <a:ea typeface="+mn-ea"/>
+              </a:defRPr>
+            </a:lvl5pPr>
+            <a:lvl6pPr marL="2514600" indent="-228600" algn="l" rtl="0" eaLnBrk="0" fontAlgn="base" hangingPunct="0">
+              <a:spcBef>
+                <a:spcPct val="20000"/>
+              </a:spcBef>
+              <a:spcAft>
+                <a:spcPct val="0"/>
+              </a:spcAft>
+              <a:buChar char="»"/>
+              <a:defRPr sz="2000">
+                <a:solidFill>
+                  <a:schemeClr val="tx1"/>
+                </a:solidFill>
+                <a:latin typeface="Times" charset="0"/>
+                <a:ea typeface="+mn-ea"/>
+              </a:defRPr>
+            </a:lvl6pPr>
+            <a:lvl7pPr marL="2971800" indent="-228600" algn="l" rtl="0" eaLnBrk="0" fontAlgn="base" hangingPunct="0">
+              <a:spcBef>
+                <a:spcPct val="20000"/>
+              </a:spcBef>
+              <a:spcAft>
+                <a:spcPct val="0"/>
+              </a:spcAft>
+              <a:buChar char="»"/>
+              <a:defRPr sz="2000">
+                <a:solidFill>
+                  <a:schemeClr val="tx1"/>
+                </a:solidFill>
+                <a:latin typeface="Times" charset="0"/>
+                <a:ea typeface="+mn-ea"/>
+              </a:defRPr>
+            </a:lvl7pPr>
+            <a:lvl8pPr marL="3429000" indent="-228600" algn="l" rtl="0" eaLnBrk="0" fontAlgn="base" hangingPunct="0">
+              <a:spcBef>
+                <a:spcPct val="20000"/>
+              </a:spcBef>
+              <a:spcAft>
+                <a:spcPct val="0"/>
+              </a:spcAft>
+              <a:buChar char="»"/>
+              <a:defRPr sz="2000">
+                <a:solidFill>
+                  <a:schemeClr val="tx1"/>
+                </a:solidFill>
+                <a:latin typeface="Times" charset="0"/>
+                <a:ea typeface="+mn-ea"/>
+              </a:defRPr>
+            </a:lvl8pPr>
+            <a:lvl9pPr marL="3886200" indent="-228600" algn="l" rtl="0" eaLnBrk="0" fontAlgn="base" hangingPunct="0">
+              <a:spcBef>
+                <a:spcPct val="20000"/>
+              </a:spcBef>
+              <a:spcAft>
+                <a:spcPct val="0"/>
+              </a:spcAft>
+              <a:buChar char="»"/>
+              <a:defRPr sz="2000">
+                <a:solidFill>
+                  <a:schemeClr val="tx1"/>
+                </a:solidFill>
+                <a:latin typeface="Times" charset="0"/>
+                <a:ea typeface="+mn-ea"/>
+              </a:defRPr>
+            </a:lvl9pPr>
+          </a:lstStyle>
+          <a:p>
+            <a:pPr marL="0" indent="0">
+              <a:buNone/>
+            </a:pPr>
+            <a:r>
+              <a:rPr lang="en-US" altLang="en-US" sz="3200" b="1" kern="0">
+                <a:latin typeface="Arial" panose="020B0604020202020204" pitchFamily="34" charset="0"/>
+                <a:cs typeface="Arial" panose="020B0604020202020204" pitchFamily="34" charset="0"/>
+              </a:rPr>
+              <a:t>Gyro</a:t>
             </a:r>
           </a:p>
         </p:txBody>
       </p:sp>
       <p:grpSp>
         <p:nvGrpSpPr>
-          <p:cNvPr id="10" name="Group 9">
+          <p:cNvPr id="19" name="Group 18">
             <a:extLst>
               <a:ext uri="{FF2B5EF4-FFF2-40B4-BE49-F238E27FC236}">
-                <a16:creationId xmlns:a16="http://schemas.microsoft.com/office/drawing/2014/main" id="{DDA9A9BA-2383-4BCA-BD49-B1A36F64D5F8}"/>
+                <a16:creationId xmlns:a16="http://schemas.microsoft.com/office/drawing/2014/main" id="{7140473F-613A-4D4A-A5E1-63CB57491DB7}"/>
               </a:ext>
             </a:extLst>
           </p:cNvPr>
@@ -17061,129 +17896,2271 @@
         </p:nvGrpSpPr>
         <p:grpSpPr>
           <a:xfrm>
-            <a:off x="4915187" y="2287315"/>
-            <a:ext cx="3000179" cy="3077424"/>
-            <a:chOff x="5478055" y="1653215"/>
-            <a:chExt cx="2307499" cy="2366910"/>
+            <a:off x="452076" y="1843538"/>
+            <a:ext cx="4046691" cy="3748038"/>
+            <a:chOff x="692871" y="1930290"/>
+            <a:chExt cx="4046691" cy="3748038"/>
           </a:xfrm>
         </p:grpSpPr>
-        <p:grpSp>
-          <p:nvGrpSpPr>
-            <p:cNvPr id="11" name="Google Shape;129;p19">
+        <p:cxnSp>
+          <p:nvCxnSpPr>
+            <p:cNvPr id="23" name="Google Shape;125;p19">
               <a:extLst>
                 <a:ext uri="{FF2B5EF4-FFF2-40B4-BE49-F238E27FC236}">
-                  <a16:creationId xmlns:a16="http://schemas.microsoft.com/office/drawing/2014/main" id="{94B932B3-D1D3-46ED-87F8-D854AB461D62}"/>
+                  <a16:creationId xmlns:a16="http://schemas.microsoft.com/office/drawing/2014/main" id="{9AFE39A9-017E-45E0-B8C0-5381889EBB4C}"/>
                 </a:ext>
               </a:extLst>
             </p:cNvPr>
-            <p:cNvGrpSpPr/>
+            <p:cNvCxnSpPr/>
             <p:nvPr/>
-          </p:nvGrpSpPr>
-          <p:grpSpPr>
+          </p:nvCxnSpPr>
+          <p:spPr>
             <a:xfrm>
-              <a:off x="5478055" y="1653215"/>
-              <a:ext cx="2307499" cy="2366910"/>
-              <a:chOff x="5921675" y="1166800"/>
-              <a:chExt cx="2886900" cy="2677500"/>
+              <a:off x="2673407" y="2287315"/>
+              <a:ext cx="0" cy="3079058"/>
             </a:xfrm>
-          </p:grpSpPr>
-          <p:cxnSp>
-            <p:nvCxnSpPr>
-              <p:cNvPr id="16" name="Google Shape;130;p19">
-                <a:extLst>
-                  <a:ext uri="{FF2B5EF4-FFF2-40B4-BE49-F238E27FC236}">
-                    <a16:creationId xmlns:a16="http://schemas.microsoft.com/office/drawing/2014/main" id="{FEA109F8-91E5-4C17-8930-974A65AC0D50}"/>
-                  </a:ext>
-                </a:extLst>
-              </p:cNvPr>
-              <p:cNvCxnSpPr/>
-              <p:nvPr/>
-            </p:nvCxnSpPr>
-            <p:spPr>
-              <a:xfrm>
-                <a:off x="7301350" y="1166800"/>
-                <a:ext cx="0" cy="2677500"/>
-              </a:xfrm>
-              <a:prstGeom prst="straightConnector1">
+            <a:prstGeom prst="straightConnector1">
+              <a:avLst/>
+            </a:prstGeom>
+            <a:noFill/>
+            <a:ln w="38100" cap="flat" cmpd="sng">
+              <a:solidFill>
+                <a:schemeClr val="accent1"/>
+              </a:solidFill>
+              <a:prstDash val="solid"/>
+              <a:round/>
+              <a:headEnd type="stealth" w="med" len="med"/>
+              <a:tailEnd type="stealth" w="med" len="med"/>
+            </a:ln>
+          </p:spPr>
+        </p:cxnSp>
+        <p:cxnSp>
+          <p:nvCxnSpPr>
+            <p:cNvPr id="24" name="Google Shape;126;p19">
+              <a:extLst>
+                <a:ext uri="{FF2B5EF4-FFF2-40B4-BE49-F238E27FC236}">
+                  <a16:creationId xmlns:a16="http://schemas.microsoft.com/office/drawing/2014/main" id="{31545C4C-7E52-4B7F-9474-49195DD89B8F}"/>
+                </a:ext>
+              </a:extLst>
+            </p:cNvPr>
+            <p:cNvCxnSpPr/>
+            <p:nvPr/>
+          </p:nvCxnSpPr>
+          <p:spPr>
+            <a:xfrm flipH="1">
+              <a:off x="1342272" y="3017837"/>
+              <a:ext cx="2662271" cy="1618015"/>
+            </a:xfrm>
+            <a:prstGeom prst="straightConnector1">
+              <a:avLst/>
+            </a:prstGeom>
+            <a:noFill/>
+            <a:ln w="38100" cap="flat" cmpd="sng">
+              <a:solidFill>
+                <a:srgbClr val="073763"/>
+              </a:solidFill>
+              <a:prstDash val="solid"/>
+              <a:round/>
+              <a:headEnd type="stealth" w="med" len="med"/>
+              <a:tailEnd type="stealth" w="med" len="med"/>
+            </a:ln>
+          </p:spPr>
+        </p:cxnSp>
+        <p:cxnSp>
+          <p:nvCxnSpPr>
+            <p:cNvPr id="25" name="Google Shape;127;p19">
+              <a:extLst>
+                <a:ext uri="{FF2B5EF4-FFF2-40B4-BE49-F238E27FC236}">
+                  <a16:creationId xmlns:a16="http://schemas.microsoft.com/office/drawing/2014/main" id="{19DED80A-4F06-450B-AEC4-53B9158BDE7F}"/>
+                </a:ext>
+              </a:extLst>
+            </p:cNvPr>
+            <p:cNvCxnSpPr/>
+            <p:nvPr/>
+          </p:nvCxnSpPr>
+          <p:spPr>
+            <a:xfrm>
+              <a:off x="1166136" y="3826844"/>
+              <a:ext cx="3153888" cy="0"/>
+            </a:xfrm>
+            <a:prstGeom prst="straightConnector1">
+              <a:avLst/>
+            </a:prstGeom>
+            <a:noFill/>
+            <a:ln w="38100" cap="flat" cmpd="sng">
+              <a:solidFill>
+                <a:srgbClr val="E06666"/>
+              </a:solidFill>
+              <a:prstDash val="solid"/>
+              <a:round/>
+              <a:headEnd type="stealth" w="med" len="med"/>
+              <a:tailEnd type="stealth" w="med" len="med"/>
+            </a:ln>
+          </p:spPr>
+        </p:cxnSp>
+        <p:sp>
+          <p:nvSpPr>
+            <p:cNvPr id="29" name="Content Placeholder 2">
+              <a:extLst>
+                <a:ext uri="{FF2B5EF4-FFF2-40B4-BE49-F238E27FC236}">
+                  <a16:creationId xmlns:a16="http://schemas.microsoft.com/office/drawing/2014/main" id="{137E063C-B691-47F3-AEAC-B7B89BB839A8}"/>
+                </a:ext>
+              </a:extLst>
+            </p:cNvPr>
+            <p:cNvSpPr txBox="1">
+              <a:spLocks/>
+            </p:cNvSpPr>
+            <p:nvPr/>
+          </p:nvSpPr>
+          <p:spPr bwMode="auto">
+            <a:xfrm rot="19732491">
+              <a:off x="1159766" y="4004191"/>
+              <a:ext cx="1171855" cy="366434"/>
+            </a:xfrm>
+            <a:prstGeom prst="rect">
+              <a:avLst/>
+            </a:prstGeom>
+            <a:noFill/>
+            <a:ln>
+              <a:noFill/>
+            </a:ln>
+            <a:extLst>
+              <a:ext uri="{909E8E84-426E-40DD-AFC4-6F175D3DCCD1}">
+                <a14:hiddenFill xmlns:a14="http://schemas.microsoft.com/office/drawing/2010/main">
+                  <a:solidFill>
+                    <a:srgbClr val="FFFFFF"/>
+                  </a:solidFill>
+                </a14:hiddenFill>
+              </a:ext>
+              <a:ext uri="{91240B29-F687-4F45-9708-019B960494DF}">
+                <a14:hiddenLine xmlns:a14="http://schemas.microsoft.com/office/drawing/2010/main" w="9525">
+                  <a:solidFill>
+                    <a:srgbClr val="000000"/>
+                  </a:solidFill>
+                  <a:miter lim="800000"/>
+                  <a:headEnd/>
+                  <a:tailEnd/>
+                </a14:hiddenLine>
+              </a:ext>
+            </a:extLst>
+          </p:spPr>
+          <p:txBody>
+            <a:bodyPr vert="horz" wrap="square" lIns="91440" tIns="45720" rIns="91440" bIns="45720" numCol="1" anchor="t" anchorCtr="0" compatLnSpc="1">
+              <a:prstTxWarp prst="textNoShape">
                 <a:avLst/>
-              </a:prstGeom>
+              </a:prstTxWarp>
+            </a:bodyPr>
+            <a:lstStyle>
+              <a:lvl1pPr marL="230188" indent="-230188" algn="l" rtl="0" eaLnBrk="0" fontAlgn="base" hangingPunct="0">
+                <a:lnSpc>
+                  <a:spcPts val="2700"/>
+                </a:lnSpc>
+                <a:spcBef>
+                  <a:spcPct val="0"/>
+                </a:spcBef>
+                <a:spcAft>
+                  <a:spcPts val="1400"/>
+                </a:spcAft>
+                <a:buClr>
+                  <a:srgbClr val="993333"/>
+                </a:buClr>
+                <a:buChar char="•"/>
+                <a:defRPr sz="2300">
+                  <a:solidFill>
+                    <a:schemeClr val="tx1"/>
+                  </a:solidFill>
+                  <a:latin typeface="+mn-lt"/>
+                  <a:ea typeface="+mn-ea"/>
+                  <a:cs typeface="Geneva" charset="0"/>
+                </a:defRPr>
+              </a:lvl1pPr>
+              <a:lvl2pPr marL="742950" indent="-285750" algn="l" rtl="0" eaLnBrk="0" fontAlgn="base" hangingPunct="0">
+                <a:lnSpc>
+                  <a:spcPts val="2800"/>
+                </a:lnSpc>
+                <a:spcBef>
+                  <a:spcPct val="0"/>
+                </a:spcBef>
+                <a:spcAft>
+                  <a:spcPts val="1400"/>
+                </a:spcAft>
+                <a:buChar char="–"/>
+                <a:defRPr sz="2300">
+                  <a:solidFill>
+                    <a:schemeClr val="tx1"/>
+                  </a:solidFill>
+                  <a:latin typeface="+mn-lt"/>
+                  <a:ea typeface="+mn-ea"/>
+                </a:defRPr>
+              </a:lvl2pPr>
+              <a:lvl3pPr marL="1143000" indent="-228600" algn="l" rtl="0" eaLnBrk="0" fontAlgn="base" hangingPunct="0">
+                <a:spcBef>
+                  <a:spcPct val="20000"/>
+                </a:spcBef>
+                <a:spcAft>
+                  <a:spcPct val="0"/>
+                </a:spcAft>
+                <a:buClr>
+                  <a:srgbClr val="993333"/>
+                </a:buClr>
+                <a:buChar char="•"/>
+                <a:defRPr sz="2300">
+                  <a:solidFill>
+                    <a:schemeClr val="tx1"/>
+                  </a:solidFill>
+                  <a:latin typeface="+mn-lt"/>
+                  <a:ea typeface="+mn-ea"/>
+                </a:defRPr>
+              </a:lvl3pPr>
+              <a:lvl4pPr marL="1600200" indent="-228600" algn="l" rtl="0" eaLnBrk="0" fontAlgn="base" hangingPunct="0">
+                <a:spcBef>
+                  <a:spcPct val="20000"/>
+                </a:spcBef>
+                <a:spcAft>
+                  <a:spcPct val="0"/>
+                </a:spcAft>
+                <a:defRPr sz="2000">
+                  <a:solidFill>
+                    <a:schemeClr val="tx1"/>
+                  </a:solidFill>
+                  <a:latin typeface="Times" charset="0"/>
+                  <a:ea typeface="+mn-ea"/>
+                </a:defRPr>
+              </a:lvl4pPr>
+              <a:lvl5pPr marL="2057400" indent="-228600" algn="l" rtl="0" eaLnBrk="0" fontAlgn="base" hangingPunct="0">
+                <a:spcBef>
+                  <a:spcPct val="20000"/>
+                </a:spcBef>
+                <a:spcAft>
+                  <a:spcPct val="0"/>
+                </a:spcAft>
+                <a:buChar char="»"/>
+                <a:defRPr sz="2000">
+                  <a:solidFill>
+                    <a:schemeClr val="tx1"/>
+                  </a:solidFill>
+                  <a:latin typeface="Times" charset="0"/>
+                  <a:ea typeface="+mn-ea"/>
+                </a:defRPr>
+              </a:lvl5pPr>
+              <a:lvl6pPr marL="2514600" indent="-228600" algn="l" rtl="0" eaLnBrk="0" fontAlgn="base" hangingPunct="0">
+                <a:spcBef>
+                  <a:spcPct val="20000"/>
+                </a:spcBef>
+                <a:spcAft>
+                  <a:spcPct val="0"/>
+                </a:spcAft>
+                <a:buChar char="»"/>
+                <a:defRPr sz="2000">
+                  <a:solidFill>
+                    <a:schemeClr val="tx1"/>
+                  </a:solidFill>
+                  <a:latin typeface="Times" charset="0"/>
+                  <a:ea typeface="+mn-ea"/>
+                </a:defRPr>
+              </a:lvl6pPr>
+              <a:lvl7pPr marL="2971800" indent="-228600" algn="l" rtl="0" eaLnBrk="0" fontAlgn="base" hangingPunct="0">
+                <a:spcBef>
+                  <a:spcPct val="20000"/>
+                </a:spcBef>
+                <a:spcAft>
+                  <a:spcPct val="0"/>
+                </a:spcAft>
+                <a:buChar char="»"/>
+                <a:defRPr sz="2000">
+                  <a:solidFill>
+                    <a:schemeClr val="tx1"/>
+                  </a:solidFill>
+                  <a:latin typeface="Times" charset="0"/>
+                  <a:ea typeface="+mn-ea"/>
+                </a:defRPr>
+              </a:lvl7pPr>
+              <a:lvl8pPr marL="3429000" indent="-228600" algn="l" rtl="0" eaLnBrk="0" fontAlgn="base" hangingPunct="0">
+                <a:spcBef>
+                  <a:spcPct val="20000"/>
+                </a:spcBef>
+                <a:spcAft>
+                  <a:spcPct val="0"/>
+                </a:spcAft>
+                <a:buChar char="»"/>
+                <a:defRPr sz="2000">
+                  <a:solidFill>
+                    <a:schemeClr val="tx1"/>
+                  </a:solidFill>
+                  <a:latin typeface="Times" charset="0"/>
+                  <a:ea typeface="+mn-ea"/>
+                </a:defRPr>
+              </a:lvl8pPr>
+              <a:lvl9pPr marL="3886200" indent="-228600" algn="l" rtl="0" eaLnBrk="0" fontAlgn="base" hangingPunct="0">
+                <a:spcBef>
+                  <a:spcPct val="20000"/>
+                </a:spcBef>
+                <a:spcAft>
+                  <a:spcPct val="0"/>
+                </a:spcAft>
+                <a:buChar char="»"/>
+                <a:defRPr sz="2000">
+                  <a:solidFill>
+                    <a:schemeClr val="tx1"/>
+                  </a:solidFill>
+                  <a:latin typeface="Times" charset="0"/>
+                  <a:ea typeface="+mn-ea"/>
+                </a:defRPr>
+              </a:lvl9pPr>
+            </a:lstStyle>
+            <a:p>
+              <a:pPr marL="0" indent="0" algn="ctr">
+                <a:buNone/>
+              </a:pPr>
+              <a:r>
+                <a:rPr lang="en-US" altLang="en-US" sz="2000" b="1" kern="0">
+                  <a:latin typeface="Arial" panose="020B0604020202020204" pitchFamily="34" charset="0"/>
+                  <a:cs typeface="Arial" panose="020B0604020202020204" pitchFamily="34" charset="0"/>
+                </a:rPr>
+                <a:t>FRONT</a:t>
+              </a:r>
+            </a:p>
+          </p:txBody>
+        </p:sp>
+        <p:sp>
+          <p:nvSpPr>
+            <p:cNvPr id="35" name="Content Placeholder 2">
+              <a:extLst>
+                <a:ext uri="{FF2B5EF4-FFF2-40B4-BE49-F238E27FC236}">
+                  <a16:creationId xmlns:a16="http://schemas.microsoft.com/office/drawing/2014/main" id="{3B7B5374-BB3B-445D-8ABF-C0CC6B000919}"/>
+                </a:ext>
+              </a:extLst>
+            </p:cNvPr>
+            <p:cNvSpPr txBox="1">
+              <a:spLocks/>
+            </p:cNvSpPr>
+            <p:nvPr/>
+          </p:nvSpPr>
+          <p:spPr bwMode="auto">
+            <a:xfrm rot="16200000">
+              <a:off x="1718745" y="4409395"/>
+              <a:ext cx="1542890" cy="366434"/>
+            </a:xfrm>
+            <a:prstGeom prst="rect">
+              <a:avLst/>
+            </a:prstGeom>
+            <a:noFill/>
+            <a:ln>
               <a:noFill/>
-              <a:ln w="38100" cap="flat" cmpd="sng">
-                <a:solidFill>
-                  <a:schemeClr val="accent4"/>
-                </a:solidFill>
-                <a:prstDash val="solid"/>
-                <a:round/>
-                <a:headEnd type="triangle" w="med" len="med"/>
-                <a:tailEnd type="triangle" w="med" len="med"/>
-              </a:ln>
-            </p:spPr>
-          </p:cxnSp>
-          <p:cxnSp>
-            <p:nvCxnSpPr>
-              <p:cNvPr id="17" name="Google Shape;131;p19">
-                <a:extLst>
-                  <a:ext uri="{FF2B5EF4-FFF2-40B4-BE49-F238E27FC236}">
-                    <a16:creationId xmlns:a16="http://schemas.microsoft.com/office/drawing/2014/main" id="{4A6E2A80-8647-49F5-8C09-1FF4C321B5E5}"/>
-                  </a:ext>
-                </a:extLst>
-              </p:cNvPr>
-              <p:cNvCxnSpPr/>
-              <p:nvPr/>
-            </p:nvCxnSpPr>
-            <p:spPr>
-              <a:xfrm flipH="1">
-                <a:off x="6082900" y="1802050"/>
-                <a:ext cx="2436900" cy="1407000"/>
-              </a:xfrm>
-              <a:prstGeom prst="straightConnector1">
+            </a:ln>
+            <a:extLst>
+              <a:ext uri="{909E8E84-426E-40DD-AFC4-6F175D3DCCD1}">
+                <a14:hiddenFill xmlns:a14="http://schemas.microsoft.com/office/drawing/2010/main">
+                  <a:solidFill>
+                    <a:srgbClr val="FFFFFF"/>
+                  </a:solidFill>
+                </a14:hiddenFill>
+              </a:ext>
+              <a:ext uri="{91240B29-F687-4F45-9708-019B960494DF}">
+                <a14:hiddenLine xmlns:a14="http://schemas.microsoft.com/office/drawing/2010/main" w="9525">
+                  <a:solidFill>
+                    <a:srgbClr val="000000"/>
+                  </a:solidFill>
+                  <a:miter lim="800000"/>
+                  <a:headEnd/>
+                  <a:tailEnd/>
+                </a14:hiddenLine>
+              </a:ext>
+            </a:extLst>
+          </p:spPr>
+          <p:txBody>
+            <a:bodyPr vert="horz" wrap="square" lIns="91440" tIns="45720" rIns="91440" bIns="45720" numCol="1" anchor="t" anchorCtr="0" compatLnSpc="1">
+              <a:prstTxWarp prst="textNoShape">
                 <a:avLst/>
-              </a:prstGeom>
+              </a:prstTxWarp>
+            </a:bodyPr>
+            <a:lstStyle>
+              <a:lvl1pPr marL="230188" indent="-230188" algn="l" rtl="0" eaLnBrk="0" fontAlgn="base" hangingPunct="0">
+                <a:lnSpc>
+                  <a:spcPts val="2700"/>
+                </a:lnSpc>
+                <a:spcBef>
+                  <a:spcPct val="0"/>
+                </a:spcBef>
+                <a:spcAft>
+                  <a:spcPts val="1400"/>
+                </a:spcAft>
+                <a:buClr>
+                  <a:srgbClr val="993333"/>
+                </a:buClr>
+                <a:buChar char="•"/>
+                <a:defRPr sz="2300">
+                  <a:solidFill>
+                    <a:schemeClr val="tx1"/>
+                  </a:solidFill>
+                  <a:latin typeface="+mn-lt"/>
+                  <a:ea typeface="+mn-ea"/>
+                  <a:cs typeface="Geneva" charset="0"/>
+                </a:defRPr>
+              </a:lvl1pPr>
+              <a:lvl2pPr marL="742950" indent="-285750" algn="l" rtl="0" eaLnBrk="0" fontAlgn="base" hangingPunct="0">
+                <a:lnSpc>
+                  <a:spcPts val="2800"/>
+                </a:lnSpc>
+                <a:spcBef>
+                  <a:spcPct val="0"/>
+                </a:spcBef>
+                <a:spcAft>
+                  <a:spcPts val="1400"/>
+                </a:spcAft>
+                <a:buChar char="–"/>
+                <a:defRPr sz="2300">
+                  <a:solidFill>
+                    <a:schemeClr val="tx1"/>
+                  </a:solidFill>
+                  <a:latin typeface="+mn-lt"/>
+                  <a:ea typeface="+mn-ea"/>
+                </a:defRPr>
+              </a:lvl2pPr>
+              <a:lvl3pPr marL="1143000" indent="-228600" algn="l" rtl="0" eaLnBrk="0" fontAlgn="base" hangingPunct="0">
+                <a:spcBef>
+                  <a:spcPct val="20000"/>
+                </a:spcBef>
+                <a:spcAft>
+                  <a:spcPct val="0"/>
+                </a:spcAft>
+                <a:buClr>
+                  <a:srgbClr val="993333"/>
+                </a:buClr>
+                <a:buChar char="•"/>
+                <a:defRPr sz="2300">
+                  <a:solidFill>
+                    <a:schemeClr val="tx1"/>
+                  </a:solidFill>
+                  <a:latin typeface="+mn-lt"/>
+                  <a:ea typeface="+mn-ea"/>
+                </a:defRPr>
+              </a:lvl3pPr>
+              <a:lvl4pPr marL="1600200" indent="-228600" algn="l" rtl="0" eaLnBrk="0" fontAlgn="base" hangingPunct="0">
+                <a:spcBef>
+                  <a:spcPct val="20000"/>
+                </a:spcBef>
+                <a:spcAft>
+                  <a:spcPct val="0"/>
+                </a:spcAft>
+                <a:defRPr sz="2000">
+                  <a:solidFill>
+                    <a:schemeClr val="tx1"/>
+                  </a:solidFill>
+                  <a:latin typeface="Times" charset="0"/>
+                  <a:ea typeface="+mn-ea"/>
+                </a:defRPr>
+              </a:lvl4pPr>
+              <a:lvl5pPr marL="2057400" indent="-228600" algn="l" rtl="0" eaLnBrk="0" fontAlgn="base" hangingPunct="0">
+                <a:spcBef>
+                  <a:spcPct val="20000"/>
+                </a:spcBef>
+                <a:spcAft>
+                  <a:spcPct val="0"/>
+                </a:spcAft>
+                <a:buChar char="»"/>
+                <a:defRPr sz="2000">
+                  <a:solidFill>
+                    <a:schemeClr val="tx1"/>
+                  </a:solidFill>
+                  <a:latin typeface="Times" charset="0"/>
+                  <a:ea typeface="+mn-ea"/>
+                </a:defRPr>
+              </a:lvl5pPr>
+              <a:lvl6pPr marL="2514600" indent="-228600" algn="l" rtl="0" eaLnBrk="0" fontAlgn="base" hangingPunct="0">
+                <a:spcBef>
+                  <a:spcPct val="20000"/>
+                </a:spcBef>
+                <a:spcAft>
+                  <a:spcPct val="0"/>
+                </a:spcAft>
+                <a:buChar char="»"/>
+                <a:defRPr sz="2000">
+                  <a:solidFill>
+                    <a:schemeClr val="tx1"/>
+                  </a:solidFill>
+                  <a:latin typeface="Times" charset="0"/>
+                  <a:ea typeface="+mn-ea"/>
+                </a:defRPr>
+              </a:lvl6pPr>
+              <a:lvl7pPr marL="2971800" indent="-228600" algn="l" rtl="0" eaLnBrk="0" fontAlgn="base" hangingPunct="0">
+                <a:spcBef>
+                  <a:spcPct val="20000"/>
+                </a:spcBef>
+                <a:spcAft>
+                  <a:spcPct val="0"/>
+                </a:spcAft>
+                <a:buChar char="»"/>
+                <a:defRPr sz="2000">
+                  <a:solidFill>
+                    <a:schemeClr val="tx1"/>
+                  </a:solidFill>
+                  <a:latin typeface="Times" charset="0"/>
+                  <a:ea typeface="+mn-ea"/>
+                </a:defRPr>
+              </a:lvl7pPr>
+              <a:lvl8pPr marL="3429000" indent="-228600" algn="l" rtl="0" eaLnBrk="0" fontAlgn="base" hangingPunct="0">
+                <a:spcBef>
+                  <a:spcPct val="20000"/>
+                </a:spcBef>
+                <a:spcAft>
+                  <a:spcPct val="0"/>
+                </a:spcAft>
+                <a:buChar char="»"/>
+                <a:defRPr sz="2000">
+                  <a:solidFill>
+                    <a:schemeClr val="tx1"/>
+                  </a:solidFill>
+                  <a:latin typeface="Times" charset="0"/>
+                  <a:ea typeface="+mn-ea"/>
+                </a:defRPr>
+              </a:lvl8pPr>
+              <a:lvl9pPr marL="3886200" indent="-228600" algn="l" rtl="0" eaLnBrk="0" fontAlgn="base" hangingPunct="0">
+                <a:spcBef>
+                  <a:spcPct val="20000"/>
+                </a:spcBef>
+                <a:spcAft>
+                  <a:spcPct val="0"/>
+                </a:spcAft>
+                <a:buChar char="»"/>
+                <a:defRPr sz="2000">
+                  <a:solidFill>
+                    <a:schemeClr val="tx1"/>
+                  </a:solidFill>
+                  <a:latin typeface="Times" charset="0"/>
+                  <a:ea typeface="+mn-ea"/>
+                </a:defRPr>
+              </a:lvl9pPr>
+            </a:lstStyle>
+            <a:p>
+              <a:pPr marL="0" indent="0">
+                <a:buNone/>
+              </a:pPr>
+              <a:r>
+                <a:rPr lang="en-US" altLang="en-US" sz="2000" b="1" kern="0">
+                  <a:latin typeface="Arial" panose="020B0604020202020204" pitchFamily="34" charset="0"/>
+                  <a:cs typeface="Arial" panose="020B0604020202020204" pitchFamily="34" charset="0"/>
+                </a:rPr>
+                <a:t>DOWN</a:t>
+              </a:r>
+            </a:p>
+          </p:txBody>
+        </p:sp>
+        <p:sp>
+          <p:nvSpPr>
+            <p:cNvPr id="37" name="Content Placeholder 2">
+              <a:extLst>
+                <a:ext uri="{FF2B5EF4-FFF2-40B4-BE49-F238E27FC236}">
+                  <a16:creationId xmlns:a16="http://schemas.microsoft.com/office/drawing/2014/main" id="{76C8BBB3-8F2E-40E5-B792-BE0CE7D546B5}"/>
+                </a:ext>
+              </a:extLst>
+            </p:cNvPr>
+            <p:cNvSpPr txBox="1">
+              <a:spLocks/>
+            </p:cNvSpPr>
+            <p:nvPr/>
+          </p:nvSpPr>
+          <p:spPr bwMode="auto">
+            <a:xfrm>
+              <a:off x="1123391" y="3471930"/>
+              <a:ext cx="1171855" cy="366434"/>
+            </a:xfrm>
+            <a:prstGeom prst="rect">
+              <a:avLst/>
+            </a:prstGeom>
+            <a:noFill/>
+            <a:ln>
               <a:noFill/>
-              <a:ln w="38100" cap="flat" cmpd="sng">
-                <a:solidFill>
-                  <a:srgbClr val="073763"/>
-                </a:solidFill>
-                <a:prstDash val="solid"/>
-                <a:round/>
-                <a:headEnd type="triangle" w="med" len="med"/>
-                <a:tailEnd type="triangle" w="med" len="med"/>
-              </a:ln>
-            </p:spPr>
-          </p:cxnSp>
-          <p:cxnSp>
-            <p:nvCxnSpPr>
-              <p:cNvPr id="18" name="Google Shape;132;p19">
-                <a:extLst>
-                  <a:ext uri="{FF2B5EF4-FFF2-40B4-BE49-F238E27FC236}">
-                    <a16:creationId xmlns:a16="http://schemas.microsoft.com/office/drawing/2014/main" id="{E5F8715C-0268-49D2-AEC6-F4D835347A19}"/>
-                  </a:ext>
-                </a:extLst>
-              </p:cNvPr>
-              <p:cNvCxnSpPr/>
-              <p:nvPr/>
-            </p:nvCxnSpPr>
-            <p:spPr>
-              <a:xfrm>
-                <a:off x="5921675" y="2505550"/>
-                <a:ext cx="2886900" cy="0"/>
-              </a:xfrm>
-              <a:prstGeom prst="straightConnector1">
+            </a:ln>
+            <a:extLst>
+              <a:ext uri="{909E8E84-426E-40DD-AFC4-6F175D3DCCD1}">
+                <a14:hiddenFill xmlns:a14="http://schemas.microsoft.com/office/drawing/2010/main">
+                  <a:solidFill>
+                    <a:srgbClr val="FFFFFF"/>
+                  </a:solidFill>
+                </a14:hiddenFill>
+              </a:ext>
+              <a:ext uri="{91240B29-F687-4F45-9708-019B960494DF}">
+                <a14:hiddenLine xmlns:a14="http://schemas.microsoft.com/office/drawing/2010/main" w="9525">
+                  <a:solidFill>
+                    <a:srgbClr val="000000"/>
+                  </a:solidFill>
+                  <a:miter lim="800000"/>
+                  <a:headEnd/>
+                  <a:tailEnd/>
+                </a14:hiddenLine>
+              </a:ext>
+            </a:extLst>
+          </p:spPr>
+          <p:txBody>
+            <a:bodyPr vert="horz" wrap="square" lIns="91440" tIns="45720" rIns="91440" bIns="45720" numCol="1" anchor="t" anchorCtr="0" compatLnSpc="1">
+              <a:prstTxWarp prst="textNoShape">
                 <a:avLst/>
-              </a:prstGeom>
+              </a:prstTxWarp>
+            </a:bodyPr>
+            <a:lstStyle>
+              <a:lvl1pPr marL="230188" indent="-230188" algn="l" rtl="0" eaLnBrk="0" fontAlgn="base" hangingPunct="0">
+                <a:lnSpc>
+                  <a:spcPts val="2700"/>
+                </a:lnSpc>
+                <a:spcBef>
+                  <a:spcPct val="0"/>
+                </a:spcBef>
+                <a:spcAft>
+                  <a:spcPts val="1400"/>
+                </a:spcAft>
+                <a:buClr>
+                  <a:srgbClr val="993333"/>
+                </a:buClr>
+                <a:buChar char="•"/>
+                <a:defRPr sz="2300">
+                  <a:solidFill>
+                    <a:schemeClr val="tx1"/>
+                  </a:solidFill>
+                  <a:latin typeface="+mn-lt"/>
+                  <a:ea typeface="+mn-ea"/>
+                  <a:cs typeface="Geneva" charset="0"/>
+                </a:defRPr>
+              </a:lvl1pPr>
+              <a:lvl2pPr marL="742950" indent="-285750" algn="l" rtl="0" eaLnBrk="0" fontAlgn="base" hangingPunct="0">
+                <a:lnSpc>
+                  <a:spcPts val="2800"/>
+                </a:lnSpc>
+                <a:spcBef>
+                  <a:spcPct val="0"/>
+                </a:spcBef>
+                <a:spcAft>
+                  <a:spcPts val="1400"/>
+                </a:spcAft>
+                <a:buChar char="–"/>
+                <a:defRPr sz="2300">
+                  <a:solidFill>
+                    <a:schemeClr val="tx1"/>
+                  </a:solidFill>
+                  <a:latin typeface="+mn-lt"/>
+                  <a:ea typeface="+mn-ea"/>
+                </a:defRPr>
+              </a:lvl2pPr>
+              <a:lvl3pPr marL="1143000" indent="-228600" algn="l" rtl="0" eaLnBrk="0" fontAlgn="base" hangingPunct="0">
+                <a:spcBef>
+                  <a:spcPct val="20000"/>
+                </a:spcBef>
+                <a:spcAft>
+                  <a:spcPct val="0"/>
+                </a:spcAft>
+                <a:buClr>
+                  <a:srgbClr val="993333"/>
+                </a:buClr>
+                <a:buChar char="•"/>
+                <a:defRPr sz="2300">
+                  <a:solidFill>
+                    <a:schemeClr val="tx1"/>
+                  </a:solidFill>
+                  <a:latin typeface="+mn-lt"/>
+                  <a:ea typeface="+mn-ea"/>
+                </a:defRPr>
+              </a:lvl3pPr>
+              <a:lvl4pPr marL="1600200" indent="-228600" algn="l" rtl="0" eaLnBrk="0" fontAlgn="base" hangingPunct="0">
+                <a:spcBef>
+                  <a:spcPct val="20000"/>
+                </a:spcBef>
+                <a:spcAft>
+                  <a:spcPct val="0"/>
+                </a:spcAft>
+                <a:defRPr sz="2000">
+                  <a:solidFill>
+                    <a:schemeClr val="tx1"/>
+                  </a:solidFill>
+                  <a:latin typeface="Times" charset="0"/>
+                  <a:ea typeface="+mn-ea"/>
+                </a:defRPr>
+              </a:lvl4pPr>
+              <a:lvl5pPr marL="2057400" indent="-228600" algn="l" rtl="0" eaLnBrk="0" fontAlgn="base" hangingPunct="0">
+                <a:spcBef>
+                  <a:spcPct val="20000"/>
+                </a:spcBef>
+                <a:spcAft>
+                  <a:spcPct val="0"/>
+                </a:spcAft>
+                <a:buChar char="»"/>
+                <a:defRPr sz="2000">
+                  <a:solidFill>
+                    <a:schemeClr val="tx1"/>
+                  </a:solidFill>
+                  <a:latin typeface="Times" charset="0"/>
+                  <a:ea typeface="+mn-ea"/>
+                </a:defRPr>
+              </a:lvl5pPr>
+              <a:lvl6pPr marL="2514600" indent="-228600" algn="l" rtl="0" eaLnBrk="0" fontAlgn="base" hangingPunct="0">
+                <a:spcBef>
+                  <a:spcPct val="20000"/>
+                </a:spcBef>
+                <a:spcAft>
+                  <a:spcPct val="0"/>
+                </a:spcAft>
+                <a:buChar char="»"/>
+                <a:defRPr sz="2000">
+                  <a:solidFill>
+                    <a:schemeClr val="tx1"/>
+                  </a:solidFill>
+                  <a:latin typeface="Times" charset="0"/>
+                  <a:ea typeface="+mn-ea"/>
+                </a:defRPr>
+              </a:lvl6pPr>
+              <a:lvl7pPr marL="2971800" indent="-228600" algn="l" rtl="0" eaLnBrk="0" fontAlgn="base" hangingPunct="0">
+                <a:spcBef>
+                  <a:spcPct val="20000"/>
+                </a:spcBef>
+                <a:spcAft>
+                  <a:spcPct val="0"/>
+                </a:spcAft>
+                <a:buChar char="»"/>
+                <a:defRPr sz="2000">
+                  <a:solidFill>
+                    <a:schemeClr val="tx1"/>
+                  </a:solidFill>
+                  <a:latin typeface="Times" charset="0"/>
+                  <a:ea typeface="+mn-ea"/>
+                </a:defRPr>
+              </a:lvl7pPr>
+              <a:lvl8pPr marL="3429000" indent="-228600" algn="l" rtl="0" eaLnBrk="0" fontAlgn="base" hangingPunct="0">
+                <a:spcBef>
+                  <a:spcPct val="20000"/>
+                </a:spcBef>
+                <a:spcAft>
+                  <a:spcPct val="0"/>
+                </a:spcAft>
+                <a:buChar char="»"/>
+                <a:defRPr sz="2000">
+                  <a:solidFill>
+                    <a:schemeClr val="tx1"/>
+                  </a:solidFill>
+                  <a:latin typeface="Times" charset="0"/>
+                  <a:ea typeface="+mn-ea"/>
+                </a:defRPr>
+              </a:lvl8pPr>
+              <a:lvl9pPr marL="3886200" indent="-228600" algn="l" rtl="0" eaLnBrk="0" fontAlgn="base" hangingPunct="0">
+                <a:spcBef>
+                  <a:spcPct val="20000"/>
+                </a:spcBef>
+                <a:spcAft>
+                  <a:spcPct val="0"/>
+                </a:spcAft>
+                <a:buChar char="»"/>
+                <a:defRPr sz="2000">
+                  <a:solidFill>
+                    <a:schemeClr val="tx1"/>
+                  </a:solidFill>
+                  <a:latin typeface="Times" charset="0"/>
+                  <a:ea typeface="+mn-ea"/>
+                </a:defRPr>
+              </a:lvl9pPr>
+            </a:lstStyle>
+            <a:p>
+              <a:pPr marL="0" indent="0" algn="ctr">
+                <a:buNone/>
+              </a:pPr>
+              <a:r>
+                <a:rPr lang="en-US" altLang="en-US" sz="2000" b="1" kern="0">
+                  <a:latin typeface="Arial" panose="020B0604020202020204" pitchFamily="34" charset="0"/>
+                  <a:cs typeface="Arial" panose="020B0604020202020204" pitchFamily="34" charset="0"/>
+                </a:rPr>
+                <a:t>RIGHT</a:t>
+              </a:r>
+            </a:p>
+          </p:txBody>
+        </p:sp>
+        <p:sp>
+          <p:nvSpPr>
+            <p:cNvPr id="27" name="Content Placeholder 2">
+              <a:extLst>
+                <a:ext uri="{FF2B5EF4-FFF2-40B4-BE49-F238E27FC236}">
+                  <a16:creationId xmlns:a16="http://schemas.microsoft.com/office/drawing/2014/main" id="{5A7B9F8B-27BE-4999-BEB8-7DB487F64472}"/>
+                </a:ext>
+              </a:extLst>
+            </p:cNvPr>
+            <p:cNvSpPr txBox="1">
+              <a:spLocks/>
+            </p:cNvSpPr>
+            <p:nvPr/>
+          </p:nvSpPr>
+          <p:spPr bwMode="auto">
+            <a:xfrm>
+              <a:off x="2380443" y="1930290"/>
+              <a:ext cx="585928" cy="366434"/>
+            </a:xfrm>
+            <a:prstGeom prst="rect">
+              <a:avLst/>
+            </a:prstGeom>
+            <a:noFill/>
+            <a:ln>
               <a:noFill/>
-              <a:ln w="38100" cap="flat" cmpd="sng">
-                <a:solidFill>
-                  <a:srgbClr val="E06666"/>
-                </a:solidFill>
-                <a:prstDash val="solid"/>
-                <a:round/>
-                <a:headEnd type="triangle" w="med" len="med"/>
-                <a:tailEnd type="triangle" w="med" len="med"/>
-              </a:ln>
-            </p:spPr>
-          </p:cxnSp>
-        </p:grpSp>
+            </a:ln>
+            <a:extLst>
+              <a:ext uri="{909E8E84-426E-40DD-AFC4-6F175D3DCCD1}">
+                <a14:hiddenFill xmlns:a14="http://schemas.microsoft.com/office/drawing/2010/main">
+                  <a:solidFill>
+                    <a:srgbClr val="FFFFFF"/>
+                  </a:solidFill>
+                </a14:hiddenFill>
+              </a:ext>
+              <a:ext uri="{91240B29-F687-4F45-9708-019B960494DF}">
+                <a14:hiddenLine xmlns:a14="http://schemas.microsoft.com/office/drawing/2010/main" w="9525">
+                  <a:solidFill>
+                    <a:srgbClr val="000000"/>
+                  </a:solidFill>
+                  <a:miter lim="800000"/>
+                  <a:headEnd/>
+                  <a:tailEnd/>
+                </a14:hiddenLine>
+              </a:ext>
+            </a:extLst>
+          </p:spPr>
+          <p:txBody>
+            <a:bodyPr vert="horz" wrap="square" lIns="91440" tIns="45720" rIns="91440" bIns="45720" numCol="1" anchor="t" anchorCtr="0" compatLnSpc="1">
+              <a:prstTxWarp prst="textNoShape">
+                <a:avLst/>
+              </a:prstTxWarp>
+            </a:bodyPr>
+            <a:lstStyle>
+              <a:lvl1pPr marL="230188" indent="-230188" algn="l" rtl="0" eaLnBrk="0" fontAlgn="base" hangingPunct="0">
+                <a:lnSpc>
+                  <a:spcPts val="2700"/>
+                </a:lnSpc>
+                <a:spcBef>
+                  <a:spcPct val="0"/>
+                </a:spcBef>
+                <a:spcAft>
+                  <a:spcPts val="1400"/>
+                </a:spcAft>
+                <a:buClr>
+                  <a:srgbClr val="993333"/>
+                </a:buClr>
+                <a:buChar char="•"/>
+                <a:defRPr sz="2300">
+                  <a:solidFill>
+                    <a:schemeClr val="tx1"/>
+                  </a:solidFill>
+                  <a:latin typeface="+mn-lt"/>
+                  <a:ea typeface="+mn-ea"/>
+                  <a:cs typeface="Geneva" charset="0"/>
+                </a:defRPr>
+              </a:lvl1pPr>
+              <a:lvl2pPr marL="742950" indent="-285750" algn="l" rtl="0" eaLnBrk="0" fontAlgn="base" hangingPunct="0">
+                <a:lnSpc>
+                  <a:spcPts val="2800"/>
+                </a:lnSpc>
+                <a:spcBef>
+                  <a:spcPct val="0"/>
+                </a:spcBef>
+                <a:spcAft>
+                  <a:spcPts val="1400"/>
+                </a:spcAft>
+                <a:buChar char="–"/>
+                <a:defRPr sz="2300">
+                  <a:solidFill>
+                    <a:schemeClr val="tx1"/>
+                  </a:solidFill>
+                  <a:latin typeface="+mn-lt"/>
+                  <a:ea typeface="+mn-ea"/>
+                </a:defRPr>
+              </a:lvl2pPr>
+              <a:lvl3pPr marL="1143000" indent="-228600" algn="l" rtl="0" eaLnBrk="0" fontAlgn="base" hangingPunct="0">
+                <a:spcBef>
+                  <a:spcPct val="20000"/>
+                </a:spcBef>
+                <a:spcAft>
+                  <a:spcPct val="0"/>
+                </a:spcAft>
+                <a:buClr>
+                  <a:srgbClr val="993333"/>
+                </a:buClr>
+                <a:buChar char="•"/>
+                <a:defRPr sz="2300">
+                  <a:solidFill>
+                    <a:schemeClr val="tx1"/>
+                  </a:solidFill>
+                  <a:latin typeface="+mn-lt"/>
+                  <a:ea typeface="+mn-ea"/>
+                </a:defRPr>
+              </a:lvl3pPr>
+              <a:lvl4pPr marL="1600200" indent="-228600" algn="l" rtl="0" eaLnBrk="0" fontAlgn="base" hangingPunct="0">
+                <a:spcBef>
+                  <a:spcPct val="20000"/>
+                </a:spcBef>
+                <a:spcAft>
+                  <a:spcPct val="0"/>
+                </a:spcAft>
+                <a:defRPr sz="2000">
+                  <a:solidFill>
+                    <a:schemeClr val="tx1"/>
+                  </a:solidFill>
+                  <a:latin typeface="Times" charset="0"/>
+                  <a:ea typeface="+mn-ea"/>
+                </a:defRPr>
+              </a:lvl4pPr>
+              <a:lvl5pPr marL="2057400" indent="-228600" algn="l" rtl="0" eaLnBrk="0" fontAlgn="base" hangingPunct="0">
+                <a:spcBef>
+                  <a:spcPct val="20000"/>
+                </a:spcBef>
+                <a:spcAft>
+                  <a:spcPct val="0"/>
+                </a:spcAft>
+                <a:buChar char="»"/>
+                <a:defRPr sz="2000">
+                  <a:solidFill>
+                    <a:schemeClr val="tx1"/>
+                  </a:solidFill>
+                  <a:latin typeface="Times" charset="0"/>
+                  <a:ea typeface="+mn-ea"/>
+                </a:defRPr>
+              </a:lvl5pPr>
+              <a:lvl6pPr marL="2514600" indent="-228600" algn="l" rtl="0" eaLnBrk="0" fontAlgn="base" hangingPunct="0">
+                <a:spcBef>
+                  <a:spcPct val="20000"/>
+                </a:spcBef>
+                <a:spcAft>
+                  <a:spcPct val="0"/>
+                </a:spcAft>
+                <a:buChar char="»"/>
+                <a:defRPr sz="2000">
+                  <a:solidFill>
+                    <a:schemeClr val="tx1"/>
+                  </a:solidFill>
+                  <a:latin typeface="Times" charset="0"/>
+                  <a:ea typeface="+mn-ea"/>
+                </a:defRPr>
+              </a:lvl6pPr>
+              <a:lvl7pPr marL="2971800" indent="-228600" algn="l" rtl="0" eaLnBrk="0" fontAlgn="base" hangingPunct="0">
+                <a:spcBef>
+                  <a:spcPct val="20000"/>
+                </a:spcBef>
+                <a:spcAft>
+                  <a:spcPct val="0"/>
+                </a:spcAft>
+                <a:buChar char="»"/>
+                <a:defRPr sz="2000">
+                  <a:solidFill>
+                    <a:schemeClr val="tx1"/>
+                  </a:solidFill>
+                  <a:latin typeface="Times" charset="0"/>
+                  <a:ea typeface="+mn-ea"/>
+                </a:defRPr>
+              </a:lvl7pPr>
+              <a:lvl8pPr marL="3429000" indent="-228600" algn="l" rtl="0" eaLnBrk="0" fontAlgn="base" hangingPunct="0">
+                <a:spcBef>
+                  <a:spcPct val="20000"/>
+                </a:spcBef>
+                <a:spcAft>
+                  <a:spcPct val="0"/>
+                </a:spcAft>
+                <a:buChar char="»"/>
+                <a:defRPr sz="2000">
+                  <a:solidFill>
+                    <a:schemeClr val="tx1"/>
+                  </a:solidFill>
+                  <a:latin typeface="Times" charset="0"/>
+                  <a:ea typeface="+mn-ea"/>
+                </a:defRPr>
+              </a:lvl8pPr>
+              <a:lvl9pPr marL="3886200" indent="-228600" algn="l" rtl="0" eaLnBrk="0" fontAlgn="base" hangingPunct="0">
+                <a:spcBef>
+                  <a:spcPct val="20000"/>
+                </a:spcBef>
+                <a:spcAft>
+                  <a:spcPct val="0"/>
+                </a:spcAft>
+                <a:buChar char="»"/>
+                <a:defRPr sz="2000">
+                  <a:solidFill>
+                    <a:schemeClr val="tx1"/>
+                  </a:solidFill>
+                  <a:latin typeface="Times" charset="0"/>
+                  <a:ea typeface="+mn-ea"/>
+                </a:defRPr>
+              </a:lvl9pPr>
+            </a:lstStyle>
+            <a:p>
+              <a:pPr marL="0" indent="0" algn="ctr">
+                <a:buNone/>
+              </a:pPr>
+              <a:r>
+                <a:rPr lang="en-US" altLang="en-US" sz="2000" b="1" kern="0">
+                  <a:latin typeface="Arial" panose="020B0604020202020204" pitchFamily="34" charset="0"/>
+                  <a:cs typeface="Arial" panose="020B0604020202020204" pitchFamily="34" charset="0"/>
+                </a:rPr>
+                <a:t>-</a:t>
+              </a:r>
+            </a:p>
+          </p:txBody>
+        </p:sp>
+        <p:pic>
+          <p:nvPicPr>
+            <p:cNvPr id="28" name="Picture 27" descr="A close up of a logo&#10;&#10;Description automatically generated">
+              <a:extLst>
+                <a:ext uri="{FF2B5EF4-FFF2-40B4-BE49-F238E27FC236}">
+                  <a16:creationId xmlns:a16="http://schemas.microsoft.com/office/drawing/2014/main" id="{2271EB91-AC20-4F12-82D2-0B09E93CD792}"/>
+                </a:ext>
+              </a:extLst>
+            </p:cNvPr>
+            <p:cNvPicPr>
+              <a:picLocks noChangeAspect="1"/>
+            </p:cNvPicPr>
+            <p:nvPr/>
+          </p:nvPicPr>
+          <p:blipFill>
+            <a:blip r:embed="rId3"/>
+            <a:stretch>
+              <a:fillRect/>
+            </a:stretch>
+          </p:blipFill>
+          <p:spPr>
+            <a:xfrm rot="21418516">
+              <a:off x="2097195" y="3344923"/>
+              <a:ext cx="1189573" cy="914400"/>
+            </a:xfrm>
+            <a:prstGeom prst="rect">
+              <a:avLst/>
+            </a:prstGeom>
+          </p:spPr>
+        </p:pic>
+        <p:sp>
+          <p:nvSpPr>
+            <p:cNvPr id="31" name="Content Placeholder 2">
+              <a:extLst>
+                <a:ext uri="{FF2B5EF4-FFF2-40B4-BE49-F238E27FC236}">
+                  <a16:creationId xmlns:a16="http://schemas.microsoft.com/office/drawing/2014/main" id="{4AEE141E-C304-4856-AE06-F730B2EC01C3}"/>
+                </a:ext>
+              </a:extLst>
+            </p:cNvPr>
+            <p:cNvSpPr txBox="1">
+              <a:spLocks/>
+            </p:cNvSpPr>
+            <p:nvPr/>
+          </p:nvSpPr>
+          <p:spPr bwMode="auto">
+            <a:xfrm>
+              <a:off x="2379169" y="5311894"/>
+              <a:ext cx="585928" cy="366434"/>
+            </a:xfrm>
+            <a:prstGeom prst="rect">
+              <a:avLst/>
+            </a:prstGeom>
+            <a:noFill/>
+            <a:ln>
+              <a:noFill/>
+            </a:ln>
+            <a:extLst>
+              <a:ext uri="{909E8E84-426E-40DD-AFC4-6F175D3DCCD1}">
+                <a14:hiddenFill xmlns:a14="http://schemas.microsoft.com/office/drawing/2010/main">
+                  <a:solidFill>
+                    <a:srgbClr val="FFFFFF"/>
+                  </a:solidFill>
+                </a14:hiddenFill>
+              </a:ext>
+              <a:ext uri="{91240B29-F687-4F45-9708-019B960494DF}">
+                <a14:hiddenLine xmlns:a14="http://schemas.microsoft.com/office/drawing/2010/main" w="9525">
+                  <a:solidFill>
+                    <a:srgbClr val="000000"/>
+                  </a:solidFill>
+                  <a:miter lim="800000"/>
+                  <a:headEnd/>
+                  <a:tailEnd/>
+                </a14:hiddenLine>
+              </a:ext>
+            </a:extLst>
+          </p:spPr>
+          <p:txBody>
+            <a:bodyPr vert="horz" wrap="square" lIns="91440" tIns="45720" rIns="91440" bIns="45720" numCol="1" anchor="t" anchorCtr="0" compatLnSpc="1">
+              <a:prstTxWarp prst="textNoShape">
+                <a:avLst/>
+              </a:prstTxWarp>
+            </a:bodyPr>
+            <a:lstStyle>
+              <a:lvl1pPr marL="230188" indent="-230188" algn="l" rtl="0" eaLnBrk="0" fontAlgn="base" hangingPunct="0">
+                <a:lnSpc>
+                  <a:spcPts val="2700"/>
+                </a:lnSpc>
+                <a:spcBef>
+                  <a:spcPct val="0"/>
+                </a:spcBef>
+                <a:spcAft>
+                  <a:spcPts val="1400"/>
+                </a:spcAft>
+                <a:buClr>
+                  <a:srgbClr val="993333"/>
+                </a:buClr>
+                <a:buChar char="•"/>
+                <a:defRPr sz="2300">
+                  <a:solidFill>
+                    <a:schemeClr val="tx1"/>
+                  </a:solidFill>
+                  <a:latin typeface="+mn-lt"/>
+                  <a:ea typeface="+mn-ea"/>
+                  <a:cs typeface="Geneva" charset="0"/>
+                </a:defRPr>
+              </a:lvl1pPr>
+              <a:lvl2pPr marL="742950" indent="-285750" algn="l" rtl="0" eaLnBrk="0" fontAlgn="base" hangingPunct="0">
+                <a:lnSpc>
+                  <a:spcPts val="2800"/>
+                </a:lnSpc>
+                <a:spcBef>
+                  <a:spcPct val="0"/>
+                </a:spcBef>
+                <a:spcAft>
+                  <a:spcPts val="1400"/>
+                </a:spcAft>
+                <a:buChar char="–"/>
+                <a:defRPr sz="2300">
+                  <a:solidFill>
+                    <a:schemeClr val="tx1"/>
+                  </a:solidFill>
+                  <a:latin typeface="+mn-lt"/>
+                  <a:ea typeface="+mn-ea"/>
+                </a:defRPr>
+              </a:lvl2pPr>
+              <a:lvl3pPr marL="1143000" indent="-228600" algn="l" rtl="0" eaLnBrk="0" fontAlgn="base" hangingPunct="0">
+                <a:spcBef>
+                  <a:spcPct val="20000"/>
+                </a:spcBef>
+                <a:spcAft>
+                  <a:spcPct val="0"/>
+                </a:spcAft>
+                <a:buClr>
+                  <a:srgbClr val="993333"/>
+                </a:buClr>
+                <a:buChar char="•"/>
+                <a:defRPr sz="2300">
+                  <a:solidFill>
+                    <a:schemeClr val="tx1"/>
+                  </a:solidFill>
+                  <a:latin typeface="+mn-lt"/>
+                  <a:ea typeface="+mn-ea"/>
+                </a:defRPr>
+              </a:lvl3pPr>
+              <a:lvl4pPr marL="1600200" indent="-228600" algn="l" rtl="0" eaLnBrk="0" fontAlgn="base" hangingPunct="0">
+                <a:spcBef>
+                  <a:spcPct val="20000"/>
+                </a:spcBef>
+                <a:spcAft>
+                  <a:spcPct val="0"/>
+                </a:spcAft>
+                <a:defRPr sz="2000">
+                  <a:solidFill>
+                    <a:schemeClr val="tx1"/>
+                  </a:solidFill>
+                  <a:latin typeface="Times" charset="0"/>
+                  <a:ea typeface="+mn-ea"/>
+                </a:defRPr>
+              </a:lvl4pPr>
+              <a:lvl5pPr marL="2057400" indent="-228600" algn="l" rtl="0" eaLnBrk="0" fontAlgn="base" hangingPunct="0">
+                <a:spcBef>
+                  <a:spcPct val="20000"/>
+                </a:spcBef>
+                <a:spcAft>
+                  <a:spcPct val="0"/>
+                </a:spcAft>
+                <a:buChar char="»"/>
+                <a:defRPr sz="2000">
+                  <a:solidFill>
+                    <a:schemeClr val="tx1"/>
+                  </a:solidFill>
+                  <a:latin typeface="Times" charset="0"/>
+                  <a:ea typeface="+mn-ea"/>
+                </a:defRPr>
+              </a:lvl5pPr>
+              <a:lvl6pPr marL="2514600" indent="-228600" algn="l" rtl="0" eaLnBrk="0" fontAlgn="base" hangingPunct="0">
+                <a:spcBef>
+                  <a:spcPct val="20000"/>
+                </a:spcBef>
+                <a:spcAft>
+                  <a:spcPct val="0"/>
+                </a:spcAft>
+                <a:buChar char="»"/>
+                <a:defRPr sz="2000">
+                  <a:solidFill>
+                    <a:schemeClr val="tx1"/>
+                  </a:solidFill>
+                  <a:latin typeface="Times" charset="0"/>
+                  <a:ea typeface="+mn-ea"/>
+                </a:defRPr>
+              </a:lvl6pPr>
+              <a:lvl7pPr marL="2971800" indent="-228600" algn="l" rtl="0" eaLnBrk="0" fontAlgn="base" hangingPunct="0">
+                <a:spcBef>
+                  <a:spcPct val="20000"/>
+                </a:spcBef>
+                <a:spcAft>
+                  <a:spcPct val="0"/>
+                </a:spcAft>
+                <a:buChar char="»"/>
+                <a:defRPr sz="2000">
+                  <a:solidFill>
+                    <a:schemeClr val="tx1"/>
+                  </a:solidFill>
+                  <a:latin typeface="Times" charset="0"/>
+                  <a:ea typeface="+mn-ea"/>
+                </a:defRPr>
+              </a:lvl7pPr>
+              <a:lvl8pPr marL="3429000" indent="-228600" algn="l" rtl="0" eaLnBrk="0" fontAlgn="base" hangingPunct="0">
+                <a:spcBef>
+                  <a:spcPct val="20000"/>
+                </a:spcBef>
+                <a:spcAft>
+                  <a:spcPct val="0"/>
+                </a:spcAft>
+                <a:buChar char="»"/>
+                <a:defRPr sz="2000">
+                  <a:solidFill>
+                    <a:schemeClr val="tx1"/>
+                  </a:solidFill>
+                  <a:latin typeface="Times" charset="0"/>
+                  <a:ea typeface="+mn-ea"/>
+                </a:defRPr>
+              </a:lvl8pPr>
+              <a:lvl9pPr marL="3886200" indent="-228600" algn="l" rtl="0" eaLnBrk="0" fontAlgn="base" hangingPunct="0">
+                <a:spcBef>
+                  <a:spcPct val="20000"/>
+                </a:spcBef>
+                <a:spcAft>
+                  <a:spcPct val="0"/>
+                </a:spcAft>
+                <a:buChar char="»"/>
+                <a:defRPr sz="2000">
+                  <a:solidFill>
+                    <a:schemeClr val="tx1"/>
+                  </a:solidFill>
+                  <a:latin typeface="Times" charset="0"/>
+                  <a:ea typeface="+mn-ea"/>
+                </a:defRPr>
+              </a:lvl9pPr>
+            </a:lstStyle>
+            <a:p>
+              <a:pPr marL="0" indent="0" algn="ctr">
+                <a:buNone/>
+              </a:pPr>
+              <a:r>
+                <a:rPr lang="en-US" altLang="en-US" sz="2000" b="1" kern="0">
+                  <a:latin typeface="Arial" panose="020B0604020202020204" pitchFamily="34" charset="0"/>
+                  <a:cs typeface="Arial" panose="020B0604020202020204" pitchFamily="34" charset="0"/>
+                </a:rPr>
+                <a:t>+</a:t>
+              </a:r>
+            </a:p>
+          </p:txBody>
+        </p:sp>
+        <p:sp>
+          <p:nvSpPr>
+            <p:cNvPr id="32" name="Content Placeholder 2">
+              <a:extLst>
+                <a:ext uri="{FF2B5EF4-FFF2-40B4-BE49-F238E27FC236}">
+                  <a16:creationId xmlns:a16="http://schemas.microsoft.com/office/drawing/2014/main" id="{E46F1349-CADC-42CE-9426-BBBC715A94FE}"/>
+                </a:ext>
+              </a:extLst>
+            </p:cNvPr>
+            <p:cNvSpPr txBox="1">
+              <a:spLocks/>
+            </p:cNvSpPr>
+            <p:nvPr/>
+          </p:nvSpPr>
+          <p:spPr bwMode="auto">
+            <a:xfrm>
+              <a:off x="873172" y="4495272"/>
+              <a:ext cx="585928" cy="366434"/>
+            </a:xfrm>
+            <a:prstGeom prst="rect">
+              <a:avLst/>
+            </a:prstGeom>
+            <a:noFill/>
+            <a:ln>
+              <a:noFill/>
+            </a:ln>
+            <a:extLst>
+              <a:ext uri="{909E8E84-426E-40DD-AFC4-6F175D3DCCD1}">
+                <a14:hiddenFill xmlns:a14="http://schemas.microsoft.com/office/drawing/2010/main">
+                  <a:solidFill>
+                    <a:srgbClr val="FFFFFF"/>
+                  </a:solidFill>
+                </a14:hiddenFill>
+              </a:ext>
+              <a:ext uri="{91240B29-F687-4F45-9708-019B960494DF}">
+                <a14:hiddenLine xmlns:a14="http://schemas.microsoft.com/office/drawing/2010/main" w="9525">
+                  <a:solidFill>
+                    <a:srgbClr val="000000"/>
+                  </a:solidFill>
+                  <a:miter lim="800000"/>
+                  <a:headEnd/>
+                  <a:tailEnd/>
+                </a14:hiddenLine>
+              </a:ext>
+            </a:extLst>
+          </p:spPr>
+          <p:txBody>
+            <a:bodyPr vert="horz" wrap="square" lIns="91440" tIns="45720" rIns="91440" bIns="45720" numCol="1" anchor="t" anchorCtr="0" compatLnSpc="1">
+              <a:prstTxWarp prst="textNoShape">
+                <a:avLst/>
+              </a:prstTxWarp>
+            </a:bodyPr>
+            <a:lstStyle>
+              <a:lvl1pPr marL="230188" indent="-230188" algn="l" rtl="0" eaLnBrk="0" fontAlgn="base" hangingPunct="0">
+                <a:lnSpc>
+                  <a:spcPts val="2700"/>
+                </a:lnSpc>
+                <a:spcBef>
+                  <a:spcPct val="0"/>
+                </a:spcBef>
+                <a:spcAft>
+                  <a:spcPts val="1400"/>
+                </a:spcAft>
+                <a:buClr>
+                  <a:srgbClr val="993333"/>
+                </a:buClr>
+                <a:buChar char="•"/>
+                <a:defRPr sz="2300">
+                  <a:solidFill>
+                    <a:schemeClr val="tx1"/>
+                  </a:solidFill>
+                  <a:latin typeface="+mn-lt"/>
+                  <a:ea typeface="+mn-ea"/>
+                  <a:cs typeface="Geneva" charset="0"/>
+                </a:defRPr>
+              </a:lvl1pPr>
+              <a:lvl2pPr marL="742950" indent="-285750" algn="l" rtl="0" eaLnBrk="0" fontAlgn="base" hangingPunct="0">
+                <a:lnSpc>
+                  <a:spcPts val="2800"/>
+                </a:lnSpc>
+                <a:spcBef>
+                  <a:spcPct val="0"/>
+                </a:spcBef>
+                <a:spcAft>
+                  <a:spcPts val="1400"/>
+                </a:spcAft>
+                <a:buChar char="–"/>
+                <a:defRPr sz="2300">
+                  <a:solidFill>
+                    <a:schemeClr val="tx1"/>
+                  </a:solidFill>
+                  <a:latin typeface="+mn-lt"/>
+                  <a:ea typeface="+mn-ea"/>
+                </a:defRPr>
+              </a:lvl2pPr>
+              <a:lvl3pPr marL="1143000" indent="-228600" algn="l" rtl="0" eaLnBrk="0" fontAlgn="base" hangingPunct="0">
+                <a:spcBef>
+                  <a:spcPct val="20000"/>
+                </a:spcBef>
+                <a:spcAft>
+                  <a:spcPct val="0"/>
+                </a:spcAft>
+                <a:buClr>
+                  <a:srgbClr val="993333"/>
+                </a:buClr>
+                <a:buChar char="•"/>
+                <a:defRPr sz="2300">
+                  <a:solidFill>
+                    <a:schemeClr val="tx1"/>
+                  </a:solidFill>
+                  <a:latin typeface="+mn-lt"/>
+                  <a:ea typeface="+mn-ea"/>
+                </a:defRPr>
+              </a:lvl3pPr>
+              <a:lvl4pPr marL="1600200" indent="-228600" algn="l" rtl="0" eaLnBrk="0" fontAlgn="base" hangingPunct="0">
+                <a:spcBef>
+                  <a:spcPct val="20000"/>
+                </a:spcBef>
+                <a:spcAft>
+                  <a:spcPct val="0"/>
+                </a:spcAft>
+                <a:defRPr sz="2000">
+                  <a:solidFill>
+                    <a:schemeClr val="tx1"/>
+                  </a:solidFill>
+                  <a:latin typeface="Times" charset="0"/>
+                  <a:ea typeface="+mn-ea"/>
+                </a:defRPr>
+              </a:lvl4pPr>
+              <a:lvl5pPr marL="2057400" indent="-228600" algn="l" rtl="0" eaLnBrk="0" fontAlgn="base" hangingPunct="0">
+                <a:spcBef>
+                  <a:spcPct val="20000"/>
+                </a:spcBef>
+                <a:spcAft>
+                  <a:spcPct val="0"/>
+                </a:spcAft>
+                <a:buChar char="»"/>
+                <a:defRPr sz="2000">
+                  <a:solidFill>
+                    <a:schemeClr val="tx1"/>
+                  </a:solidFill>
+                  <a:latin typeface="Times" charset="0"/>
+                  <a:ea typeface="+mn-ea"/>
+                </a:defRPr>
+              </a:lvl5pPr>
+              <a:lvl6pPr marL="2514600" indent="-228600" algn="l" rtl="0" eaLnBrk="0" fontAlgn="base" hangingPunct="0">
+                <a:spcBef>
+                  <a:spcPct val="20000"/>
+                </a:spcBef>
+                <a:spcAft>
+                  <a:spcPct val="0"/>
+                </a:spcAft>
+                <a:buChar char="»"/>
+                <a:defRPr sz="2000">
+                  <a:solidFill>
+                    <a:schemeClr val="tx1"/>
+                  </a:solidFill>
+                  <a:latin typeface="Times" charset="0"/>
+                  <a:ea typeface="+mn-ea"/>
+                </a:defRPr>
+              </a:lvl6pPr>
+              <a:lvl7pPr marL="2971800" indent="-228600" algn="l" rtl="0" eaLnBrk="0" fontAlgn="base" hangingPunct="0">
+                <a:spcBef>
+                  <a:spcPct val="20000"/>
+                </a:spcBef>
+                <a:spcAft>
+                  <a:spcPct val="0"/>
+                </a:spcAft>
+                <a:buChar char="»"/>
+                <a:defRPr sz="2000">
+                  <a:solidFill>
+                    <a:schemeClr val="tx1"/>
+                  </a:solidFill>
+                  <a:latin typeface="Times" charset="0"/>
+                  <a:ea typeface="+mn-ea"/>
+                </a:defRPr>
+              </a:lvl7pPr>
+              <a:lvl8pPr marL="3429000" indent="-228600" algn="l" rtl="0" eaLnBrk="0" fontAlgn="base" hangingPunct="0">
+                <a:spcBef>
+                  <a:spcPct val="20000"/>
+                </a:spcBef>
+                <a:spcAft>
+                  <a:spcPct val="0"/>
+                </a:spcAft>
+                <a:buChar char="»"/>
+                <a:defRPr sz="2000">
+                  <a:solidFill>
+                    <a:schemeClr val="tx1"/>
+                  </a:solidFill>
+                  <a:latin typeface="Times" charset="0"/>
+                  <a:ea typeface="+mn-ea"/>
+                </a:defRPr>
+              </a:lvl8pPr>
+              <a:lvl9pPr marL="3886200" indent="-228600" algn="l" rtl="0" eaLnBrk="0" fontAlgn="base" hangingPunct="0">
+                <a:spcBef>
+                  <a:spcPct val="20000"/>
+                </a:spcBef>
+                <a:spcAft>
+                  <a:spcPct val="0"/>
+                </a:spcAft>
+                <a:buChar char="»"/>
+                <a:defRPr sz="2000">
+                  <a:solidFill>
+                    <a:schemeClr val="tx1"/>
+                  </a:solidFill>
+                  <a:latin typeface="Times" charset="0"/>
+                  <a:ea typeface="+mn-ea"/>
+                </a:defRPr>
+              </a:lvl9pPr>
+            </a:lstStyle>
+            <a:p>
+              <a:pPr marL="0" indent="0" algn="ctr">
+                <a:buNone/>
+              </a:pPr>
+              <a:r>
+                <a:rPr lang="en-US" altLang="en-US" sz="2000" b="1" kern="0">
+                  <a:latin typeface="Arial" panose="020B0604020202020204" pitchFamily="34" charset="0"/>
+                  <a:cs typeface="Arial" panose="020B0604020202020204" pitchFamily="34" charset="0"/>
+                </a:rPr>
+                <a:t>+</a:t>
+              </a:r>
+            </a:p>
+          </p:txBody>
+        </p:sp>
+        <p:sp>
+          <p:nvSpPr>
+            <p:cNvPr id="33" name="Content Placeholder 2">
+              <a:extLst>
+                <a:ext uri="{FF2B5EF4-FFF2-40B4-BE49-F238E27FC236}">
+                  <a16:creationId xmlns:a16="http://schemas.microsoft.com/office/drawing/2014/main" id="{B70DF23C-4D01-4388-AE4D-897641451E62}"/>
+                </a:ext>
+              </a:extLst>
+            </p:cNvPr>
+            <p:cNvSpPr txBox="1">
+              <a:spLocks/>
+            </p:cNvSpPr>
+            <p:nvPr/>
+          </p:nvSpPr>
+          <p:spPr bwMode="auto">
+            <a:xfrm>
+              <a:off x="692871" y="3622627"/>
+              <a:ext cx="585928" cy="366434"/>
+            </a:xfrm>
+            <a:prstGeom prst="rect">
+              <a:avLst/>
+            </a:prstGeom>
+            <a:noFill/>
+            <a:ln>
+              <a:noFill/>
+            </a:ln>
+            <a:extLst>
+              <a:ext uri="{909E8E84-426E-40DD-AFC4-6F175D3DCCD1}">
+                <a14:hiddenFill xmlns:a14="http://schemas.microsoft.com/office/drawing/2010/main">
+                  <a:solidFill>
+                    <a:srgbClr val="FFFFFF"/>
+                  </a:solidFill>
+                </a14:hiddenFill>
+              </a:ext>
+              <a:ext uri="{91240B29-F687-4F45-9708-019B960494DF}">
+                <a14:hiddenLine xmlns:a14="http://schemas.microsoft.com/office/drawing/2010/main" w="9525">
+                  <a:solidFill>
+                    <a:srgbClr val="000000"/>
+                  </a:solidFill>
+                  <a:miter lim="800000"/>
+                  <a:headEnd/>
+                  <a:tailEnd/>
+                </a14:hiddenLine>
+              </a:ext>
+            </a:extLst>
+          </p:spPr>
+          <p:txBody>
+            <a:bodyPr vert="horz" wrap="square" lIns="91440" tIns="45720" rIns="91440" bIns="45720" numCol="1" anchor="t" anchorCtr="0" compatLnSpc="1">
+              <a:prstTxWarp prst="textNoShape">
+                <a:avLst/>
+              </a:prstTxWarp>
+            </a:bodyPr>
+            <a:lstStyle>
+              <a:lvl1pPr marL="230188" indent="-230188" algn="l" rtl="0" eaLnBrk="0" fontAlgn="base" hangingPunct="0">
+                <a:lnSpc>
+                  <a:spcPts val="2700"/>
+                </a:lnSpc>
+                <a:spcBef>
+                  <a:spcPct val="0"/>
+                </a:spcBef>
+                <a:spcAft>
+                  <a:spcPts val="1400"/>
+                </a:spcAft>
+                <a:buClr>
+                  <a:srgbClr val="993333"/>
+                </a:buClr>
+                <a:buChar char="•"/>
+                <a:defRPr sz="2300">
+                  <a:solidFill>
+                    <a:schemeClr val="tx1"/>
+                  </a:solidFill>
+                  <a:latin typeface="+mn-lt"/>
+                  <a:ea typeface="+mn-ea"/>
+                  <a:cs typeface="Geneva" charset="0"/>
+                </a:defRPr>
+              </a:lvl1pPr>
+              <a:lvl2pPr marL="742950" indent="-285750" algn="l" rtl="0" eaLnBrk="0" fontAlgn="base" hangingPunct="0">
+                <a:lnSpc>
+                  <a:spcPts val="2800"/>
+                </a:lnSpc>
+                <a:spcBef>
+                  <a:spcPct val="0"/>
+                </a:spcBef>
+                <a:spcAft>
+                  <a:spcPts val="1400"/>
+                </a:spcAft>
+                <a:buChar char="–"/>
+                <a:defRPr sz="2300">
+                  <a:solidFill>
+                    <a:schemeClr val="tx1"/>
+                  </a:solidFill>
+                  <a:latin typeface="+mn-lt"/>
+                  <a:ea typeface="+mn-ea"/>
+                </a:defRPr>
+              </a:lvl2pPr>
+              <a:lvl3pPr marL="1143000" indent="-228600" algn="l" rtl="0" eaLnBrk="0" fontAlgn="base" hangingPunct="0">
+                <a:spcBef>
+                  <a:spcPct val="20000"/>
+                </a:spcBef>
+                <a:spcAft>
+                  <a:spcPct val="0"/>
+                </a:spcAft>
+                <a:buClr>
+                  <a:srgbClr val="993333"/>
+                </a:buClr>
+                <a:buChar char="•"/>
+                <a:defRPr sz="2300">
+                  <a:solidFill>
+                    <a:schemeClr val="tx1"/>
+                  </a:solidFill>
+                  <a:latin typeface="+mn-lt"/>
+                  <a:ea typeface="+mn-ea"/>
+                </a:defRPr>
+              </a:lvl3pPr>
+              <a:lvl4pPr marL="1600200" indent="-228600" algn="l" rtl="0" eaLnBrk="0" fontAlgn="base" hangingPunct="0">
+                <a:spcBef>
+                  <a:spcPct val="20000"/>
+                </a:spcBef>
+                <a:spcAft>
+                  <a:spcPct val="0"/>
+                </a:spcAft>
+                <a:defRPr sz="2000">
+                  <a:solidFill>
+                    <a:schemeClr val="tx1"/>
+                  </a:solidFill>
+                  <a:latin typeface="Times" charset="0"/>
+                  <a:ea typeface="+mn-ea"/>
+                </a:defRPr>
+              </a:lvl4pPr>
+              <a:lvl5pPr marL="2057400" indent="-228600" algn="l" rtl="0" eaLnBrk="0" fontAlgn="base" hangingPunct="0">
+                <a:spcBef>
+                  <a:spcPct val="20000"/>
+                </a:spcBef>
+                <a:spcAft>
+                  <a:spcPct val="0"/>
+                </a:spcAft>
+                <a:buChar char="»"/>
+                <a:defRPr sz="2000">
+                  <a:solidFill>
+                    <a:schemeClr val="tx1"/>
+                  </a:solidFill>
+                  <a:latin typeface="Times" charset="0"/>
+                  <a:ea typeface="+mn-ea"/>
+                </a:defRPr>
+              </a:lvl5pPr>
+              <a:lvl6pPr marL="2514600" indent="-228600" algn="l" rtl="0" eaLnBrk="0" fontAlgn="base" hangingPunct="0">
+                <a:spcBef>
+                  <a:spcPct val="20000"/>
+                </a:spcBef>
+                <a:spcAft>
+                  <a:spcPct val="0"/>
+                </a:spcAft>
+                <a:buChar char="»"/>
+                <a:defRPr sz="2000">
+                  <a:solidFill>
+                    <a:schemeClr val="tx1"/>
+                  </a:solidFill>
+                  <a:latin typeface="Times" charset="0"/>
+                  <a:ea typeface="+mn-ea"/>
+                </a:defRPr>
+              </a:lvl6pPr>
+              <a:lvl7pPr marL="2971800" indent="-228600" algn="l" rtl="0" eaLnBrk="0" fontAlgn="base" hangingPunct="0">
+                <a:spcBef>
+                  <a:spcPct val="20000"/>
+                </a:spcBef>
+                <a:spcAft>
+                  <a:spcPct val="0"/>
+                </a:spcAft>
+                <a:buChar char="»"/>
+                <a:defRPr sz="2000">
+                  <a:solidFill>
+                    <a:schemeClr val="tx1"/>
+                  </a:solidFill>
+                  <a:latin typeface="Times" charset="0"/>
+                  <a:ea typeface="+mn-ea"/>
+                </a:defRPr>
+              </a:lvl7pPr>
+              <a:lvl8pPr marL="3429000" indent="-228600" algn="l" rtl="0" eaLnBrk="0" fontAlgn="base" hangingPunct="0">
+                <a:spcBef>
+                  <a:spcPct val="20000"/>
+                </a:spcBef>
+                <a:spcAft>
+                  <a:spcPct val="0"/>
+                </a:spcAft>
+                <a:buChar char="»"/>
+                <a:defRPr sz="2000">
+                  <a:solidFill>
+                    <a:schemeClr val="tx1"/>
+                  </a:solidFill>
+                  <a:latin typeface="Times" charset="0"/>
+                  <a:ea typeface="+mn-ea"/>
+                </a:defRPr>
+              </a:lvl8pPr>
+              <a:lvl9pPr marL="3886200" indent="-228600" algn="l" rtl="0" eaLnBrk="0" fontAlgn="base" hangingPunct="0">
+                <a:spcBef>
+                  <a:spcPct val="20000"/>
+                </a:spcBef>
+                <a:spcAft>
+                  <a:spcPct val="0"/>
+                </a:spcAft>
+                <a:buChar char="»"/>
+                <a:defRPr sz="2000">
+                  <a:solidFill>
+                    <a:schemeClr val="tx1"/>
+                  </a:solidFill>
+                  <a:latin typeface="Times" charset="0"/>
+                  <a:ea typeface="+mn-ea"/>
+                </a:defRPr>
+              </a:lvl9pPr>
+            </a:lstStyle>
+            <a:p>
+              <a:pPr marL="0" indent="0" algn="ctr">
+                <a:buNone/>
+              </a:pPr>
+              <a:r>
+                <a:rPr lang="en-US" altLang="en-US" sz="2000" b="1" kern="0">
+                  <a:latin typeface="Arial" panose="020B0604020202020204" pitchFamily="34" charset="0"/>
+                  <a:cs typeface="Arial" panose="020B0604020202020204" pitchFamily="34" charset="0"/>
+                </a:rPr>
+                <a:t>+</a:t>
+              </a:r>
+            </a:p>
+          </p:txBody>
+        </p:sp>
+        <p:sp>
+          <p:nvSpPr>
+            <p:cNvPr id="34" name="Content Placeholder 2">
+              <a:extLst>
+                <a:ext uri="{FF2B5EF4-FFF2-40B4-BE49-F238E27FC236}">
+                  <a16:creationId xmlns:a16="http://schemas.microsoft.com/office/drawing/2014/main" id="{5920956B-89F1-4789-AAD4-67E75DFA7906}"/>
+                </a:ext>
+              </a:extLst>
+            </p:cNvPr>
+            <p:cNvSpPr txBox="1">
+              <a:spLocks/>
+            </p:cNvSpPr>
+            <p:nvPr/>
+          </p:nvSpPr>
+          <p:spPr bwMode="auto">
+            <a:xfrm>
+              <a:off x="3851613" y="2710781"/>
+              <a:ext cx="585928" cy="366434"/>
+            </a:xfrm>
+            <a:prstGeom prst="rect">
+              <a:avLst/>
+            </a:prstGeom>
+            <a:noFill/>
+            <a:ln>
+              <a:noFill/>
+            </a:ln>
+            <a:extLst>
+              <a:ext uri="{909E8E84-426E-40DD-AFC4-6F175D3DCCD1}">
+                <a14:hiddenFill xmlns:a14="http://schemas.microsoft.com/office/drawing/2010/main">
+                  <a:solidFill>
+                    <a:srgbClr val="FFFFFF"/>
+                  </a:solidFill>
+                </a14:hiddenFill>
+              </a:ext>
+              <a:ext uri="{91240B29-F687-4F45-9708-019B960494DF}">
+                <a14:hiddenLine xmlns:a14="http://schemas.microsoft.com/office/drawing/2010/main" w="9525">
+                  <a:solidFill>
+                    <a:srgbClr val="000000"/>
+                  </a:solidFill>
+                  <a:miter lim="800000"/>
+                  <a:headEnd/>
+                  <a:tailEnd/>
+                </a14:hiddenLine>
+              </a:ext>
+            </a:extLst>
+          </p:spPr>
+          <p:txBody>
+            <a:bodyPr vert="horz" wrap="square" lIns="91440" tIns="45720" rIns="91440" bIns="45720" numCol="1" anchor="t" anchorCtr="0" compatLnSpc="1">
+              <a:prstTxWarp prst="textNoShape">
+                <a:avLst/>
+              </a:prstTxWarp>
+            </a:bodyPr>
+            <a:lstStyle>
+              <a:lvl1pPr marL="230188" indent="-230188" algn="l" rtl="0" eaLnBrk="0" fontAlgn="base" hangingPunct="0">
+                <a:lnSpc>
+                  <a:spcPts val="2700"/>
+                </a:lnSpc>
+                <a:spcBef>
+                  <a:spcPct val="0"/>
+                </a:spcBef>
+                <a:spcAft>
+                  <a:spcPts val="1400"/>
+                </a:spcAft>
+                <a:buClr>
+                  <a:srgbClr val="993333"/>
+                </a:buClr>
+                <a:buChar char="•"/>
+                <a:defRPr sz="2300">
+                  <a:solidFill>
+                    <a:schemeClr val="tx1"/>
+                  </a:solidFill>
+                  <a:latin typeface="+mn-lt"/>
+                  <a:ea typeface="+mn-ea"/>
+                  <a:cs typeface="Geneva" charset="0"/>
+                </a:defRPr>
+              </a:lvl1pPr>
+              <a:lvl2pPr marL="742950" indent="-285750" algn="l" rtl="0" eaLnBrk="0" fontAlgn="base" hangingPunct="0">
+                <a:lnSpc>
+                  <a:spcPts val="2800"/>
+                </a:lnSpc>
+                <a:spcBef>
+                  <a:spcPct val="0"/>
+                </a:spcBef>
+                <a:spcAft>
+                  <a:spcPts val="1400"/>
+                </a:spcAft>
+                <a:buChar char="–"/>
+                <a:defRPr sz="2300">
+                  <a:solidFill>
+                    <a:schemeClr val="tx1"/>
+                  </a:solidFill>
+                  <a:latin typeface="+mn-lt"/>
+                  <a:ea typeface="+mn-ea"/>
+                </a:defRPr>
+              </a:lvl2pPr>
+              <a:lvl3pPr marL="1143000" indent="-228600" algn="l" rtl="0" eaLnBrk="0" fontAlgn="base" hangingPunct="0">
+                <a:spcBef>
+                  <a:spcPct val="20000"/>
+                </a:spcBef>
+                <a:spcAft>
+                  <a:spcPct val="0"/>
+                </a:spcAft>
+                <a:buClr>
+                  <a:srgbClr val="993333"/>
+                </a:buClr>
+                <a:buChar char="•"/>
+                <a:defRPr sz="2300">
+                  <a:solidFill>
+                    <a:schemeClr val="tx1"/>
+                  </a:solidFill>
+                  <a:latin typeface="+mn-lt"/>
+                  <a:ea typeface="+mn-ea"/>
+                </a:defRPr>
+              </a:lvl3pPr>
+              <a:lvl4pPr marL="1600200" indent="-228600" algn="l" rtl="0" eaLnBrk="0" fontAlgn="base" hangingPunct="0">
+                <a:spcBef>
+                  <a:spcPct val="20000"/>
+                </a:spcBef>
+                <a:spcAft>
+                  <a:spcPct val="0"/>
+                </a:spcAft>
+                <a:defRPr sz="2000">
+                  <a:solidFill>
+                    <a:schemeClr val="tx1"/>
+                  </a:solidFill>
+                  <a:latin typeface="Times" charset="0"/>
+                  <a:ea typeface="+mn-ea"/>
+                </a:defRPr>
+              </a:lvl4pPr>
+              <a:lvl5pPr marL="2057400" indent="-228600" algn="l" rtl="0" eaLnBrk="0" fontAlgn="base" hangingPunct="0">
+                <a:spcBef>
+                  <a:spcPct val="20000"/>
+                </a:spcBef>
+                <a:spcAft>
+                  <a:spcPct val="0"/>
+                </a:spcAft>
+                <a:buChar char="»"/>
+                <a:defRPr sz="2000">
+                  <a:solidFill>
+                    <a:schemeClr val="tx1"/>
+                  </a:solidFill>
+                  <a:latin typeface="Times" charset="0"/>
+                  <a:ea typeface="+mn-ea"/>
+                </a:defRPr>
+              </a:lvl5pPr>
+              <a:lvl6pPr marL="2514600" indent="-228600" algn="l" rtl="0" eaLnBrk="0" fontAlgn="base" hangingPunct="0">
+                <a:spcBef>
+                  <a:spcPct val="20000"/>
+                </a:spcBef>
+                <a:spcAft>
+                  <a:spcPct val="0"/>
+                </a:spcAft>
+                <a:buChar char="»"/>
+                <a:defRPr sz="2000">
+                  <a:solidFill>
+                    <a:schemeClr val="tx1"/>
+                  </a:solidFill>
+                  <a:latin typeface="Times" charset="0"/>
+                  <a:ea typeface="+mn-ea"/>
+                </a:defRPr>
+              </a:lvl6pPr>
+              <a:lvl7pPr marL="2971800" indent="-228600" algn="l" rtl="0" eaLnBrk="0" fontAlgn="base" hangingPunct="0">
+                <a:spcBef>
+                  <a:spcPct val="20000"/>
+                </a:spcBef>
+                <a:spcAft>
+                  <a:spcPct val="0"/>
+                </a:spcAft>
+                <a:buChar char="»"/>
+                <a:defRPr sz="2000">
+                  <a:solidFill>
+                    <a:schemeClr val="tx1"/>
+                  </a:solidFill>
+                  <a:latin typeface="Times" charset="0"/>
+                  <a:ea typeface="+mn-ea"/>
+                </a:defRPr>
+              </a:lvl7pPr>
+              <a:lvl8pPr marL="3429000" indent="-228600" algn="l" rtl="0" eaLnBrk="0" fontAlgn="base" hangingPunct="0">
+                <a:spcBef>
+                  <a:spcPct val="20000"/>
+                </a:spcBef>
+                <a:spcAft>
+                  <a:spcPct val="0"/>
+                </a:spcAft>
+                <a:buChar char="»"/>
+                <a:defRPr sz="2000">
+                  <a:solidFill>
+                    <a:schemeClr val="tx1"/>
+                  </a:solidFill>
+                  <a:latin typeface="Times" charset="0"/>
+                  <a:ea typeface="+mn-ea"/>
+                </a:defRPr>
+              </a:lvl8pPr>
+              <a:lvl9pPr marL="3886200" indent="-228600" algn="l" rtl="0" eaLnBrk="0" fontAlgn="base" hangingPunct="0">
+                <a:spcBef>
+                  <a:spcPct val="20000"/>
+                </a:spcBef>
+                <a:spcAft>
+                  <a:spcPct val="0"/>
+                </a:spcAft>
+                <a:buChar char="»"/>
+                <a:defRPr sz="2000">
+                  <a:solidFill>
+                    <a:schemeClr val="tx1"/>
+                  </a:solidFill>
+                  <a:latin typeface="Times" charset="0"/>
+                  <a:ea typeface="+mn-ea"/>
+                </a:defRPr>
+              </a:lvl9pPr>
+            </a:lstStyle>
+            <a:p>
+              <a:pPr marL="0" indent="0" algn="ctr">
+                <a:buNone/>
+              </a:pPr>
+              <a:r>
+                <a:rPr lang="en-US" altLang="en-US" sz="2000" b="1" kern="0">
+                  <a:latin typeface="Arial" panose="020B0604020202020204" pitchFamily="34" charset="0"/>
+                  <a:cs typeface="Arial" panose="020B0604020202020204" pitchFamily="34" charset="0"/>
+                </a:rPr>
+                <a:t>-</a:t>
+              </a:r>
+            </a:p>
+          </p:txBody>
+        </p:sp>
+        <p:sp>
+          <p:nvSpPr>
+            <p:cNvPr id="36" name="Content Placeholder 2">
+              <a:extLst>
+                <a:ext uri="{FF2B5EF4-FFF2-40B4-BE49-F238E27FC236}">
+                  <a16:creationId xmlns:a16="http://schemas.microsoft.com/office/drawing/2014/main" id="{D05D7EF9-9975-4065-B8D1-260D6732D3B7}"/>
+                </a:ext>
+              </a:extLst>
+            </p:cNvPr>
+            <p:cNvSpPr txBox="1">
+              <a:spLocks/>
+            </p:cNvSpPr>
+            <p:nvPr/>
+          </p:nvSpPr>
+          <p:spPr bwMode="auto">
+            <a:xfrm>
+              <a:off x="4153634" y="3579693"/>
+              <a:ext cx="585928" cy="366434"/>
+            </a:xfrm>
+            <a:prstGeom prst="rect">
+              <a:avLst/>
+            </a:prstGeom>
+            <a:noFill/>
+            <a:ln>
+              <a:noFill/>
+            </a:ln>
+            <a:extLst>
+              <a:ext uri="{909E8E84-426E-40DD-AFC4-6F175D3DCCD1}">
+                <a14:hiddenFill xmlns:a14="http://schemas.microsoft.com/office/drawing/2010/main">
+                  <a:solidFill>
+                    <a:srgbClr val="FFFFFF"/>
+                  </a:solidFill>
+                </a14:hiddenFill>
+              </a:ext>
+              <a:ext uri="{91240B29-F687-4F45-9708-019B960494DF}">
+                <a14:hiddenLine xmlns:a14="http://schemas.microsoft.com/office/drawing/2010/main" w="9525">
+                  <a:solidFill>
+                    <a:srgbClr val="000000"/>
+                  </a:solidFill>
+                  <a:miter lim="800000"/>
+                  <a:headEnd/>
+                  <a:tailEnd/>
+                </a14:hiddenLine>
+              </a:ext>
+            </a:extLst>
+          </p:spPr>
+          <p:txBody>
+            <a:bodyPr vert="horz" wrap="square" lIns="91440" tIns="45720" rIns="91440" bIns="45720" numCol="1" anchor="t" anchorCtr="0" compatLnSpc="1">
+              <a:prstTxWarp prst="textNoShape">
+                <a:avLst/>
+              </a:prstTxWarp>
+            </a:bodyPr>
+            <a:lstStyle>
+              <a:lvl1pPr marL="230188" indent="-230188" algn="l" rtl="0" eaLnBrk="0" fontAlgn="base" hangingPunct="0">
+                <a:lnSpc>
+                  <a:spcPts val="2700"/>
+                </a:lnSpc>
+                <a:spcBef>
+                  <a:spcPct val="0"/>
+                </a:spcBef>
+                <a:spcAft>
+                  <a:spcPts val="1400"/>
+                </a:spcAft>
+                <a:buClr>
+                  <a:srgbClr val="993333"/>
+                </a:buClr>
+                <a:buChar char="•"/>
+                <a:defRPr sz="2300">
+                  <a:solidFill>
+                    <a:schemeClr val="tx1"/>
+                  </a:solidFill>
+                  <a:latin typeface="+mn-lt"/>
+                  <a:ea typeface="+mn-ea"/>
+                  <a:cs typeface="Geneva" charset="0"/>
+                </a:defRPr>
+              </a:lvl1pPr>
+              <a:lvl2pPr marL="742950" indent="-285750" algn="l" rtl="0" eaLnBrk="0" fontAlgn="base" hangingPunct="0">
+                <a:lnSpc>
+                  <a:spcPts val="2800"/>
+                </a:lnSpc>
+                <a:spcBef>
+                  <a:spcPct val="0"/>
+                </a:spcBef>
+                <a:spcAft>
+                  <a:spcPts val="1400"/>
+                </a:spcAft>
+                <a:buChar char="–"/>
+                <a:defRPr sz="2300">
+                  <a:solidFill>
+                    <a:schemeClr val="tx1"/>
+                  </a:solidFill>
+                  <a:latin typeface="+mn-lt"/>
+                  <a:ea typeface="+mn-ea"/>
+                </a:defRPr>
+              </a:lvl2pPr>
+              <a:lvl3pPr marL="1143000" indent="-228600" algn="l" rtl="0" eaLnBrk="0" fontAlgn="base" hangingPunct="0">
+                <a:spcBef>
+                  <a:spcPct val="20000"/>
+                </a:spcBef>
+                <a:spcAft>
+                  <a:spcPct val="0"/>
+                </a:spcAft>
+                <a:buClr>
+                  <a:srgbClr val="993333"/>
+                </a:buClr>
+                <a:buChar char="•"/>
+                <a:defRPr sz="2300">
+                  <a:solidFill>
+                    <a:schemeClr val="tx1"/>
+                  </a:solidFill>
+                  <a:latin typeface="+mn-lt"/>
+                  <a:ea typeface="+mn-ea"/>
+                </a:defRPr>
+              </a:lvl3pPr>
+              <a:lvl4pPr marL="1600200" indent="-228600" algn="l" rtl="0" eaLnBrk="0" fontAlgn="base" hangingPunct="0">
+                <a:spcBef>
+                  <a:spcPct val="20000"/>
+                </a:spcBef>
+                <a:spcAft>
+                  <a:spcPct val="0"/>
+                </a:spcAft>
+                <a:defRPr sz="2000">
+                  <a:solidFill>
+                    <a:schemeClr val="tx1"/>
+                  </a:solidFill>
+                  <a:latin typeface="Times" charset="0"/>
+                  <a:ea typeface="+mn-ea"/>
+                </a:defRPr>
+              </a:lvl4pPr>
+              <a:lvl5pPr marL="2057400" indent="-228600" algn="l" rtl="0" eaLnBrk="0" fontAlgn="base" hangingPunct="0">
+                <a:spcBef>
+                  <a:spcPct val="20000"/>
+                </a:spcBef>
+                <a:spcAft>
+                  <a:spcPct val="0"/>
+                </a:spcAft>
+                <a:buChar char="»"/>
+                <a:defRPr sz="2000">
+                  <a:solidFill>
+                    <a:schemeClr val="tx1"/>
+                  </a:solidFill>
+                  <a:latin typeface="Times" charset="0"/>
+                  <a:ea typeface="+mn-ea"/>
+                </a:defRPr>
+              </a:lvl5pPr>
+              <a:lvl6pPr marL="2514600" indent="-228600" algn="l" rtl="0" eaLnBrk="0" fontAlgn="base" hangingPunct="0">
+                <a:spcBef>
+                  <a:spcPct val="20000"/>
+                </a:spcBef>
+                <a:spcAft>
+                  <a:spcPct val="0"/>
+                </a:spcAft>
+                <a:buChar char="»"/>
+                <a:defRPr sz="2000">
+                  <a:solidFill>
+                    <a:schemeClr val="tx1"/>
+                  </a:solidFill>
+                  <a:latin typeface="Times" charset="0"/>
+                  <a:ea typeface="+mn-ea"/>
+                </a:defRPr>
+              </a:lvl6pPr>
+              <a:lvl7pPr marL="2971800" indent="-228600" algn="l" rtl="0" eaLnBrk="0" fontAlgn="base" hangingPunct="0">
+                <a:spcBef>
+                  <a:spcPct val="20000"/>
+                </a:spcBef>
+                <a:spcAft>
+                  <a:spcPct val="0"/>
+                </a:spcAft>
+                <a:buChar char="»"/>
+                <a:defRPr sz="2000">
+                  <a:solidFill>
+                    <a:schemeClr val="tx1"/>
+                  </a:solidFill>
+                  <a:latin typeface="Times" charset="0"/>
+                  <a:ea typeface="+mn-ea"/>
+                </a:defRPr>
+              </a:lvl7pPr>
+              <a:lvl8pPr marL="3429000" indent="-228600" algn="l" rtl="0" eaLnBrk="0" fontAlgn="base" hangingPunct="0">
+                <a:spcBef>
+                  <a:spcPct val="20000"/>
+                </a:spcBef>
+                <a:spcAft>
+                  <a:spcPct val="0"/>
+                </a:spcAft>
+                <a:buChar char="»"/>
+                <a:defRPr sz="2000">
+                  <a:solidFill>
+                    <a:schemeClr val="tx1"/>
+                  </a:solidFill>
+                  <a:latin typeface="Times" charset="0"/>
+                  <a:ea typeface="+mn-ea"/>
+                </a:defRPr>
+              </a:lvl8pPr>
+              <a:lvl9pPr marL="3886200" indent="-228600" algn="l" rtl="0" eaLnBrk="0" fontAlgn="base" hangingPunct="0">
+                <a:spcBef>
+                  <a:spcPct val="20000"/>
+                </a:spcBef>
+                <a:spcAft>
+                  <a:spcPct val="0"/>
+                </a:spcAft>
+                <a:buChar char="»"/>
+                <a:defRPr sz="2000">
+                  <a:solidFill>
+                    <a:schemeClr val="tx1"/>
+                  </a:solidFill>
+                  <a:latin typeface="Times" charset="0"/>
+                  <a:ea typeface="+mn-ea"/>
+                </a:defRPr>
+              </a:lvl9pPr>
+            </a:lstStyle>
+            <a:p>
+              <a:pPr marL="0" indent="0" algn="ctr">
+                <a:buNone/>
+              </a:pPr>
+              <a:r>
+                <a:rPr lang="en-US" altLang="en-US" sz="2000" b="1" kern="0">
+                  <a:latin typeface="Arial" panose="020B0604020202020204" pitchFamily="34" charset="0"/>
+                  <a:cs typeface="Arial" panose="020B0604020202020204" pitchFamily="34" charset="0"/>
+                </a:rPr>
+                <a:t>-</a:t>
+              </a:r>
+            </a:p>
+          </p:txBody>
+        </p:sp>
+      </p:grpSp>
+      <p:grpSp>
+        <p:nvGrpSpPr>
+          <p:cNvPr id="26" name="Group 25">
+            <a:extLst>
+              <a:ext uri="{FF2B5EF4-FFF2-40B4-BE49-F238E27FC236}">
+                <a16:creationId xmlns:a16="http://schemas.microsoft.com/office/drawing/2014/main" id="{176AEA03-C7A2-4524-8690-05896D24C2E8}"/>
+              </a:ext>
+            </a:extLst>
+          </p:cNvPr>
+          <p:cNvGrpSpPr/>
+          <p:nvPr/>
+        </p:nvGrpSpPr>
+        <p:grpSpPr>
+          <a:xfrm>
+            <a:off x="5378014" y="2201961"/>
+            <a:ext cx="3163672" cy="3077424"/>
+            <a:chOff x="5378014" y="2201961"/>
+            <a:chExt cx="3163672" cy="3077424"/>
+          </a:xfrm>
+        </p:grpSpPr>
+        <p:cxnSp>
+          <p:nvCxnSpPr>
+            <p:cNvPr id="16" name="Google Shape;130;p19">
+              <a:extLst>
+                <a:ext uri="{FF2B5EF4-FFF2-40B4-BE49-F238E27FC236}">
+                  <a16:creationId xmlns:a16="http://schemas.microsoft.com/office/drawing/2014/main" id="{FEA109F8-91E5-4C17-8930-974A65AC0D50}"/>
+                </a:ext>
+              </a:extLst>
+            </p:cNvPr>
+            <p:cNvCxnSpPr/>
+            <p:nvPr/>
+          </p:nvCxnSpPr>
+          <p:spPr>
+            <a:xfrm>
+              <a:off x="6925721" y="2201961"/>
+              <a:ext cx="0" cy="3077424"/>
+            </a:xfrm>
+            <a:prstGeom prst="straightConnector1">
+              <a:avLst/>
+            </a:prstGeom>
+            <a:noFill/>
+            <a:ln w="38100" cap="flat" cmpd="sng">
+              <a:solidFill>
+                <a:schemeClr val="accent1"/>
+              </a:solidFill>
+              <a:prstDash val="solid"/>
+              <a:round/>
+              <a:headEnd type="triangle" w="med" len="med"/>
+              <a:tailEnd type="triangle" w="med" len="med"/>
+            </a:ln>
+          </p:spPr>
+        </p:cxnSp>
+        <p:cxnSp>
+          <p:nvCxnSpPr>
+            <p:cNvPr id="17" name="Google Shape;131;p19">
+              <a:extLst>
+                <a:ext uri="{FF2B5EF4-FFF2-40B4-BE49-F238E27FC236}">
+                  <a16:creationId xmlns:a16="http://schemas.microsoft.com/office/drawing/2014/main" id="{4A6E2A80-8647-49F5-8C09-1FF4C321B5E5}"/>
+                </a:ext>
+              </a:extLst>
+            </p:cNvPr>
+            <p:cNvCxnSpPr/>
+            <p:nvPr/>
+          </p:nvCxnSpPr>
+          <p:spPr>
+            <a:xfrm flipH="1">
+              <a:off x="5659460" y="2932095"/>
+              <a:ext cx="2532521" cy="1617156"/>
+            </a:xfrm>
+            <a:prstGeom prst="straightConnector1">
+              <a:avLst/>
+            </a:prstGeom>
+            <a:noFill/>
+            <a:ln w="38100" cap="flat" cmpd="sng">
+              <a:solidFill>
+                <a:srgbClr val="073763"/>
+              </a:solidFill>
+              <a:prstDash val="solid"/>
+              <a:round/>
+              <a:headEnd type="triangle" w="med" len="med"/>
+              <a:tailEnd type="triangle" w="med" len="med"/>
+            </a:ln>
+          </p:spPr>
+        </p:cxnSp>
+        <p:cxnSp>
+          <p:nvCxnSpPr>
+            <p:cNvPr id="18" name="Google Shape;132;p19">
+              <a:extLst>
+                <a:ext uri="{FF2B5EF4-FFF2-40B4-BE49-F238E27FC236}">
+                  <a16:creationId xmlns:a16="http://schemas.microsoft.com/office/drawing/2014/main" id="{E5F8715C-0268-49D2-AEC6-F4D835347A19}"/>
+                </a:ext>
+              </a:extLst>
+            </p:cNvPr>
+            <p:cNvCxnSpPr/>
+            <p:nvPr/>
+          </p:nvCxnSpPr>
+          <p:spPr>
+            <a:xfrm>
+              <a:off x="5491909" y="3740673"/>
+              <a:ext cx="3000179" cy="0"/>
+            </a:xfrm>
+            <a:prstGeom prst="straightConnector1">
+              <a:avLst/>
+            </a:prstGeom>
+            <a:noFill/>
+            <a:ln w="38100" cap="flat" cmpd="sng">
+              <a:solidFill>
+                <a:srgbClr val="E06666"/>
+              </a:solidFill>
+              <a:prstDash val="solid"/>
+              <a:round/>
+              <a:headEnd type="triangle" w="med" len="med"/>
+              <a:tailEnd type="triangle" w="med" len="med"/>
+            </a:ln>
+          </p:spPr>
+        </p:cxnSp>
         <p:sp>
           <p:nvSpPr>
             <p:cNvPr id="12" name="Google Shape;133;p19">
@@ -17198,8 +20175,8 @@
           </p:nvSpPr>
           <p:spPr>
             <a:xfrm>
-              <a:off x="5866235" y="2911517"/>
-              <a:ext cx="335100" cy="530700"/>
+              <a:off x="5841047" y="3958829"/>
+              <a:ext cx="435692" cy="690009"/>
             </a:xfrm>
             <a:prstGeom prst="arc">
               <a:avLst>
@@ -17214,60 +20191,7 @@
               </a:solidFill>
               <a:prstDash val="solid"/>
               <a:round/>
-              <a:headEnd type="stealth" w="sm" len="sm"/>
-              <a:tailEnd type="none" w="sm" len="sm"/>
-            </a:ln>
-          </p:spPr>
-          <p:txBody>
-            <a:bodyPr spcFirstLastPara="1" wrap="square" lIns="91425" tIns="91425" rIns="91425" bIns="91425" anchor="ctr" anchorCtr="0">
-              <a:noAutofit/>
-            </a:bodyPr>
-            <a:lstStyle/>
-            <a:p>
-              <a:pPr marL="0" lvl="0" indent="0" algn="l" rtl="0">
-                <a:spcBef>
-                  <a:spcPts val="0"/>
-                </a:spcBef>
-                <a:spcAft>
-                  <a:spcPts val="0"/>
-                </a:spcAft>
-                <a:buNone/>
-              </a:pPr>
-              <a:endParaRPr/>
-            </a:p>
-          </p:txBody>
-        </p:sp>
-        <p:sp>
-          <p:nvSpPr>
-            <p:cNvPr id="14" name="Google Shape;134;p19">
-              <a:extLst>
-                <a:ext uri="{FF2B5EF4-FFF2-40B4-BE49-F238E27FC236}">
-                  <a16:creationId xmlns:a16="http://schemas.microsoft.com/office/drawing/2014/main" id="{28C3BF28-CBF8-4080-BC30-D3334B0061F3}"/>
-                </a:ext>
-              </a:extLst>
-            </p:cNvPr>
-            <p:cNvSpPr/>
-            <p:nvPr/>
-          </p:nvSpPr>
-          <p:spPr>
-            <a:xfrm rot="-5400000" flipH="1">
-              <a:off x="6450676" y="1894393"/>
-              <a:ext cx="228900" cy="536100"/>
-            </a:xfrm>
-            <a:prstGeom prst="arc">
-              <a:avLst>
-                <a:gd name="adj1" fmla="val 11911051"/>
-                <a:gd name="adj2" fmla="val 7742676"/>
-              </a:avLst>
-            </a:prstGeom>
-            <a:noFill/>
-            <a:ln w="28575" cap="flat" cmpd="sng">
-              <a:solidFill>
-                <a:schemeClr val="dk2"/>
-              </a:solidFill>
-              <a:prstDash val="solid"/>
-              <a:round/>
-              <a:headEnd type="stealth" w="sm" len="sm"/>
+              <a:headEnd type="stealth" w="lg" len="lg"/>
               <a:tailEnd type="none" w="sm" len="sm"/>
             </a:ln>
           </p:spPr>
@@ -17304,8 +20228,8 @@
           </p:nvSpPr>
           <p:spPr>
             <a:xfrm flipH="1">
-              <a:off x="7123582" y="2571355"/>
-              <a:ext cx="231000" cy="530700"/>
+              <a:off x="7770883" y="3395714"/>
+              <a:ext cx="300343" cy="690009"/>
             </a:xfrm>
             <a:prstGeom prst="arc">
               <a:avLst>
@@ -17320,7 +20244,7 @@
               </a:solidFill>
               <a:prstDash val="solid"/>
               <a:round/>
-              <a:headEnd type="stealth" w="sm" len="sm"/>
+              <a:headEnd type="stealth" w="lg" len="lg"/>
               <a:tailEnd type="none" w="sm" len="sm"/>
             </a:ln>
           </p:spPr>
@@ -17343,1916 +20267,1434 @@
             </a:p>
           </p:txBody>
         </p:sp>
-      </p:grpSp>
-      <p:grpSp>
-        <p:nvGrpSpPr>
-          <p:cNvPr id="22" name="Google Shape;124;p19">
-            <a:extLst>
-              <a:ext uri="{FF2B5EF4-FFF2-40B4-BE49-F238E27FC236}">
-                <a16:creationId xmlns:a16="http://schemas.microsoft.com/office/drawing/2014/main" id="{818B23E3-1614-4574-A13B-217ED2234568}"/>
-              </a:ext>
-            </a:extLst>
-          </p:cNvPr>
-          <p:cNvGrpSpPr/>
-          <p:nvPr/>
-        </p:nvGrpSpPr>
-        <p:grpSpPr>
-          <a:xfrm>
-            <a:off x="1166136" y="2287315"/>
-            <a:ext cx="3153888" cy="3079058"/>
-            <a:chOff x="5921675" y="1166800"/>
-            <a:chExt cx="2886900" cy="2677500"/>
-          </a:xfrm>
-        </p:grpSpPr>
-        <p:cxnSp>
-          <p:nvCxnSpPr>
-            <p:cNvPr id="23" name="Google Shape;125;p19">
+        <p:sp>
+          <p:nvSpPr>
+            <p:cNvPr id="4" name="Content Placeholder 2">
               <a:extLst>
                 <a:ext uri="{FF2B5EF4-FFF2-40B4-BE49-F238E27FC236}">
-                  <a16:creationId xmlns:a16="http://schemas.microsoft.com/office/drawing/2014/main" id="{9AFE39A9-017E-45E0-B8C0-5381889EBB4C}"/>
+                  <a16:creationId xmlns:a16="http://schemas.microsoft.com/office/drawing/2014/main" id="{255FEC94-BC25-4284-8A41-1EBDEBB33997}"/>
                 </a:ext>
               </a:extLst>
             </p:cNvPr>
-            <p:cNvCxnSpPr/>
+            <p:cNvSpPr txBox="1">
+              <a:spLocks/>
+            </p:cNvSpPr>
             <p:nvPr/>
-          </p:nvCxnSpPr>
-          <p:spPr>
+          </p:nvSpPr>
+          <p:spPr bwMode="auto">
             <a:xfrm>
-              <a:off x="7301350" y="1166800"/>
-              <a:ext cx="0" cy="2677500"/>
+              <a:off x="7342868" y="4102054"/>
+              <a:ext cx="1171855" cy="366434"/>
             </a:xfrm>
-            <a:prstGeom prst="straightConnector1">
+            <a:prstGeom prst="rect">
               <a:avLst/>
             </a:prstGeom>
             <a:noFill/>
-            <a:ln w="38100" cap="flat" cmpd="sng">
+            <a:ln>
+              <a:noFill/>
+            </a:ln>
+            <a:extLst>
+              <a:ext uri="{909E8E84-426E-40DD-AFC4-6F175D3DCCD1}">
+                <a14:hiddenFill xmlns:a14="http://schemas.microsoft.com/office/drawing/2010/main">
+                  <a:solidFill>
+                    <a:srgbClr val="FFFFFF"/>
+                  </a:solidFill>
+                </a14:hiddenFill>
+              </a:ext>
+              <a:ext uri="{91240B29-F687-4F45-9708-019B960494DF}">
+                <a14:hiddenLine xmlns:a14="http://schemas.microsoft.com/office/drawing/2010/main" w="9525">
+                  <a:solidFill>
+                    <a:srgbClr val="000000"/>
+                  </a:solidFill>
+                  <a:miter lim="800000"/>
+                  <a:headEnd/>
+                  <a:tailEnd/>
+                </a14:hiddenLine>
+              </a:ext>
+            </a:extLst>
+          </p:spPr>
+          <p:txBody>
+            <a:bodyPr vert="horz" wrap="square" lIns="91440" tIns="45720" rIns="91440" bIns="45720" numCol="1" anchor="t" anchorCtr="0" compatLnSpc="1">
+              <a:prstTxWarp prst="textNoShape">
+                <a:avLst/>
+              </a:prstTxWarp>
+            </a:bodyPr>
+            <a:lstStyle>
+              <a:lvl1pPr marL="230188" indent="-230188" algn="l" rtl="0" eaLnBrk="0" fontAlgn="base" hangingPunct="0">
+                <a:lnSpc>
+                  <a:spcPts val="2700"/>
+                </a:lnSpc>
+                <a:spcBef>
+                  <a:spcPct val="0"/>
+                </a:spcBef>
+                <a:spcAft>
+                  <a:spcPts val="1400"/>
+                </a:spcAft>
+                <a:buClr>
+                  <a:srgbClr val="993333"/>
+                </a:buClr>
+                <a:buChar char="•"/>
+                <a:defRPr sz="2300">
+                  <a:solidFill>
+                    <a:schemeClr val="tx1"/>
+                  </a:solidFill>
+                  <a:latin typeface="+mn-lt"/>
+                  <a:ea typeface="+mn-ea"/>
+                  <a:cs typeface="Geneva" charset="0"/>
+                </a:defRPr>
+              </a:lvl1pPr>
+              <a:lvl2pPr marL="742950" indent="-285750" algn="l" rtl="0" eaLnBrk="0" fontAlgn="base" hangingPunct="0">
+                <a:lnSpc>
+                  <a:spcPts val="2800"/>
+                </a:lnSpc>
+                <a:spcBef>
+                  <a:spcPct val="0"/>
+                </a:spcBef>
+                <a:spcAft>
+                  <a:spcPts val="1400"/>
+                </a:spcAft>
+                <a:buChar char="–"/>
+                <a:defRPr sz="2300">
+                  <a:solidFill>
+                    <a:schemeClr val="tx1"/>
+                  </a:solidFill>
+                  <a:latin typeface="+mn-lt"/>
+                  <a:ea typeface="+mn-ea"/>
+                </a:defRPr>
+              </a:lvl2pPr>
+              <a:lvl3pPr marL="1143000" indent="-228600" algn="l" rtl="0" eaLnBrk="0" fontAlgn="base" hangingPunct="0">
+                <a:spcBef>
+                  <a:spcPct val="20000"/>
+                </a:spcBef>
+                <a:spcAft>
+                  <a:spcPct val="0"/>
+                </a:spcAft>
+                <a:buClr>
+                  <a:srgbClr val="993333"/>
+                </a:buClr>
+                <a:buChar char="•"/>
+                <a:defRPr sz="2300">
+                  <a:solidFill>
+                    <a:schemeClr val="tx1"/>
+                  </a:solidFill>
+                  <a:latin typeface="+mn-lt"/>
+                  <a:ea typeface="+mn-ea"/>
+                </a:defRPr>
+              </a:lvl3pPr>
+              <a:lvl4pPr marL="1600200" indent="-228600" algn="l" rtl="0" eaLnBrk="0" fontAlgn="base" hangingPunct="0">
+                <a:spcBef>
+                  <a:spcPct val="20000"/>
+                </a:spcBef>
+                <a:spcAft>
+                  <a:spcPct val="0"/>
+                </a:spcAft>
+                <a:defRPr sz="2000">
+                  <a:solidFill>
+                    <a:schemeClr val="tx1"/>
+                  </a:solidFill>
+                  <a:latin typeface="Times" charset="0"/>
+                  <a:ea typeface="+mn-ea"/>
+                </a:defRPr>
+              </a:lvl4pPr>
+              <a:lvl5pPr marL="2057400" indent="-228600" algn="l" rtl="0" eaLnBrk="0" fontAlgn="base" hangingPunct="0">
+                <a:spcBef>
+                  <a:spcPct val="20000"/>
+                </a:spcBef>
+                <a:spcAft>
+                  <a:spcPct val="0"/>
+                </a:spcAft>
+                <a:buChar char="»"/>
+                <a:defRPr sz="2000">
+                  <a:solidFill>
+                    <a:schemeClr val="tx1"/>
+                  </a:solidFill>
+                  <a:latin typeface="Times" charset="0"/>
+                  <a:ea typeface="+mn-ea"/>
+                </a:defRPr>
+              </a:lvl5pPr>
+              <a:lvl6pPr marL="2514600" indent="-228600" algn="l" rtl="0" eaLnBrk="0" fontAlgn="base" hangingPunct="0">
+                <a:spcBef>
+                  <a:spcPct val="20000"/>
+                </a:spcBef>
+                <a:spcAft>
+                  <a:spcPct val="0"/>
+                </a:spcAft>
+                <a:buChar char="»"/>
+                <a:defRPr sz="2000">
+                  <a:solidFill>
+                    <a:schemeClr val="tx1"/>
+                  </a:solidFill>
+                  <a:latin typeface="Times" charset="0"/>
+                  <a:ea typeface="+mn-ea"/>
+                </a:defRPr>
+              </a:lvl6pPr>
+              <a:lvl7pPr marL="2971800" indent="-228600" algn="l" rtl="0" eaLnBrk="0" fontAlgn="base" hangingPunct="0">
+                <a:spcBef>
+                  <a:spcPct val="20000"/>
+                </a:spcBef>
+                <a:spcAft>
+                  <a:spcPct val="0"/>
+                </a:spcAft>
+                <a:buChar char="»"/>
+                <a:defRPr sz="2000">
+                  <a:solidFill>
+                    <a:schemeClr val="tx1"/>
+                  </a:solidFill>
+                  <a:latin typeface="Times" charset="0"/>
+                  <a:ea typeface="+mn-ea"/>
+                </a:defRPr>
+              </a:lvl7pPr>
+              <a:lvl8pPr marL="3429000" indent="-228600" algn="l" rtl="0" eaLnBrk="0" fontAlgn="base" hangingPunct="0">
+                <a:spcBef>
+                  <a:spcPct val="20000"/>
+                </a:spcBef>
+                <a:spcAft>
+                  <a:spcPct val="0"/>
+                </a:spcAft>
+                <a:buChar char="»"/>
+                <a:defRPr sz="2000">
+                  <a:solidFill>
+                    <a:schemeClr val="tx1"/>
+                  </a:solidFill>
+                  <a:latin typeface="Times" charset="0"/>
+                  <a:ea typeface="+mn-ea"/>
+                </a:defRPr>
+              </a:lvl8pPr>
+              <a:lvl9pPr marL="3886200" indent="-228600" algn="l" rtl="0" eaLnBrk="0" fontAlgn="base" hangingPunct="0">
+                <a:spcBef>
+                  <a:spcPct val="20000"/>
+                </a:spcBef>
+                <a:spcAft>
+                  <a:spcPct val="0"/>
+                </a:spcAft>
+                <a:buChar char="»"/>
+                <a:defRPr sz="2000">
+                  <a:solidFill>
+                    <a:schemeClr val="tx1"/>
+                  </a:solidFill>
+                  <a:latin typeface="Times" charset="0"/>
+                  <a:ea typeface="+mn-ea"/>
+                </a:defRPr>
+              </a:lvl9pPr>
+            </a:lstStyle>
+            <a:p>
+              <a:pPr marL="0" indent="0" algn="ctr">
+                <a:buNone/>
+              </a:pPr>
+              <a:r>
+                <a:rPr lang="en-US" altLang="en-US" sz="2000" kern="0">
+                  <a:latin typeface="Arial" panose="020B0604020202020204" pitchFamily="34" charset="0"/>
+                  <a:cs typeface="Arial" panose="020B0604020202020204" pitchFamily="34" charset="0"/>
+                </a:rPr>
+                <a:t>Pitch</a:t>
+              </a:r>
+            </a:p>
+          </p:txBody>
+        </p:sp>
+        <p:sp>
+          <p:nvSpPr>
+            <p:cNvPr id="5" name="Content Placeholder 2">
+              <a:extLst>
+                <a:ext uri="{FF2B5EF4-FFF2-40B4-BE49-F238E27FC236}">
+                  <a16:creationId xmlns:a16="http://schemas.microsoft.com/office/drawing/2014/main" id="{42F56BCE-A563-4A86-BBD3-1444A534053F}"/>
+                </a:ext>
+              </a:extLst>
+            </p:cNvPr>
+            <p:cNvSpPr txBox="1">
+              <a:spLocks/>
+            </p:cNvSpPr>
+            <p:nvPr/>
+          </p:nvSpPr>
+          <p:spPr bwMode="auto">
+            <a:xfrm>
+              <a:off x="5587668" y="2613478"/>
+              <a:ext cx="1171855" cy="366434"/>
+            </a:xfrm>
+            <a:prstGeom prst="rect">
+              <a:avLst/>
+            </a:prstGeom>
+            <a:noFill/>
+            <a:ln>
+              <a:noFill/>
+            </a:ln>
+            <a:extLst>
+              <a:ext uri="{909E8E84-426E-40DD-AFC4-6F175D3DCCD1}">
+                <a14:hiddenFill xmlns:a14="http://schemas.microsoft.com/office/drawing/2010/main">
+                  <a:solidFill>
+                    <a:srgbClr val="FFFFFF"/>
+                  </a:solidFill>
+                </a14:hiddenFill>
+              </a:ext>
+              <a:ext uri="{91240B29-F687-4F45-9708-019B960494DF}">
+                <a14:hiddenLine xmlns:a14="http://schemas.microsoft.com/office/drawing/2010/main" w="9525">
+                  <a:solidFill>
+                    <a:srgbClr val="000000"/>
+                  </a:solidFill>
+                  <a:miter lim="800000"/>
+                  <a:headEnd/>
+                  <a:tailEnd/>
+                </a14:hiddenLine>
+              </a:ext>
+            </a:extLst>
+          </p:spPr>
+          <p:txBody>
+            <a:bodyPr vert="horz" wrap="square" lIns="91440" tIns="45720" rIns="91440" bIns="45720" numCol="1" anchor="t" anchorCtr="0" compatLnSpc="1">
+              <a:prstTxWarp prst="textNoShape">
+                <a:avLst/>
+              </a:prstTxWarp>
+            </a:bodyPr>
+            <a:lstStyle>
+              <a:lvl1pPr marL="230188" indent="-230188" algn="l" rtl="0" eaLnBrk="0" fontAlgn="base" hangingPunct="0">
+                <a:lnSpc>
+                  <a:spcPts val="2700"/>
+                </a:lnSpc>
+                <a:spcBef>
+                  <a:spcPct val="0"/>
+                </a:spcBef>
+                <a:spcAft>
+                  <a:spcPts val="1400"/>
+                </a:spcAft>
+                <a:buClr>
+                  <a:srgbClr val="993333"/>
+                </a:buClr>
+                <a:buChar char="•"/>
+                <a:defRPr sz="2300">
+                  <a:solidFill>
+                    <a:schemeClr val="tx1"/>
+                  </a:solidFill>
+                  <a:latin typeface="+mn-lt"/>
+                  <a:ea typeface="+mn-ea"/>
+                  <a:cs typeface="Geneva" charset="0"/>
+                </a:defRPr>
+              </a:lvl1pPr>
+              <a:lvl2pPr marL="742950" indent="-285750" algn="l" rtl="0" eaLnBrk="0" fontAlgn="base" hangingPunct="0">
+                <a:lnSpc>
+                  <a:spcPts val="2800"/>
+                </a:lnSpc>
+                <a:spcBef>
+                  <a:spcPct val="0"/>
+                </a:spcBef>
+                <a:spcAft>
+                  <a:spcPts val="1400"/>
+                </a:spcAft>
+                <a:buChar char="–"/>
+                <a:defRPr sz="2300">
+                  <a:solidFill>
+                    <a:schemeClr val="tx1"/>
+                  </a:solidFill>
+                  <a:latin typeface="+mn-lt"/>
+                  <a:ea typeface="+mn-ea"/>
+                </a:defRPr>
+              </a:lvl2pPr>
+              <a:lvl3pPr marL="1143000" indent="-228600" algn="l" rtl="0" eaLnBrk="0" fontAlgn="base" hangingPunct="0">
+                <a:spcBef>
+                  <a:spcPct val="20000"/>
+                </a:spcBef>
+                <a:spcAft>
+                  <a:spcPct val="0"/>
+                </a:spcAft>
+                <a:buClr>
+                  <a:srgbClr val="993333"/>
+                </a:buClr>
+                <a:buChar char="•"/>
+                <a:defRPr sz="2300">
+                  <a:solidFill>
+                    <a:schemeClr val="tx1"/>
+                  </a:solidFill>
+                  <a:latin typeface="+mn-lt"/>
+                  <a:ea typeface="+mn-ea"/>
+                </a:defRPr>
+              </a:lvl3pPr>
+              <a:lvl4pPr marL="1600200" indent="-228600" algn="l" rtl="0" eaLnBrk="0" fontAlgn="base" hangingPunct="0">
+                <a:spcBef>
+                  <a:spcPct val="20000"/>
+                </a:spcBef>
+                <a:spcAft>
+                  <a:spcPct val="0"/>
+                </a:spcAft>
+                <a:defRPr sz="2000">
+                  <a:solidFill>
+                    <a:schemeClr val="tx1"/>
+                  </a:solidFill>
+                  <a:latin typeface="Times" charset="0"/>
+                  <a:ea typeface="+mn-ea"/>
+                </a:defRPr>
+              </a:lvl4pPr>
+              <a:lvl5pPr marL="2057400" indent="-228600" algn="l" rtl="0" eaLnBrk="0" fontAlgn="base" hangingPunct="0">
+                <a:spcBef>
+                  <a:spcPct val="20000"/>
+                </a:spcBef>
+                <a:spcAft>
+                  <a:spcPct val="0"/>
+                </a:spcAft>
+                <a:buChar char="»"/>
+                <a:defRPr sz="2000">
+                  <a:solidFill>
+                    <a:schemeClr val="tx1"/>
+                  </a:solidFill>
+                  <a:latin typeface="Times" charset="0"/>
+                  <a:ea typeface="+mn-ea"/>
+                </a:defRPr>
+              </a:lvl5pPr>
+              <a:lvl6pPr marL="2514600" indent="-228600" algn="l" rtl="0" eaLnBrk="0" fontAlgn="base" hangingPunct="0">
+                <a:spcBef>
+                  <a:spcPct val="20000"/>
+                </a:spcBef>
+                <a:spcAft>
+                  <a:spcPct val="0"/>
+                </a:spcAft>
+                <a:buChar char="»"/>
+                <a:defRPr sz="2000">
+                  <a:solidFill>
+                    <a:schemeClr val="tx1"/>
+                  </a:solidFill>
+                  <a:latin typeface="Times" charset="0"/>
+                  <a:ea typeface="+mn-ea"/>
+                </a:defRPr>
+              </a:lvl6pPr>
+              <a:lvl7pPr marL="2971800" indent="-228600" algn="l" rtl="0" eaLnBrk="0" fontAlgn="base" hangingPunct="0">
+                <a:spcBef>
+                  <a:spcPct val="20000"/>
+                </a:spcBef>
+                <a:spcAft>
+                  <a:spcPct val="0"/>
+                </a:spcAft>
+                <a:buChar char="»"/>
+                <a:defRPr sz="2000">
+                  <a:solidFill>
+                    <a:schemeClr val="tx1"/>
+                  </a:solidFill>
+                  <a:latin typeface="Times" charset="0"/>
+                  <a:ea typeface="+mn-ea"/>
+                </a:defRPr>
+              </a:lvl7pPr>
+              <a:lvl8pPr marL="3429000" indent="-228600" algn="l" rtl="0" eaLnBrk="0" fontAlgn="base" hangingPunct="0">
+                <a:spcBef>
+                  <a:spcPct val="20000"/>
+                </a:spcBef>
+                <a:spcAft>
+                  <a:spcPct val="0"/>
+                </a:spcAft>
+                <a:buChar char="»"/>
+                <a:defRPr sz="2000">
+                  <a:solidFill>
+                    <a:schemeClr val="tx1"/>
+                  </a:solidFill>
+                  <a:latin typeface="Times" charset="0"/>
+                  <a:ea typeface="+mn-ea"/>
+                </a:defRPr>
+              </a:lvl8pPr>
+              <a:lvl9pPr marL="3886200" indent="-228600" algn="l" rtl="0" eaLnBrk="0" fontAlgn="base" hangingPunct="0">
+                <a:spcBef>
+                  <a:spcPct val="20000"/>
+                </a:spcBef>
+                <a:spcAft>
+                  <a:spcPct val="0"/>
+                </a:spcAft>
+                <a:buChar char="»"/>
+                <a:defRPr sz="2000">
+                  <a:solidFill>
+                    <a:schemeClr val="tx1"/>
+                  </a:solidFill>
+                  <a:latin typeface="Times" charset="0"/>
+                  <a:ea typeface="+mn-ea"/>
+                </a:defRPr>
+              </a:lvl9pPr>
+            </a:lstStyle>
+            <a:p>
+              <a:pPr marL="0" indent="0" algn="ctr">
+                <a:buNone/>
+              </a:pPr>
+              <a:r>
+                <a:rPr lang="en-US" altLang="en-US" sz="2000" kern="0">
+                  <a:latin typeface="Arial" panose="020B0604020202020204" pitchFamily="34" charset="0"/>
+                  <a:cs typeface="Arial" panose="020B0604020202020204" pitchFamily="34" charset="0"/>
+                </a:rPr>
+                <a:t>Yaw</a:t>
+              </a:r>
+            </a:p>
+          </p:txBody>
+        </p:sp>
+        <p:sp>
+          <p:nvSpPr>
+            <p:cNvPr id="6" name="Content Placeholder 2">
+              <a:extLst>
+                <a:ext uri="{FF2B5EF4-FFF2-40B4-BE49-F238E27FC236}">
+                  <a16:creationId xmlns:a16="http://schemas.microsoft.com/office/drawing/2014/main" id="{9FC49CE0-E0C0-4FAE-8A64-E5D09CDC63BE}"/>
+                </a:ext>
+              </a:extLst>
+            </p:cNvPr>
+            <p:cNvSpPr txBox="1">
+              <a:spLocks/>
+            </p:cNvSpPr>
+            <p:nvPr/>
+          </p:nvSpPr>
+          <p:spPr bwMode="auto">
+            <a:xfrm>
+              <a:off x="5477086" y="4644774"/>
+              <a:ext cx="1171855" cy="366434"/>
+            </a:xfrm>
+            <a:prstGeom prst="rect">
+              <a:avLst/>
+            </a:prstGeom>
+            <a:noFill/>
+            <a:ln>
+              <a:noFill/>
+            </a:ln>
+            <a:extLst>
+              <a:ext uri="{909E8E84-426E-40DD-AFC4-6F175D3DCCD1}">
+                <a14:hiddenFill xmlns:a14="http://schemas.microsoft.com/office/drawing/2010/main">
+                  <a:solidFill>
+                    <a:srgbClr val="FFFFFF"/>
+                  </a:solidFill>
+                </a14:hiddenFill>
+              </a:ext>
+              <a:ext uri="{91240B29-F687-4F45-9708-019B960494DF}">
+                <a14:hiddenLine xmlns:a14="http://schemas.microsoft.com/office/drawing/2010/main" w="9525">
+                  <a:solidFill>
+                    <a:srgbClr val="000000"/>
+                  </a:solidFill>
+                  <a:miter lim="800000"/>
+                  <a:headEnd/>
+                  <a:tailEnd/>
+                </a14:hiddenLine>
+              </a:ext>
+            </a:extLst>
+          </p:spPr>
+          <p:txBody>
+            <a:bodyPr vert="horz" wrap="square" lIns="91440" tIns="45720" rIns="91440" bIns="45720" numCol="1" anchor="t" anchorCtr="0" compatLnSpc="1">
+              <a:prstTxWarp prst="textNoShape">
+                <a:avLst/>
+              </a:prstTxWarp>
+            </a:bodyPr>
+            <a:lstStyle>
+              <a:lvl1pPr marL="230188" indent="-230188" algn="l" rtl="0" eaLnBrk="0" fontAlgn="base" hangingPunct="0">
+                <a:lnSpc>
+                  <a:spcPts val="2700"/>
+                </a:lnSpc>
+                <a:spcBef>
+                  <a:spcPct val="0"/>
+                </a:spcBef>
+                <a:spcAft>
+                  <a:spcPts val="1400"/>
+                </a:spcAft>
+                <a:buClr>
+                  <a:srgbClr val="993333"/>
+                </a:buClr>
+                <a:buChar char="•"/>
+                <a:defRPr sz="2300">
+                  <a:solidFill>
+                    <a:schemeClr val="tx1"/>
+                  </a:solidFill>
+                  <a:latin typeface="+mn-lt"/>
+                  <a:ea typeface="+mn-ea"/>
+                  <a:cs typeface="Geneva" charset="0"/>
+                </a:defRPr>
+              </a:lvl1pPr>
+              <a:lvl2pPr marL="742950" indent="-285750" algn="l" rtl="0" eaLnBrk="0" fontAlgn="base" hangingPunct="0">
+                <a:lnSpc>
+                  <a:spcPts val="2800"/>
+                </a:lnSpc>
+                <a:spcBef>
+                  <a:spcPct val="0"/>
+                </a:spcBef>
+                <a:spcAft>
+                  <a:spcPts val="1400"/>
+                </a:spcAft>
+                <a:buChar char="–"/>
+                <a:defRPr sz="2300">
+                  <a:solidFill>
+                    <a:schemeClr val="tx1"/>
+                  </a:solidFill>
+                  <a:latin typeface="+mn-lt"/>
+                  <a:ea typeface="+mn-ea"/>
+                </a:defRPr>
+              </a:lvl2pPr>
+              <a:lvl3pPr marL="1143000" indent="-228600" algn="l" rtl="0" eaLnBrk="0" fontAlgn="base" hangingPunct="0">
+                <a:spcBef>
+                  <a:spcPct val="20000"/>
+                </a:spcBef>
+                <a:spcAft>
+                  <a:spcPct val="0"/>
+                </a:spcAft>
+                <a:buClr>
+                  <a:srgbClr val="993333"/>
+                </a:buClr>
+                <a:buChar char="•"/>
+                <a:defRPr sz="2300">
+                  <a:solidFill>
+                    <a:schemeClr val="tx1"/>
+                  </a:solidFill>
+                  <a:latin typeface="+mn-lt"/>
+                  <a:ea typeface="+mn-ea"/>
+                </a:defRPr>
+              </a:lvl3pPr>
+              <a:lvl4pPr marL="1600200" indent="-228600" algn="l" rtl="0" eaLnBrk="0" fontAlgn="base" hangingPunct="0">
+                <a:spcBef>
+                  <a:spcPct val="20000"/>
+                </a:spcBef>
+                <a:spcAft>
+                  <a:spcPct val="0"/>
+                </a:spcAft>
+                <a:defRPr sz="2000">
+                  <a:solidFill>
+                    <a:schemeClr val="tx1"/>
+                  </a:solidFill>
+                  <a:latin typeface="Times" charset="0"/>
+                  <a:ea typeface="+mn-ea"/>
+                </a:defRPr>
+              </a:lvl4pPr>
+              <a:lvl5pPr marL="2057400" indent="-228600" algn="l" rtl="0" eaLnBrk="0" fontAlgn="base" hangingPunct="0">
+                <a:spcBef>
+                  <a:spcPct val="20000"/>
+                </a:spcBef>
+                <a:spcAft>
+                  <a:spcPct val="0"/>
+                </a:spcAft>
+                <a:buChar char="»"/>
+                <a:defRPr sz="2000">
+                  <a:solidFill>
+                    <a:schemeClr val="tx1"/>
+                  </a:solidFill>
+                  <a:latin typeface="Times" charset="0"/>
+                  <a:ea typeface="+mn-ea"/>
+                </a:defRPr>
+              </a:lvl5pPr>
+              <a:lvl6pPr marL="2514600" indent="-228600" algn="l" rtl="0" eaLnBrk="0" fontAlgn="base" hangingPunct="0">
+                <a:spcBef>
+                  <a:spcPct val="20000"/>
+                </a:spcBef>
+                <a:spcAft>
+                  <a:spcPct val="0"/>
+                </a:spcAft>
+                <a:buChar char="»"/>
+                <a:defRPr sz="2000">
+                  <a:solidFill>
+                    <a:schemeClr val="tx1"/>
+                  </a:solidFill>
+                  <a:latin typeface="Times" charset="0"/>
+                  <a:ea typeface="+mn-ea"/>
+                </a:defRPr>
+              </a:lvl6pPr>
+              <a:lvl7pPr marL="2971800" indent="-228600" algn="l" rtl="0" eaLnBrk="0" fontAlgn="base" hangingPunct="0">
+                <a:spcBef>
+                  <a:spcPct val="20000"/>
+                </a:spcBef>
+                <a:spcAft>
+                  <a:spcPct val="0"/>
+                </a:spcAft>
+                <a:buChar char="»"/>
+                <a:defRPr sz="2000">
+                  <a:solidFill>
+                    <a:schemeClr val="tx1"/>
+                  </a:solidFill>
+                  <a:latin typeface="Times" charset="0"/>
+                  <a:ea typeface="+mn-ea"/>
+                </a:defRPr>
+              </a:lvl7pPr>
+              <a:lvl8pPr marL="3429000" indent="-228600" algn="l" rtl="0" eaLnBrk="0" fontAlgn="base" hangingPunct="0">
+                <a:spcBef>
+                  <a:spcPct val="20000"/>
+                </a:spcBef>
+                <a:spcAft>
+                  <a:spcPct val="0"/>
+                </a:spcAft>
+                <a:buChar char="»"/>
+                <a:defRPr sz="2000">
+                  <a:solidFill>
+                    <a:schemeClr val="tx1"/>
+                  </a:solidFill>
+                  <a:latin typeface="Times" charset="0"/>
+                  <a:ea typeface="+mn-ea"/>
+                </a:defRPr>
+              </a:lvl8pPr>
+              <a:lvl9pPr marL="3886200" indent="-228600" algn="l" rtl="0" eaLnBrk="0" fontAlgn="base" hangingPunct="0">
+                <a:spcBef>
+                  <a:spcPct val="20000"/>
+                </a:spcBef>
+                <a:spcAft>
+                  <a:spcPct val="0"/>
+                </a:spcAft>
+                <a:buChar char="»"/>
+                <a:defRPr sz="2000">
+                  <a:solidFill>
+                    <a:schemeClr val="tx1"/>
+                  </a:solidFill>
+                  <a:latin typeface="Times" charset="0"/>
+                  <a:ea typeface="+mn-ea"/>
+                </a:defRPr>
+              </a:lvl9pPr>
+            </a:lstStyle>
+            <a:p>
+              <a:pPr marL="0" indent="0" algn="ctr">
+                <a:buNone/>
+              </a:pPr>
+              <a:r>
+                <a:rPr lang="en-US" altLang="en-US" sz="2000" kern="0">
+                  <a:latin typeface="Arial" panose="020B0604020202020204" pitchFamily="34" charset="0"/>
+                  <a:cs typeface="Arial" panose="020B0604020202020204" pitchFamily="34" charset="0"/>
+                </a:rPr>
+                <a:t>Roll</a:t>
+              </a:r>
+            </a:p>
+          </p:txBody>
+        </p:sp>
+        <p:sp>
+          <p:nvSpPr>
+            <p:cNvPr id="14" name="Google Shape;134;p19">
+              <a:extLst>
+                <a:ext uri="{FF2B5EF4-FFF2-40B4-BE49-F238E27FC236}">
+                  <a16:creationId xmlns:a16="http://schemas.microsoft.com/office/drawing/2014/main" id="{28C3BF28-CBF8-4080-BC30-D3334B0061F3}"/>
+                </a:ext>
+              </a:extLst>
+            </p:cNvPr>
+            <p:cNvSpPr/>
+            <p:nvPr/>
+          </p:nvSpPr>
+          <p:spPr>
+            <a:xfrm rot="16200000" flipH="1">
+              <a:off x="6753666" y="2461137"/>
+              <a:ext cx="297613" cy="697030"/>
+            </a:xfrm>
+            <a:prstGeom prst="arc">
+              <a:avLst>
+                <a:gd name="adj1" fmla="val 11911051"/>
+                <a:gd name="adj2" fmla="val 7742676"/>
+              </a:avLst>
+            </a:prstGeom>
+            <a:noFill/>
+            <a:ln w="28575" cap="flat" cmpd="sng">
               <a:solidFill>
-                <a:schemeClr val="accent4"/>
+                <a:schemeClr val="dk2"/>
               </a:solidFill>
               <a:prstDash val="solid"/>
               <a:round/>
-              <a:headEnd type="stealth" w="med" len="med"/>
-              <a:tailEnd type="stealth" w="med" len="med"/>
+              <a:headEnd type="stealth" w="lg" len="lg"/>
+              <a:tailEnd type="none" w="sm" len="sm"/>
             </a:ln>
           </p:spPr>
-        </p:cxnSp>
-        <p:cxnSp>
-          <p:nvCxnSpPr>
-            <p:cNvPr id="24" name="Google Shape;126;p19">
+          <p:txBody>
+            <a:bodyPr spcFirstLastPara="1" wrap="square" lIns="91425" tIns="91425" rIns="91425" bIns="91425" anchor="ctr" anchorCtr="0">
+              <a:noAutofit/>
+            </a:bodyPr>
+            <a:lstStyle/>
+            <a:p>
+              <a:pPr marL="0" lvl="0" indent="0" algn="l" rtl="0">
+                <a:spcBef>
+                  <a:spcPts val="0"/>
+                </a:spcBef>
+                <a:spcAft>
+                  <a:spcPts val="0"/>
+                </a:spcAft>
+                <a:buNone/>
+              </a:pPr>
+              <a:endParaRPr/>
+            </a:p>
+          </p:txBody>
+        </p:sp>
+        <p:pic>
+          <p:nvPicPr>
+            <p:cNvPr id="38" name="Picture 37" descr="A close up of a logo&#10;&#10;Description automatically generated">
               <a:extLst>
                 <a:ext uri="{FF2B5EF4-FFF2-40B4-BE49-F238E27FC236}">
-                  <a16:creationId xmlns:a16="http://schemas.microsoft.com/office/drawing/2014/main" id="{31545C4C-7E52-4B7F-9474-49195DD89B8F}"/>
+                  <a16:creationId xmlns:a16="http://schemas.microsoft.com/office/drawing/2014/main" id="{CC377D04-0555-4F0E-92A1-511F44A059A4}"/>
                 </a:ext>
               </a:extLst>
             </p:cNvPr>
-            <p:cNvCxnSpPr/>
+            <p:cNvPicPr>
+              <a:picLocks noChangeAspect="1"/>
+            </p:cNvPicPr>
             <p:nvPr/>
-          </p:nvCxnSpPr>
+          </p:nvPicPr>
+          <p:blipFill>
+            <a:blip r:embed="rId3"/>
+            <a:stretch>
+              <a:fillRect/>
+            </a:stretch>
+          </p:blipFill>
           <p:spPr>
-            <a:xfrm flipH="1">
-              <a:off x="6082900" y="1802050"/>
-              <a:ext cx="2436900" cy="1407000"/>
+            <a:xfrm rot="21418516">
+              <a:off x="6357190" y="3257948"/>
+              <a:ext cx="1189573" cy="914400"/>
             </a:xfrm>
-            <a:prstGeom prst="straightConnector1">
+            <a:prstGeom prst="rect">
+              <a:avLst/>
+            </a:prstGeom>
+          </p:spPr>
+        </p:pic>
+        <p:sp>
+          <p:nvSpPr>
+            <p:cNvPr id="39" name="Content Placeholder 2">
+              <a:extLst>
+                <a:ext uri="{FF2B5EF4-FFF2-40B4-BE49-F238E27FC236}">
+                  <a16:creationId xmlns:a16="http://schemas.microsoft.com/office/drawing/2014/main" id="{221E3BE7-AF0D-4E77-AD0C-B3A4A27D95E7}"/>
+                </a:ext>
+              </a:extLst>
+            </p:cNvPr>
+            <p:cNvSpPr txBox="1">
+              <a:spLocks/>
+            </p:cNvSpPr>
+            <p:nvPr/>
+          </p:nvSpPr>
+          <p:spPr bwMode="auto">
+            <a:xfrm>
+              <a:off x="6298098" y="2355701"/>
+              <a:ext cx="585928" cy="366434"/>
+            </a:xfrm>
+            <a:prstGeom prst="rect">
               <a:avLst/>
             </a:prstGeom>
             <a:noFill/>
-            <a:ln w="38100" cap="flat" cmpd="sng">
-              <a:solidFill>
-                <a:srgbClr val="073763"/>
-              </a:solidFill>
-              <a:prstDash val="solid"/>
-              <a:round/>
-              <a:headEnd type="stealth" w="med" len="med"/>
-              <a:tailEnd type="stealth" w="med" len="med"/>
+            <a:ln>
+              <a:noFill/>
             </a:ln>
+            <a:extLst>
+              <a:ext uri="{909E8E84-426E-40DD-AFC4-6F175D3DCCD1}">
+                <a14:hiddenFill xmlns:a14="http://schemas.microsoft.com/office/drawing/2010/main">
+                  <a:solidFill>
+                    <a:srgbClr val="FFFFFF"/>
+                  </a:solidFill>
+                </a14:hiddenFill>
+              </a:ext>
+              <a:ext uri="{91240B29-F687-4F45-9708-019B960494DF}">
+                <a14:hiddenLine xmlns:a14="http://schemas.microsoft.com/office/drawing/2010/main" w="9525">
+                  <a:solidFill>
+                    <a:srgbClr val="000000"/>
+                  </a:solidFill>
+                  <a:miter lim="800000"/>
+                  <a:headEnd/>
+                  <a:tailEnd/>
+                </a14:hiddenLine>
+              </a:ext>
+            </a:extLst>
           </p:spPr>
-        </p:cxnSp>
-        <p:cxnSp>
-          <p:nvCxnSpPr>
-            <p:cNvPr id="25" name="Google Shape;127;p19">
+          <p:txBody>
+            <a:bodyPr vert="horz" wrap="square" lIns="91440" tIns="45720" rIns="91440" bIns="45720" numCol="1" anchor="t" anchorCtr="0" compatLnSpc="1">
+              <a:prstTxWarp prst="textNoShape">
+                <a:avLst/>
+              </a:prstTxWarp>
+            </a:bodyPr>
+            <a:lstStyle>
+              <a:lvl1pPr marL="230188" indent="-230188" algn="l" rtl="0" eaLnBrk="0" fontAlgn="base" hangingPunct="0">
+                <a:lnSpc>
+                  <a:spcPts val="2700"/>
+                </a:lnSpc>
+                <a:spcBef>
+                  <a:spcPct val="0"/>
+                </a:spcBef>
+                <a:spcAft>
+                  <a:spcPts val="1400"/>
+                </a:spcAft>
+                <a:buClr>
+                  <a:srgbClr val="993333"/>
+                </a:buClr>
+                <a:buChar char="•"/>
+                <a:defRPr sz="2300">
+                  <a:solidFill>
+                    <a:schemeClr val="tx1"/>
+                  </a:solidFill>
+                  <a:latin typeface="+mn-lt"/>
+                  <a:ea typeface="+mn-ea"/>
+                  <a:cs typeface="Geneva" charset="0"/>
+                </a:defRPr>
+              </a:lvl1pPr>
+              <a:lvl2pPr marL="742950" indent="-285750" algn="l" rtl="0" eaLnBrk="0" fontAlgn="base" hangingPunct="0">
+                <a:lnSpc>
+                  <a:spcPts val="2800"/>
+                </a:lnSpc>
+                <a:spcBef>
+                  <a:spcPct val="0"/>
+                </a:spcBef>
+                <a:spcAft>
+                  <a:spcPts val="1400"/>
+                </a:spcAft>
+                <a:buChar char="–"/>
+                <a:defRPr sz="2300">
+                  <a:solidFill>
+                    <a:schemeClr val="tx1"/>
+                  </a:solidFill>
+                  <a:latin typeface="+mn-lt"/>
+                  <a:ea typeface="+mn-ea"/>
+                </a:defRPr>
+              </a:lvl2pPr>
+              <a:lvl3pPr marL="1143000" indent="-228600" algn="l" rtl="0" eaLnBrk="0" fontAlgn="base" hangingPunct="0">
+                <a:spcBef>
+                  <a:spcPct val="20000"/>
+                </a:spcBef>
+                <a:spcAft>
+                  <a:spcPct val="0"/>
+                </a:spcAft>
+                <a:buClr>
+                  <a:srgbClr val="993333"/>
+                </a:buClr>
+                <a:buChar char="•"/>
+                <a:defRPr sz="2300">
+                  <a:solidFill>
+                    <a:schemeClr val="tx1"/>
+                  </a:solidFill>
+                  <a:latin typeface="+mn-lt"/>
+                  <a:ea typeface="+mn-ea"/>
+                </a:defRPr>
+              </a:lvl3pPr>
+              <a:lvl4pPr marL="1600200" indent="-228600" algn="l" rtl="0" eaLnBrk="0" fontAlgn="base" hangingPunct="0">
+                <a:spcBef>
+                  <a:spcPct val="20000"/>
+                </a:spcBef>
+                <a:spcAft>
+                  <a:spcPct val="0"/>
+                </a:spcAft>
+                <a:defRPr sz="2000">
+                  <a:solidFill>
+                    <a:schemeClr val="tx1"/>
+                  </a:solidFill>
+                  <a:latin typeface="Times" charset="0"/>
+                  <a:ea typeface="+mn-ea"/>
+                </a:defRPr>
+              </a:lvl4pPr>
+              <a:lvl5pPr marL="2057400" indent="-228600" algn="l" rtl="0" eaLnBrk="0" fontAlgn="base" hangingPunct="0">
+                <a:spcBef>
+                  <a:spcPct val="20000"/>
+                </a:spcBef>
+                <a:spcAft>
+                  <a:spcPct val="0"/>
+                </a:spcAft>
+                <a:buChar char="»"/>
+                <a:defRPr sz="2000">
+                  <a:solidFill>
+                    <a:schemeClr val="tx1"/>
+                  </a:solidFill>
+                  <a:latin typeface="Times" charset="0"/>
+                  <a:ea typeface="+mn-ea"/>
+                </a:defRPr>
+              </a:lvl5pPr>
+              <a:lvl6pPr marL="2514600" indent="-228600" algn="l" rtl="0" eaLnBrk="0" fontAlgn="base" hangingPunct="0">
+                <a:spcBef>
+                  <a:spcPct val="20000"/>
+                </a:spcBef>
+                <a:spcAft>
+                  <a:spcPct val="0"/>
+                </a:spcAft>
+                <a:buChar char="»"/>
+                <a:defRPr sz="2000">
+                  <a:solidFill>
+                    <a:schemeClr val="tx1"/>
+                  </a:solidFill>
+                  <a:latin typeface="Times" charset="0"/>
+                  <a:ea typeface="+mn-ea"/>
+                </a:defRPr>
+              </a:lvl6pPr>
+              <a:lvl7pPr marL="2971800" indent="-228600" algn="l" rtl="0" eaLnBrk="0" fontAlgn="base" hangingPunct="0">
+                <a:spcBef>
+                  <a:spcPct val="20000"/>
+                </a:spcBef>
+                <a:spcAft>
+                  <a:spcPct val="0"/>
+                </a:spcAft>
+                <a:buChar char="»"/>
+                <a:defRPr sz="2000">
+                  <a:solidFill>
+                    <a:schemeClr val="tx1"/>
+                  </a:solidFill>
+                  <a:latin typeface="Times" charset="0"/>
+                  <a:ea typeface="+mn-ea"/>
+                </a:defRPr>
+              </a:lvl7pPr>
+              <a:lvl8pPr marL="3429000" indent="-228600" algn="l" rtl="0" eaLnBrk="0" fontAlgn="base" hangingPunct="0">
+                <a:spcBef>
+                  <a:spcPct val="20000"/>
+                </a:spcBef>
+                <a:spcAft>
+                  <a:spcPct val="0"/>
+                </a:spcAft>
+                <a:buChar char="»"/>
+                <a:defRPr sz="2000">
+                  <a:solidFill>
+                    <a:schemeClr val="tx1"/>
+                  </a:solidFill>
+                  <a:latin typeface="Times" charset="0"/>
+                  <a:ea typeface="+mn-ea"/>
+                </a:defRPr>
+              </a:lvl8pPr>
+              <a:lvl9pPr marL="3886200" indent="-228600" algn="l" rtl="0" eaLnBrk="0" fontAlgn="base" hangingPunct="0">
+                <a:spcBef>
+                  <a:spcPct val="20000"/>
+                </a:spcBef>
+                <a:spcAft>
+                  <a:spcPct val="0"/>
+                </a:spcAft>
+                <a:buChar char="»"/>
+                <a:defRPr sz="2000">
+                  <a:solidFill>
+                    <a:schemeClr val="tx1"/>
+                  </a:solidFill>
+                  <a:latin typeface="Times" charset="0"/>
+                  <a:ea typeface="+mn-ea"/>
+                </a:defRPr>
+              </a:lvl9pPr>
+            </a:lstStyle>
+            <a:p>
+              <a:pPr marL="0" indent="0" algn="ctr">
+                <a:buNone/>
+              </a:pPr>
+              <a:r>
+                <a:rPr lang="en-US" altLang="en-US" sz="2000" b="1" kern="0">
+                  <a:latin typeface="Arial" panose="020B0604020202020204" pitchFamily="34" charset="0"/>
+                  <a:cs typeface="Arial" panose="020B0604020202020204" pitchFamily="34" charset="0"/>
+                </a:rPr>
+                <a:t>+</a:t>
+              </a:r>
+            </a:p>
+          </p:txBody>
+        </p:sp>
+        <p:sp>
+          <p:nvSpPr>
+            <p:cNvPr id="40" name="Content Placeholder 2">
               <a:extLst>
                 <a:ext uri="{FF2B5EF4-FFF2-40B4-BE49-F238E27FC236}">
-                  <a16:creationId xmlns:a16="http://schemas.microsoft.com/office/drawing/2014/main" id="{19DED80A-4F06-450B-AEC4-53B9158BDE7F}"/>
+                  <a16:creationId xmlns:a16="http://schemas.microsoft.com/office/drawing/2014/main" id="{69A96215-AE98-40AB-8E37-912532F5B503}"/>
                 </a:ext>
               </a:extLst>
             </p:cNvPr>
-            <p:cNvCxnSpPr/>
+            <p:cNvSpPr txBox="1">
+              <a:spLocks/>
+            </p:cNvSpPr>
             <p:nvPr/>
-          </p:nvCxnSpPr>
-          <p:spPr>
+          </p:nvSpPr>
+          <p:spPr bwMode="auto">
             <a:xfrm>
-              <a:off x="5921675" y="2505550"/>
-              <a:ext cx="2886900" cy="0"/>
+              <a:off x="5378014" y="3959993"/>
+              <a:ext cx="585928" cy="366434"/>
             </a:xfrm>
-            <a:prstGeom prst="straightConnector1">
+            <a:prstGeom prst="rect">
               <a:avLst/>
             </a:prstGeom>
             <a:noFill/>
-            <a:ln w="38100" cap="flat" cmpd="sng">
-              <a:solidFill>
-                <a:srgbClr val="E06666"/>
-              </a:solidFill>
-              <a:prstDash val="solid"/>
-              <a:round/>
-              <a:headEnd type="stealth" w="med" len="med"/>
-              <a:tailEnd type="stealth" w="med" len="med"/>
+            <a:ln>
+              <a:noFill/>
             </a:ln>
-          </p:spPr>
-        </p:cxnSp>
-      </p:grpSp>
-      <p:sp>
-        <p:nvSpPr>
-          <p:cNvPr id="4" name="Content Placeholder 2">
             <a:extLst>
-              <a:ext uri="{FF2B5EF4-FFF2-40B4-BE49-F238E27FC236}">
-                <a16:creationId xmlns:a16="http://schemas.microsoft.com/office/drawing/2014/main" id="{255FEC94-BC25-4284-8A41-1EBDEBB33997}"/>
+              <a:ext uri="{909E8E84-426E-40DD-AFC4-6F175D3DCCD1}">
+                <a14:hiddenFill xmlns:a14="http://schemas.microsoft.com/office/drawing/2010/main">
+                  <a:solidFill>
+                    <a:srgbClr val="FFFFFF"/>
+                  </a:solidFill>
+                </a14:hiddenFill>
+              </a:ext>
+              <a:ext uri="{91240B29-F687-4F45-9708-019B960494DF}">
+                <a14:hiddenLine xmlns:a14="http://schemas.microsoft.com/office/drawing/2010/main" w="9525">
+                  <a:solidFill>
+                    <a:srgbClr val="000000"/>
+                  </a:solidFill>
+                  <a:miter lim="800000"/>
+                  <a:headEnd/>
+                  <a:tailEnd/>
+                </a14:hiddenLine>
               </a:ext>
             </a:extLst>
-          </p:cNvPr>
-          <p:cNvSpPr txBox="1">
-            <a:spLocks/>
-          </p:cNvSpPr>
-          <p:nvPr/>
-        </p:nvSpPr>
-        <p:spPr bwMode="auto">
-          <a:xfrm>
-            <a:off x="6626664" y="4187408"/>
-            <a:ext cx="1171855" cy="366434"/>
-          </a:xfrm>
-          <a:prstGeom prst="rect">
-            <a:avLst/>
-          </a:prstGeom>
-          <a:noFill/>
-          <a:ln>
+          </p:spPr>
+          <p:txBody>
+            <a:bodyPr vert="horz" wrap="square" lIns="91440" tIns="45720" rIns="91440" bIns="45720" numCol="1" anchor="t" anchorCtr="0" compatLnSpc="1">
+              <a:prstTxWarp prst="textNoShape">
+                <a:avLst/>
+              </a:prstTxWarp>
+            </a:bodyPr>
+            <a:lstStyle>
+              <a:lvl1pPr marL="230188" indent="-230188" algn="l" rtl="0" eaLnBrk="0" fontAlgn="base" hangingPunct="0">
+                <a:lnSpc>
+                  <a:spcPts val="2700"/>
+                </a:lnSpc>
+                <a:spcBef>
+                  <a:spcPct val="0"/>
+                </a:spcBef>
+                <a:spcAft>
+                  <a:spcPts val="1400"/>
+                </a:spcAft>
+                <a:buClr>
+                  <a:srgbClr val="993333"/>
+                </a:buClr>
+                <a:buChar char="•"/>
+                <a:defRPr sz="2300">
+                  <a:solidFill>
+                    <a:schemeClr val="tx1"/>
+                  </a:solidFill>
+                  <a:latin typeface="+mn-lt"/>
+                  <a:ea typeface="+mn-ea"/>
+                  <a:cs typeface="Geneva" charset="0"/>
+                </a:defRPr>
+              </a:lvl1pPr>
+              <a:lvl2pPr marL="742950" indent="-285750" algn="l" rtl="0" eaLnBrk="0" fontAlgn="base" hangingPunct="0">
+                <a:lnSpc>
+                  <a:spcPts val="2800"/>
+                </a:lnSpc>
+                <a:spcBef>
+                  <a:spcPct val="0"/>
+                </a:spcBef>
+                <a:spcAft>
+                  <a:spcPts val="1400"/>
+                </a:spcAft>
+                <a:buChar char="–"/>
+                <a:defRPr sz="2300">
+                  <a:solidFill>
+                    <a:schemeClr val="tx1"/>
+                  </a:solidFill>
+                  <a:latin typeface="+mn-lt"/>
+                  <a:ea typeface="+mn-ea"/>
+                </a:defRPr>
+              </a:lvl2pPr>
+              <a:lvl3pPr marL="1143000" indent="-228600" algn="l" rtl="0" eaLnBrk="0" fontAlgn="base" hangingPunct="0">
+                <a:spcBef>
+                  <a:spcPct val="20000"/>
+                </a:spcBef>
+                <a:spcAft>
+                  <a:spcPct val="0"/>
+                </a:spcAft>
+                <a:buClr>
+                  <a:srgbClr val="993333"/>
+                </a:buClr>
+                <a:buChar char="•"/>
+                <a:defRPr sz="2300">
+                  <a:solidFill>
+                    <a:schemeClr val="tx1"/>
+                  </a:solidFill>
+                  <a:latin typeface="+mn-lt"/>
+                  <a:ea typeface="+mn-ea"/>
+                </a:defRPr>
+              </a:lvl3pPr>
+              <a:lvl4pPr marL="1600200" indent="-228600" algn="l" rtl="0" eaLnBrk="0" fontAlgn="base" hangingPunct="0">
+                <a:spcBef>
+                  <a:spcPct val="20000"/>
+                </a:spcBef>
+                <a:spcAft>
+                  <a:spcPct val="0"/>
+                </a:spcAft>
+                <a:defRPr sz="2000">
+                  <a:solidFill>
+                    <a:schemeClr val="tx1"/>
+                  </a:solidFill>
+                  <a:latin typeface="Times" charset="0"/>
+                  <a:ea typeface="+mn-ea"/>
+                </a:defRPr>
+              </a:lvl4pPr>
+              <a:lvl5pPr marL="2057400" indent="-228600" algn="l" rtl="0" eaLnBrk="0" fontAlgn="base" hangingPunct="0">
+                <a:spcBef>
+                  <a:spcPct val="20000"/>
+                </a:spcBef>
+                <a:spcAft>
+                  <a:spcPct val="0"/>
+                </a:spcAft>
+                <a:buChar char="»"/>
+                <a:defRPr sz="2000">
+                  <a:solidFill>
+                    <a:schemeClr val="tx1"/>
+                  </a:solidFill>
+                  <a:latin typeface="Times" charset="0"/>
+                  <a:ea typeface="+mn-ea"/>
+                </a:defRPr>
+              </a:lvl5pPr>
+              <a:lvl6pPr marL="2514600" indent="-228600" algn="l" rtl="0" eaLnBrk="0" fontAlgn="base" hangingPunct="0">
+                <a:spcBef>
+                  <a:spcPct val="20000"/>
+                </a:spcBef>
+                <a:spcAft>
+                  <a:spcPct val="0"/>
+                </a:spcAft>
+                <a:buChar char="»"/>
+                <a:defRPr sz="2000">
+                  <a:solidFill>
+                    <a:schemeClr val="tx1"/>
+                  </a:solidFill>
+                  <a:latin typeface="Times" charset="0"/>
+                  <a:ea typeface="+mn-ea"/>
+                </a:defRPr>
+              </a:lvl6pPr>
+              <a:lvl7pPr marL="2971800" indent="-228600" algn="l" rtl="0" eaLnBrk="0" fontAlgn="base" hangingPunct="0">
+                <a:spcBef>
+                  <a:spcPct val="20000"/>
+                </a:spcBef>
+                <a:spcAft>
+                  <a:spcPct val="0"/>
+                </a:spcAft>
+                <a:buChar char="»"/>
+                <a:defRPr sz="2000">
+                  <a:solidFill>
+                    <a:schemeClr val="tx1"/>
+                  </a:solidFill>
+                  <a:latin typeface="Times" charset="0"/>
+                  <a:ea typeface="+mn-ea"/>
+                </a:defRPr>
+              </a:lvl7pPr>
+              <a:lvl8pPr marL="3429000" indent="-228600" algn="l" rtl="0" eaLnBrk="0" fontAlgn="base" hangingPunct="0">
+                <a:spcBef>
+                  <a:spcPct val="20000"/>
+                </a:spcBef>
+                <a:spcAft>
+                  <a:spcPct val="0"/>
+                </a:spcAft>
+                <a:buChar char="»"/>
+                <a:defRPr sz="2000">
+                  <a:solidFill>
+                    <a:schemeClr val="tx1"/>
+                  </a:solidFill>
+                  <a:latin typeface="Times" charset="0"/>
+                  <a:ea typeface="+mn-ea"/>
+                </a:defRPr>
+              </a:lvl8pPr>
+              <a:lvl9pPr marL="3886200" indent="-228600" algn="l" rtl="0" eaLnBrk="0" fontAlgn="base" hangingPunct="0">
+                <a:spcBef>
+                  <a:spcPct val="20000"/>
+                </a:spcBef>
+                <a:spcAft>
+                  <a:spcPct val="0"/>
+                </a:spcAft>
+                <a:buChar char="»"/>
+                <a:defRPr sz="2000">
+                  <a:solidFill>
+                    <a:schemeClr val="tx1"/>
+                  </a:solidFill>
+                  <a:latin typeface="Times" charset="0"/>
+                  <a:ea typeface="+mn-ea"/>
+                </a:defRPr>
+              </a:lvl9pPr>
+            </a:lstStyle>
+            <a:p>
+              <a:pPr marL="0" indent="0" algn="ctr">
+                <a:buNone/>
+              </a:pPr>
+              <a:r>
+                <a:rPr lang="en-US" altLang="en-US" sz="2000" b="1" kern="0">
+                  <a:latin typeface="Arial" panose="020B0604020202020204" pitchFamily="34" charset="0"/>
+                  <a:cs typeface="Arial" panose="020B0604020202020204" pitchFamily="34" charset="0"/>
+                </a:rPr>
+                <a:t>+</a:t>
+              </a:r>
+            </a:p>
+          </p:txBody>
+        </p:sp>
+        <p:sp>
+          <p:nvSpPr>
+            <p:cNvPr id="41" name="Content Placeholder 2">
+              <a:extLst>
+                <a:ext uri="{FF2B5EF4-FFF2-40B4-BE49-F238E27FC236}">
+                  <a16:creationId xmlns:a16="http://schemas.microsoft.com/office/drawing/2014/main" id="{2C4C2E7E-8F51-4B41-907C-4CF50DE06579}"/>
+                </a:ext>
+              </a:extLst>
+            </p:cNvPr>
+            <p:cNvSpPr txBox="1">
+              <a:spLocks/>
+            </p:cNvSpPr>
+            <p:nvPr/>
+          </p:nvSpPr>
+          <p:spPr bwMode="auto">
+            <a:xfrm>
+              <a:off x="7955758" y="3344035"/>
+              <a:ext cx="585928" cy="366434"/>
+            </a:xfrm>
+            <a:prstGeom prst="rect">
+              <a:avLst/>
+            </a:prstGeom>
             <a:noFill/>
-          </a:ln>
-          <a:extLst>
-            <a:ext uri="{909E8E84-426E-40DD-AFC4-6F175D3DCCD1}">
-              <a14:hiddenFill xmlns:a14="http://schemas.microsoft.com/office/drawing/2010/main">
-                <a:solidFill>
-                  <a:srgbClr val="FFFFFF"/>
-                </a:solidFill>
-              </a14:hiddenFill>
-            </a:ext>
-            <a:ext uri="{91240B29-F687-4F45-9708-019B960494DF}">
-              <a14:hiddenLine xmlns:a14="http://schemas.microsoft.com/office/drawing/2010/main" w="9525">
-                <a:solidFill>
-                  <a:srgbClr val="000000"/>
-                </a:solidFill>
-                <a:miter lim="800000"/>
-                <a:headEnd/>
-                <a:tailEnd/>
-              </a14:hiddenLine>
-            </a:ext>
-          </a:extLst>
-        </p:spPr>
-        <p:txBody>
-          <a:bodyPr vert="horz" wrap="square" lIns="91440" tIns="45720" rIns="91440" bIns="45720" numCol="1" anchor="t" anchorCtr="0" compatLnSpc="1">
-            <a:prstTxWarp prst="textNoShape">
-              <a:avLst/>
-            </a:prstTxWarp>
-          </a:bodyPr>
-          <a:lstStyle>
-            <a:lvl1pPr marL="230188" indent="-230188" algn="l" rtl="0" eaLnBrk="0" fontAlgn="base" hangingPunct="0">
-              <a:lnSpc>
-                <a:spcPts val="2700"/>
-              </a:lnSpc>
-              <a:spcBef>
-                <a:spcPct val="0"/>
-              </a:spcBef>
-              <a:spcAft>
-                <a:spcPts val="1400"/>
-              </a:spcAft>
-              <a:buClr>
-                <a:srgbClr val="993333"/>
-              </a:buClr>
-              <a:buChar char="•"/>
-              <a:defRPr sz="2300">
-                <a:solidFill>
-                  <a:schemeClr val="tx1"/>
-                </a:solidFill>
-                <a:latin typeface="+mn-lt"/>
-                <a:ea typeface="+mn-ea"/>
-                <a:cs typeface="Geneva" charset="0"/>
-              </a:defRPr>
-            </a:lvl1pPr>
-            <a:lvl2pPr marL="742950" indent="-285750" algn="l" rtl="0" eaLnBrk="0" fontAlgn="base" hangingPunct="0">
-              <a:lnSpc>
-                <a:spcPts val="2800"/>
-              </a:lnSpc>
-              <a:spcBef>
-                <a:spcPct val="0"/>
-              </a:spcBef>
-              <a:spcAft>
-                <a:spcPts val="1400"/>
-              </a:spcAft>
-              <a:buChar char="–"/>
-              <a:defRPr sz="2300">
-                <a:solidFill>
-                  <a:schemeClr val="tx1"/>
-                </a:solidFill>
-                <a:latin typeface="+mn-lt"/>
-                <a:ea typeface="+mn-ea"/>
-              </a:defRPr>
-            </a:lvl2pPr>
-            <a:lvl3pPr marL="1143000" indent="-228600" algn="l" rtl="0" eaLnBrk="0" fontAlgn="base" hangingPunct="0">
-              <a:spcBef>
-                <a:spcPct val="20000"/>
-              </a:spcBef>
-              <a:spcAft>
-                <a:spcPct val="0"/>
-              </a:spcAft>
-              <a:buClr>
-                <a:srgbClr val="993333"/>
-              </a:buClr>
-              <a:buChar char="•"/>
-              <a:defRPr sz="2300">
-                <a:solidFill>
-                  <a:schemeClr val="tx1"/>
-                </a:solidFill>
-                <a:latin typeface="+mn-lt"/>
-                <a:ea typeface="+mn-ea"/>
-              </a:defRPr>
-            </a:lvl3pPr>
-            <a:lvl4pPr marL="1600200" indent="-228600" algn="l" rtl="0" eaLnBrk="0" fontAlgn="base" hangingPunct="0">
-              <a:spcBef>
-                <a:spcPct val="20000"/>
-              </a:spcBef>
-              <a:spcAft>
-                <a:spcPct val="0"/>
-              </a:spcAft>
-              <a:defRPr sz="2000">
-                <a:solidFill>
-                  <a:schemeClr val="tx1"/>
-                </a:solidFill>
-                <a:latin typeface="Times" charset="0"/>
-                <a:ea typeface="+mn-ea"/>
-              </a:defRPr>
-            </a:lvl4pPr>
-            <a:lvl5pPr marL="2057400" indent="-228600" algn="l" rtl="0" eaLnBrk="0" fontAlgn="base" hangingPunct="0">
-              <a:spcBef>
-                <a:spcPct val="20000"/>
-              </a:spcBef>
-              <a:spcAft>
-                <a:spcPct val="0"/>
-              </a:spcAft>
-              <a:buChar char="»"/>
-              <a:defRPr sz="2000">
-                <a:solidFill>
-                  <a:schemeClr val="tx1"/>
-                </a:solidFill>
-                <a:latin typeface="Times" charset="0"/>
-                <a:ea typeface="+mn-ea"/>
-              </a:defRPr>
-            </a:lvl5pPr>
-            <a:lvl6pPr marL="2514600" indent="-228600" algn="l" rtl="0" eaLnBrk="0" fontAlgn="base" hangingPunct="0">
-              <a:spcBef>
-                <a:spcPct val="20000"/>
-              </a:spcBef>
-              <a:spcAft>
-                <a:spcPct val="0"/>
-              </a:spcAft>
-              <a:buChar char="»"/>
-              <a:defRPr sz="2000">
-                <a:solidFill>
-                  <a:schemeClr val="tx1"/>
-                </a:solidFill>
-                <a:latin typeface="Times" charset="0"/>
-                <a:ea typeface="+mn-ea"/>
-              </a:defRPr>
-            </a:lvl6pPr>
-            <a:lvl7pPr marL="2971800" indent="-228600" algn="l" rtl="0" eaLnBrk="0" fontAlgn="base" hangingPunct="0">
-              <a:spcBef>
-                <a:spcPct val="20000"/>
-              </a:spcBef>
-              <a:spcAft>
-                <a:spcPct val="0"/>
-              </a:spcAft>
-              <a:buChar char="»"/>
-              <a:defRPr sz="2000">
-                <a:solidFill>
-                  <a:schemeClr val="tx1"/>
-                </a:solidFill>
-                <a:latin typeface="Times" charset="0"/>
-                <a:ea typeface="+mn-ea"/>
-              </a:defRPr>
-            </a:lvl7pPr>
-            <a:lvl8pPr marL="3429000" indent="-228600" algn="l" rtl="0" eaLnBrk="0" fontAlgn="base" hangingPunct="0">
-              <a:spcBef>
-                <a:spcPct val="20000"/>
-              </a:spcBef>
-              <a:spcAft>
-                <a:spcPct val="0"/>
-              </a:spcAft>
-              <a:buChar char="»"/>
-              <a:defRPr sz="2000">
-                <a:solidFill>
-                  <a:schemeClr val="tx1"/>
-                </a:solidFill>
-                <a:latin typeface="Times" charset="0"/>
-                <a:ea typeface="+mn-ea"/>
-              </a:defRPr>
-            </a:lvl8pPr>
-            <a:lvl9pPr marL="3886200" indent="-228600" algn="l" rtl="0" eaLnBrk="0" fontAlgn="base" hangingPunct="0">
-              <a:spcBef>
-                <a:spcPct val="20000"/>
-              </a:spcBef>
-              <a:spcAft>
-                <a:spcPct val="0"/>
-              </a:spcAft>
-              <a:buChar char="»"/>
-              <a:defRPr sz="2000">
-                <a:solidFill>
-                  <a:schemeClr val="tx1"/>
-                </a:solidFill>
-                <a:latin typeface="Times" charset="0"/>
-                <a:ea typeface="+mn-ea"/>
-              </a:defRPr>
-            </a:lvl9pPr>
-          </a:lstStyle>
-          <a:p>
-            <a:pPr marL="0" indent="0" algn="ctr">
-              <a:buNone/>
-            </a:pPr>
-            <a:r>
-              <a:rPr lang="en-US" altLang="en-US" sz="2000" kern="0">
-                <a:latin typeface="Arial" panose="020B0604020202020204" pitchFamily="34" charset="0"/>
-                <a:cs typeface="Arial" panose="020B0604020202020204" pitchFamily="34" charset="0"/>
-              </a:rPr>
-              <a:t>Pitch</a:t>
-            </a:r>
-          </a:p>
-        </p:txBody>
-      </p:sp>
-      <p:sp>
-        <p:nvSpPr>
-          <p:cNvPr id="5" name="Content Placeholder 2">
+            <a:ln>
+              <a:noFill/>
+            </a:ln>
             <a:extLst>
-              <a:ext uri="{FF2B5EF4-FFF2-40B4-BE49-F238E27FC236}">
-                <a16:creationId xmlns:a16="http://schemas.microsoft.com/office/drawing/2014/main" id="{42F56BCE-A563-4A86-BBD3-1444A534053F}"/>
+              <a:ext uri="{909E8E84-426E-40DD-AFC4-6F175D3DCCD1}">
+                <a14:hiddenFill xmlns:a14="http://schemas.microsoft.com/office/drawing/2010/main">
+                  <a:solidFill>
+                    <a:srgbClr val="FFFFFF"/>
+                  </a:solidFill>
+                </a14:hiddenFill>
+              </a:ext>
+              <a:ext uri="{91240B29-F687-4F45-9708-019B960494DF}">
+                <a14:hiddenLine xmlns:a14="http://schemas.microsoft.com/office/drawing/2010/main" w="9525">
+                  <a:solidFill>
+                    <a:srgbClr val="000000"/>
+                  </a:solidFill>
+                  <a:miter lim="800000"/>
+                  <a:headEnd/>
+                  <a:tailEnd/>
+                </a14:hiddenLine>
               </a:ext>
             </a:extLst>
-          </p:cNvPr>
-          <p:cNvSpPr txBox="1">
-            <a:spLocks/>
-          </p:cNvSpPr>
-          <p:nvPr/>
-        </p:nvSpPr>
-        <p:spPr bwMode="auto">
-          <a:xfrm>
-            <a:off x="5010946" y="2698832"/>
-            <a:ext cx="1171855" cy="366434"/>
-          </a:xfrm>
-          <a:prstGeom prst="rect">
-            <a:avLst/>
-          </a:prstGeom>
-          <a:noFill/>
-          <a:ln>
-            <a:noFill/>
-          </a:ln>
-          <a:extLst>
-            <a:ext uri="{909E8E84-426E-40DD-AFC4-6F175D3DCCD1}">
-              <a14:hiddenFill xmlns:a14="http://schemas.microsoft.com/office/drawing/2010/main">
-                <a:solidFill>
-                  <a:srgbClr val="FFFFFF"/>
-                </a:solidFill>
-              </a14:hiddenFill>
-            </a:ext>
-            <a:ext uri="{91240B29-F687-4F45-9708-019B960494DF}">
-              <a14:hiddenLine xmlns:a14="http://schemas.microsoft.com/office/drawing/2010/main" w="9525">
-                <a:solidFill>
-                  <a:srgbClr val="000000"/>
-                </a:solidFill>
-                <a:miter lim="800000"/>
-                <a:headEnd/>
-                <a:tailEnd/>
-              </a14:hiddenLine>
-            </a:ext>
-          </a:extLst>
-        </p:spPr>
-        <p:txBody>
-          <a:bodyPr vert="horz" wrap="square" lIns="91440" tIns="45720" rIns="91440" bIns="45720" numCol="1" anchor="t" anchorCtr="0" compatLnSpc="1">
-            <a:prstTxWarp prst="textNoShape">
-              <a:avLst/>
-            </a:prstTxWarp>
-          </a:bodyPr>
-          <a:lstStyle>
-            <a:lvl1pPr marL="230188" indent="-230188" algn="l" rtl="0" eaLnBrk="0" fontAlgn="base" hangingPunct="0">
-              <a:lnSpc>
-                <a:spcPts val="2700"/>
-              </a:lnSpc>
-              <a:spcBef>
-                <a:spcPct val="0"/>
-              </a:spcBef>
-              <a:spcAft>
-                <a:spcPts val="1400"/>
-              </a:spcAft>
-              <a:buClr>
-                <a:srgbClr val="993333"/>
-              </a:buClr>
-              <a:buChar char="•"/>
-              <a:defRPr sz="2300">
-                <a:solidFill>
-                  <a:schemeClr val="tx1"/>
-                </a:solidFill>
-                <a:latin typeface="+mn-lt"/>
-                <a:ea typeface="+mn-ea"/>
-                <a:cs typeface="Geneva" charset="0"/>
-              </a:defRPr>
-            </a:lvl1pPr>
-            <a:lvl2pPr marL="742950" indent="-285750" algn="l" rtl="0" eaLnBrk="0" fontAlgn="base" hangingPunct="0">
-              <a:lnSpc>
-                <a:spcPts val="2800"/>
-              </a:lnSpc>
-              <a:spcBef>
-                <a:spcPct val="0"/>
-              </a:spcBef>
-              <a:spcAft>
-                <a:spcPts val="1400"/>
-              </a:spcAft>
-              <a:buChar char="–"/>
-              <a:defRPr sz="2300">
-                <a:solidFill>
-                  <a:schemeClr val="tx1"/>
-                </a:solidFill>
-                <a:latin typeface="+mn-lt"/>
-                <a:ea typeface="+mn-ea"/>
-              </a:defRPr>
-            </a:lvl2pPr>
-            <a:lvl3pPr marL="1143000" indent="-228600" algn="l" rtl="0" eaLnBrk="0" fontAlgn="base" hangingPunct="0">
-              <a:spcBef>
-                <a:spcPct val="20000"/>
-              </a:spcBef>
-              <a:spcAft>
-                <a:spcPct val="0"/>
-              </a:spcAft>
-              <a:buClr>
-                <a:srgbClr val="993333"/>
-              </a:buClr>
-              <a:buChar char="•"/>
-              <a:defRPr sz="2300">
-                <a:solidFill>
-                  <a:schemeClr val="tx1"/>
-                </a:solidFill>
-                <a:latin typeface="+mn-lt"/>
-                <a:ea typeface="+mn-ea"/>
-              </a:defRPr>
-            </a:lvl3pPr>
-            <a:lvl4pPr marL="1600200" indent="-228600" algn="l" rtl="0" eaLnBrk="0" fontAlgn="base" hangingPunct="0">
-              <a:spcBef>
-                <a:spcPct val="20000"/>
-              </a:spcBef>
-              <a:spcAft>
-                <a:spcPct val="0"/>
-              </a:spcAft>
-              <a:defRPr sz="2000">
-                <a:solidFill>
-                  <a:schemeClr val="tx1"/>
-                </a:solidFill>
-                <a:latin typeface="Times" charset="0"/>
-                <a:ea typeface="+mn-ea"/>
-              </a:defRPr>
-            </a:lvl4pPr>
-            <a:lvl5pPr marL="2057400" indent="-228600" algn="l" rtl="0" eaLnBrk="0" fontAlgn="base" hangingPunct="0">
-              <a:spcBef>
-                <a:spcPct val="20000"/>
-              </a:spcBef>
-              <a:spcAft>
-                <a:spcPct val="0"/>
-              </a:spcAft>
-              <a:buChar char="»"/>
-              <a:defRPr sz="2000">
-                <a:solidFill>
-                  <a:schemeClr val="tx1"/>
-                </a:solidFill>
-                <a:latin typeface="Times" charset="0"/>
-                <a:ea typeface="+mn-ea"/>
-              </a:defRPr>
-            </a:lvl5pPr>
-            <a:lvl6pPr marL="2514600" indent="-228600" algn="l" rtl="0" eaLnBrk="0" fontAlgn="base" hangingPunct="0">
-              <a:spcBef>
-                <a:spcPct val="20000"/>
-              </a:spcBef>
-              <a:spcAft>
-                <a:spcPct val="0"/>
-              </a:spcAft>
-              <a:buChar char="»"/>
-              <a:defRPr sz="2000">
-                <a:solidFill>
-                  <a:schemeClr val="tx1"/>
-                </a:solidFill>
-                <a:latin typeface="Times" charset="0"/>
-                <a:ea typeface="+mn-ea"/>
-              </a:defRPr>
-            </a:lvl6pPr>
-            <a:lvl7pPr marL="2971800" indent="-228600" algn="l" rtl="0" eaLnBrk="0" fontAlgn="base" hangingPunct="0">
-              <a:spcBef>
-                <a:spcPct val="20000"/>
-              </a:spcBef>
-              <a:spcAft>
-                <a:spcPct val="0"/>
-              </a:spcAft>
-              <a:buChar char="»"/>
-              <a:defRPr sz="2000">
-                <a:solidFill>
-                  <a:schemeClr val="tx1"/>
-                </a:solidFill>
-                <a:latin typeface="Times" charset="0"/>
-                <a:ea typeface="+mn-ea"/>
-              </a:defRPr>
-            </a:lvl7pPr>
-            <a:lvl8pPr marL="3429000" indent="-228600" algn="l" rtl="0" eaLnBrk="0" fontAlgn="base" hangingPunct="0">
-              <a:spcBef>
-                <a:spcPct val="20000"/>
-              </a:spcBef>
-              <a:spcAft>
-                <a:spcPct val="0"/>
-              </a:spcAft>
-              <a:buChar char="»"/>
-              <a:defRPr sz="2000">
-                <a:solidFill>
-                  <a:schemeClr val="tx1"/>
-                </a:solidFill>
-                <a:latin typeface="Times" charset="0"/>
-                <a:ea typeface="+mn-ea"/>
-              </a:defRPr>
-            </a:lvl8pPr>
-            <a:lvl9pPr marL="3886200" indent="-228600" algn="l" rtl="0" eaLnBrk="0" fontAlgn="base" hangingPunct="0">
-              <a:spcBef>
-                <a:spcPct val="20000"/>
-              </a:spcBef>
-              <a:spcAft>
-                <a:spcPct val="0"/>
-              </a:spcAft>
-              <a:buChar char="»"/>
-              <a:defRPr sz="2000">
-                <a:solidFill>
-                  <a:schemeClr val="tx1"/>
-                </a:solidFill>
-                <a:latin typeface="Times" charset="0"/>
-                <a:ea typeface="+mn-ea"/>
-              </a:defRPr>
-            </a:lvl9pPr>
-          </a:lstStyle>
-          <a:p>
-            <a:pPr marL="0" indent="0" algn="ctr">
-              <a:buNone/>
-            </a:pPr>
-            <a:r>
-              <a:rPr lang="en-US" altLang="en-US" sz="2000" kern="0">
-                <a:latin typeface="Arial" panose="020B0604020202020204" pitchFamily="34" charset="0"/>
-                <a:cs typeface="Arial" panose="020B0604020202020204" pitchFamily="34" charset="0"/>
-              </a:rPr>
-              <a:t>Yaw</a:t>
-            </a:r>
-          </a:p>
-        </p:txBody>
-      </p:sp>
-      <p:sp>
-        <p:nvSpPr>
-          <p:cNvPr id="6" name="Content Placeholder 2">
-            <a:extLst>
-              <a:ext uri="{FF2B5EF4-FFF2-40B4-BE49-F238E27FC236}">
-                <a16:creationId xmlns:a16="http://schemas.microsoft.com/office/drawing/2014/main" id="{9FC49CE0-E0C0-4FAE-8A64-E5D09CDC63BE}"/>
-              </a:ext>
-            </a:extLst>
-          </p:cNvPr>
-          <p:cNvSpPr txBox="1">
-            <a:spLocks/>
-          </p:cNvSpPr>
-          <p:nvPr/>
-        </p:nvSpPr>
-        <p:spPr bwMode="auto">
-          <a:xfrm>
-            <a:off x="5082738" y="4619735"/>
-            <a:ext cx="1171855" cy="366434"/>
-          </a:xfrm>
-          <a:prstGeom prst="rect">
-            <a:avLst/>
-          </a:prstGeom>
-          <a:noFill/>
-          <a:ln>
-            <a:noFill/>
-          </a:ln>
-          <a:extLst>
-            <a:ext uri="{909E8E84-426E-40DD-AFC4-6F175D3DCCD1}">
-              <a14:hiddenFill xmlns:a14="http://schemas.microsoft.com/office/drawing/2010/main">
-                <a:solidFill>
-                  <a:srgbClr val="FFFFFF"/>
-                </a:solidFill>
-              </a14:hiddenFill>
-            </a:ext>
-            <a:ext uri="{91240B29-F687-4F45-9708-019B960494DF}">
-              <a14:hiddenLine xmlns:a14="http://schemas.microsoft.com/office/drawing/2010/main" w="9525">
-                <a:solidFill>
-                  <a:srgbClr val="000000"/>
-                </a:solidFill>
-                <a:miter lim="800000"/>
-                <a:headEnd/>
-                <a:tailEnd/>
-              </a14:hiddenLine>
-            </a:ext>
-          </a:extLst>
-        </p:spPr>
-        <p:txBody>
-          <a:bodyPr vert="horz" wrap="square" lIns="91440" tIns="45720" rIns="91440" bIns="45720" numCol="1" anchor="t" anchorCtr="0" compatLnSpc="1">
-            <a:prstTxWarp prst="textNoShape">
-              <a:avLst/>
-            </a:prstTxWarp>
-          </a:bodyPr>
-          <a:lstStyle>
-            <a:lvl1pPr marL="230188" indent="-230188" algn="l" rtl="0" eaLnBrk="0" fontAlgn="base" hangingPunct="0">
-              <a:lnSpc>
-                <a:spcPts val="2700"/>
-              </a:lnSpc>
-              <a:spcBef>
-                <a:spcPct val="0"/>
-              </a:spcBef>
-              <a:spcAft>
-                <a:spcPts val="1400"/>
-              </a:spcAft>
-              <a:buClr>
-                <a:srgbClr val="993333"/>
-              </a:buClr>
-              <a:buChar char="•"/>
-              <a:defRPr sz="2300">
-                <a:solidFill>
-                  <a:schemeClr val="tx1"/>
-                </a:solidFill>
-                <a:latin typeface="+mn-lt"/>
-                <a:ea typeface="+mn-ea"/>
-                <a:cs typeface="Geneva" charset="0"/>
-              </a:defRPr>
-            </a:lvl1pPr>
-            <a:lvl2pPr marL="742950" indent="-285750" algn="l" rtl="0" eaLnBrk="0" fontAlgn="base" hangingPunct="0">
-              <a:lnSpc>
-                <a:spcPts val="2800"/>
-              </a:lnSpc>
-              <a:spcBef>
-                <a:spcPct val="0"/>
-              </a:spcBef>
-              <a:spcAft>
-                <a:spcPts val="1400"/>
-              </a:spcAft>
-              <a:buChar char="–"/>
-              <a:defRPr sz="2300">
-                <a:solidFill>
-                  <a:schemeClr val="tx1"/>
-                </a:solidFill>
-                <a:latin typeface="+mn-lt"/>
-                <a:ea typeface="+mn-ea"/>
-              </a:defRPr>
-            </a:lvl2pPr>
-            <a:lvl3pPr marL="1143000" indent="-228600" algn="l" rtl="0" eaLnBrk="0" fontAlgn="base" hangingPunct="0">
-              <a:spcBef>
-                <a:spcPct val="20000"/>
-              </a:spcBef>
-              <a:spcAft>
-                <a:spcPct val="0"/>
-              </a:spcAft>
-              <a:buClr>
-                <a:srgbClr val="993333"/>
-              </a:buClr>
-              <a:buChar char="•"/>
-              <a:defRPr sz="2300">
-                <a:solidFill>
-                  <a:schemeClr val="tx1"/>
-                </a:solidFill>
-                <a:latin typeface="+mn-lt"/>
-                <a:ea typeface="+mn-ea"/>
-              </a:defRPr>
-            </a:lvl3pPr>
-            <a:lvl4pPr marL="1600200" indent="-228600" algn="l" rtl="0" eaLnBrk="0" fontAlgn="base" hangingPunct="0">
-              <a:spcBef>
-                <a:spcPct val="20000"/>
-              </a:spcBef>
-              <a:spcAft>
-                <a:spcPct val="0"/>
-              </a:spcAft>
-              <a:defRPr sz="2000">
-                <a:solidFill>
-                  <a:schemeClr val="tx1"/>
-                </a:solidFill>
-                <a:latin typeface="Times" charset="0"/>
-                <a:ea typeface="+mn-ea"/>
-              </a:defRPr>
-            </a:lvl4pPr>
-            <a:lvl5pPr marL="2057400" indent="-228600" algn="l" rtl="0" eaLnBrk="0" fontAlgn="base" hangingPunct="0">
-              <a:spcBef>
-                <a:spcPct val="20000"/>
-              </a:spcBef>
-              <a:spcAft>
-                <a:spcPct val="0"/>
-              </a:spcAft>
-              <a:buChar char="»"/>
-              <a:defRPr sz="2000">
-                <a:solidFill>
-                  <a:schemeClr val="tx1"/>
-                </a:solidFill>
-                <a:latin typeface="Times" charset="0"/>
-                <a:ea typeface="+mn-ea"/>
-              </a:defRPr>
-            </a:lvl5pPr>
-            <a:lvl6pPr marL="2514600" indent="-228600" algn="l" rtl="0" eaLnBrk="0" fontAlgn="base" hangingPunct="0">
-              <a:spcBef>
-                <a:spcPct val="20000"/>
-              </a:spcBef>
-              <a:spcAft>
-                <a:spcPct val="0"/>
-              </a:spcAft>
-              <a:buChar char="»"/>
-              <a:defRPr sz="2000">
-                <a:solidFill>
-                  <a:schemeClr val="tx1"/>
-                </a:solidFill>
-                <a:latin typeface="Times" charset="0"/>
-                <a:ea typeface="+mn-ea"/>
-              </a:defRPr>
-            </a:lvl6pPr>
-            <a:lvl7pPr marL="2971800" indent="-228600" algn="l" rtl="0" eaLnBrk="0" fontAlgn="base" hangingPunct="0">
-              <a:spcBef>
-                <a:spcPct val="20000"/>
-              </a:spcBef>
-              <a:spcAft>
-                <a:spcPct val="0"/>
-              </a:spcAft>
-              <a:buChar char="»"/>
-              <a:defRPr sz="2000">
-                <a:solidFill>
-                  <a:schemeClr val="tx1"/>
-                </a:solidFill>
-                <a:latin typeface="Times" charset="0"/>
-                <a:ea typeface="+mn-ea"/>
-              </a:defRPr>
-            </a:lvl7pPr>
-            <a:lvl8pPr marL="3429000" indent="-228600" algn="l" rtl="0" eaLnBrk="0" fontAlgn="base" hangingPunct="0">
-              <a:spcBef>
-                <a:spcPct val="20000"/>
-              </a:spcBef>
-              <a:spcAft>
-                <a:spcPct val="0"/>
-              </a:spcAft>
-              <a:buChar char="»"/>
-              <a:defRPr sz="2000">
-                <a:solidFill>
-                  <a:schemeClr val="tx1"/>
-                </a:solidFill>
-                <a:latin typeface="Times" charset="0"/>
-                <a:ea typeface="+mn-ea"/>
-              </a:defRPr>
-            </a:lvl8pPr>
-            <a:lvl9pPr marL="3886200" indent="-228600" algn="l" rtl="0" eaLnBrk="0" fontAlgn="base" hangingPunct="0">
-              <a:spcBef>
-                <a:spcPct val="20000"/>
-              </a:spcBef>
-              <a:spcAft>
-                <a:spcPct val="0"/>
-              </a:spcAft>
-              <a:buChar char="»"/>
-              <a:defRPr sz="2000">
-                <a:solidFill>
-                  <a:schemeClr val="tx1"/>
-                </a:solidFill>
-                <a:latin typeface="Times" charset="0"/>
-                <a:ea typeface="+mn-ea"/>
-              </a:defRPr>
-            </a:lvl9pPr>
-          </a:lstStyle>
-          <a:p>
-            <a:pPr marL="0" indent="0" algn="ctr">
-              <a:buNone/>
-            </a:pPr>
-            <a:r>
-              <a:rPr lang="en-US" altLang="en-US" sz="2000" kern="0">
-                <a:latin typeface="Arial" panose="020B0604020202020204" pitchFamily="34" charset="0"/>
-                <a:cs typeface="Arial" panose="020B0604020202020204" pitchFamily="34" charset="0"/>
-              </a:rPr>
-              <a:t>Roll</a:t>
-            </a:r>
-          </a:p>
-        </p:txBody>
-      </p:sp>
-      <p:sp>
-        <p:nvSpPr>
-          <p:cNvPr id="7" name="Content Placeholder 2">
-            <a:extLst>
-              <a:ext uri="{FF2B5EF4-FFF2-40B4-BE49-F238E27FC236}">
-                <a16:creationId xmlns:a16="http://schemas.microsoft.com/office/drawing/2014/main" id="{2809B730-BFC3-46AF-96B3-988386627DDF}"/>
-              </a:ext>
-            </a:extLst>
-          </p:cNvPr>
-          <p:cNvSpPr txBox="1">
-            <a:spLocks/>
-          </p:cNvSpPr>
-          <p:nvPr/>
-        </p:nvSpPr>
-        <p:spPr bwMode="auto">
-          <a:xfrm>
-            <a:off x="453395" y="1524000"/>
-            <a:ext cx="1650808" cy="516201"/>
-          </a:xfrm>
-          <a:prstGeom prst="rect">
-            <a:avLst/>
-          </a:prstGeom>
-          <a:noFill/>
-          <a:ln>
-            <a:noFill/>
-          </a:ln>
-          <a:extLst>
-            <a:ext uri="{909E8E84-426E-40DD-AFC4-6F175D3DCCD1}">
-              <a14:hiddenFill xmlns:a14="http://schemas.microsoft.com/office/drawing/2010/main">
-                <a:solidFill>
-                  <a:srgbClr val="FFFFFF"/>
-                </a:solidFill>
-              </a14:hiddenFill>
-            </a:ext>
-            <a:ext uri="{91240B29-F687-4F45-9708-019B960494DF}">
-              <a14:hiddenLine xmlns:a14="http://schemas.microsoft.com/office/drawing/2010/main" w="9525">
-                <a:solidFill>
-                  <a:srgbClr val="000000"/>
-                </a:solidFill>
-                <a:miter lim="800000"/>
-                <a:headEnd/>
-                <a:tailEnd/>
-              </a14:hiddenLine>
-            </a:ext>
-          </a:extLst>
-        </p:spPr>
-        <p:txBody>
-          <a:bodyPr vert="horz" wrap="square" lIns="91440" tIns="45720" rIns="91440" bIns="45720" numCol="1" anchor="t" anchorCtr="0" compatLnSpc="1">
-            <a:prstTxWarp prst="textNoShape">
-              <a:avLst/>
-            </a:prstTxWarp>
-          </a:bodyPr>
-          <a:lstStyle>
-            <a:lvl1pPr marL="230188" indent="-230188" algn="l" rtl="0" eaLnBrk="0" fontAlgn="base" hangingPunct="0">
-              <a:lnSpc>
-                <a:spcPts val="2700"/>
-              </a:lnSpc>
-              <a:spcBef>
-                <a:spcPct val="0"/>
-              </a:spcBef>
-              <a:spcAft>
-                <a:spcPts val="1400"/>
-              </a:spcAft>
-              <a:buClr>
-                <a:srgbClr val="993333"/>
-              </a:buClr>
-              <a:buChar char="•"/>
-              <a:defRPr sz="2300">
-                <a:solidFill>
-                  <a:schemeClr val="tx1"/>
-                </a:solidFill>
-                <a:latin typeface="+mn-lt"/>
-                <a:ea typeface="+mn-ea"/>
-                <a:cs typeface="Geneva" charset="0"/>
-              </a:defRPr>
-            </a:lvl1pPr>
-            <a:lvl2pPr marL="742950" indent="-285750" algn="l" rtl="0" eaLnBrk="0" fontAlgn="base" hangingPunct="0">
-              <a:lnSpc>
-                <a:spcPts val="2800"/>
-              </a:lnSpc>
-              <a:spcBef>
-                <a:spcPct val="0"/>
-              </a:spcBef>
-              <a:spcAft>
-                <a:spcPts val="1400"/>
-              </a:spcAft>
-              <a:buChar char="–"/>
-              <a:defRPr sz="2300">
-                <a:solidFill>
-                  <a:schemeClr val="tx1"/>
-                </a:solidFill>
-                <a:latin typeface="+mn-lt"/>
-                <a:ea typeface="+mn-ea"/>
-              </a:defRPr>
-            </a:lvl2pPr>
-            <a:lvl3pPr marL="1143000" indent="-228600" algn="l" rtl="0" eaLnBrk="0" fontAlgn="base" hangingPunct="0">
-              <a:spcBef>
-                <a:spcPct val="20000"/>
-              </a:spcBef>
-              <a:spcAft>
-                <a:spcPct val="0"/>
-              </a:spcAft>
-              <a:buClr>
-                <a:srgbClr val="993333"/>
-              </a:buClr>
-              <a:buChar char="•"/>
-              <a:defRPr sz="2300">
-                <a:solidFill>
-                  <a:schemeClr val="tx1"/>
-                </a:solidFill>
-                <a:latin typeface="+mn-lt"/>
-                <a:ea typeface="+mn-ea"/>
-              </a:defRPr>
-            </a:lvl3pPr>
-            <a:lvl4pPr marL="1600200" indent="-228600" algn="l" rtl="0" eaLnBrk="0" fontAlgn="base" hangingPunct="0">
-              <a:spcBef>
-                <a:spcPct val="20000"/>
-              </a:spcBef>
-              <a:spcAft>
-                <a:spcPct val="0"/>
-              </a:spcAft>
-              <a:defRPr sz="2000">
-                <a:solidFill>
-                  <a:schemeClr val="tx1"/>
-                </a:solidFill>
-                <a:latin typeface="Times" charset="0"/>
-                <a:ea typeface="+mn-ea"/>
-              </a:defRPr>
-            </a:lvl4pPr>
-            <a:lvl5pPr marL="2057400" indent="-228600" algn="l" rtl="0" eaLnBrk="0" fontAlgn="base" hangingPunct="0">
-              <a:spcBef>
-                <a:spcPct val="20000"/>
-              </a:spcBef>
-              <a:spcAft>
-                <a:spcPct val="0"/>
-              </a:spcAft>
-              <a:buChar char="»"/>
-              <a:defRPr sz="2000">
-                <a:solidFill>
-                  <a:schemeClr val="tx1"/>
-                </a:solidFill>
-                <a:latin typeface="Times" charset="0"/>
-                <a:ea typeface="+mn-ea"/>
-              </a:defRPr>
-            </a:lvl5pPr>
-            <a:lvl6pPr marL="2514600" indent="-228600" algn="l" rtl="0" eaLnBrk="0" fontAlgn="base" hangingPunct="0">
-              <a:spcBef>
-                <a:spcPct val="20000"/>
-              </a:spcBef>
-              <a:spcAft>
-                <a:spcPct val="0"/>
-              </a:spcAft>
-              <a:buChar char="»"/>
-              <a:defRPr sz="2000">
-                <a:solidFill>
-                  <a:schemeClr val="tx1"/>
-                </a:solidFill>
-                <a:latin typeface="Times" charset="0"/>
-                <a:ea typeface="+mn-ea"/>
-              </a:defRPr>
-            </a:lvl6pPr>
-            <a:lvl7pPr marL="2971800" indent="-228600" algn="l" rtl="0" eaLnBrk="0" fontAlgn="base" hangingPunct="0">
-              <a:spcBef>
-                <a:spcPct val="20000"/>
-              </a:spcBef>
-              <a:spcAft>
-                <a:spcPct val="0"/>
-              </a:spcAft>
-              <a:buChar char="»"/>
-              <a:defRPr sz="2000">
-                <a:solidFill>
-                  <a:schemeClr val="tx1"/>
-                </a:solidFill>
-                <a:latin typeface="Times" charset="0"/>
-                <a:ea typeface="+mn-ea"/>
-              </a:defRPr>
-            </a:lvl7pPr>
-            <a:lvl8pPr marL="3429000" indent="-228600" algn="l" rtl="0" eaLnBrk="0" fontAlgn="base" hangingPunct="0">
-              <a:spcBef>
-                <a:spcPct val="20000"/>
-              </a:spcBef>
-              <a:spcAft>
-                <a:spcPct val="0"/>
-              </a:spcAft>
-              <a:buChar char="»"/>
-              <a:defRPr sz="2000">
-                <a:solidFill>
-                  <a:schemeClr val="tx1"/>
-                </a:solidFill>
-                <a:latin typeface="Times" charset="0"/>
-                <a:ea typeface="+mn-ea"/>
-              </a:defRPr>
-            </a:lvl8pPr>
-            <a:lvl9pPr marL="3886200" indent="-228600" algn="l" rtl="0" eaLnBrk="0" fontAlgn="base" hangingPunct="0">
-              <a:spcBef>
-                <a:spcPct val="20000"/>
-              </a:spcBef>
-              <a:spcAft>
-                <a:spcPct val="0"/>
-              </a:spcAft>
-              <a:buChar char="»"/>
-              <a:defRPr sz="2000">
-                <a:solidFill>
-                  <a:schemeClr val="tx1"/>
-                </a:solidFill>
-                <a:latin typeface="Times" charset="0"/>
-                <a:ea typeface="+mn-ea"/>
-              </a:defRPr>
-            </a:lvl9pPr>
-          </a:lstStyle>
-          <a:p>
-            <a:pPr marL="0" indent="0" algn="ctr">
-              <a:buNone/>
-            </a:pPr>
-            <a:r>
-              <a:rPr lang="en-US" altLang="en-US" sz="3200" b="1" kern="0">
-                <a:latin typeface="Arial" panose="020B0604020202020204" pitchFamily="34" charset="0"/>
-                <a:cs typeface="Arial" panose="020B0604020202020204" pitchFamily="34" charset="0"/>
-              </a:rPr>
-              <a:t>Accel</a:t>
-            </a:r>
-          </a:p>
-        </p:txBody>
-      </p:sp>
-      <p:sp>
-        <p:nvSpPr>
-          <p:cNvPr id="8" name="Content Placeholder 2">
-            <a:extLst>
-              <a:ext uri="{FF2B5EF4-FFF2-40B4-BE49-F238E27FC236}">
-                <a16:creationId xmlns:a16="http://schemas.microsoft.com/office/drawing/2014/main" id="{8AF067D8-C6E3-498D-B5D4-176F579DAFB4}"/>
-              </a:ext>
-            </a:extLst>
-          </p:cNvPr>
-          <p:cNvSpPr txBox="1">
-            <a:spLocks/>
-          </p:cNvSpPr>
-          <p:nvPr/>
-        </p:nvSpPr>
-        <p:spPr bwMode="auto">
-          <a:xfrm>
-            <a:off x="4521392" y="1523894"/>
-            <a:ext cx="1650808" cy="516201"/>
-          </a:xfrm>
-          <a:prstGeom prst="rect">
-            <a:avLst/>
-          </a:prstGeom>
-          <a:noFill/>
-          <a:ln>
-            <a:noFill/>
-          </a:ln>
-          <a:extLst>
-            <a:ext uri="{909E8E84-426E-40DD-AFC4-6F175D3DCCD1}">
-              <a14:hiddenFill xmlns:a14="http://schemas.microsoft.com/office/drawing/2010/main">
-                <a:solidFill>
-                  <a:srgbClr val="FFFFFF"/>
-                </a:solidFill>
-              </a14:hiddenFill>
-            </a:ext>
-            <a:ext uri="{91240B29-F687-4F45-9708-019B960494DF}">
-              <a14:hiddenLine xmlns:a14="http://schemas.microsoft.com/office/drawing/2010/main" w="9525">
-                <a:solidFill>
-                  <a:srgbClr val="000000"/>
-                </a:solidFill>
-                <a:miter lim="800000"/>
-                <a:headEnd/>
-                <a:tailEnd/>
-              </a14:hiddenLine>
-            </a:ext>
-          </a:extLst>
-        </p:spPr>
-        <p:txBody>
-          <a:bodyPr vert="horz" wrap="square" lIns="91440" tIns="45720" rIns="91440" bIns="45720" numCol="1" anchor="t" anchorCtr="0" compatLnSpc="1">
-            <a:prstTxWarp prst="textNoShape">
-              <a:avLst/>
-            </a:prstTxWarp>
-          </a:bodyPr>
-          <a:lstStyle>
-            <a:lvl1pPr marL="230188" indent="-230188" algn="l" rtl="0" eaLnBrk="0" fontAlgn="base" hangingPunct="0">
-              <a:lnSpc>
-                <a:spcPts val="2700"/>
-              </a:lnSpc>
-              <a:spcBef>
-                <a:spcPct val="0"/>
-              </a:spcBef>
-              <a:spcAft>
-                <a:spcPts val="1400"/>
-              </a:spcAft>
-              <a:buClr>
-                <a:srgbClr val="993333"/>
-              </a:buClr>
-              <a:buChar char="•"/>
-              <a:defRPr sz="2300">
-                <a:solidFill>
-                  <a:schemeClr val="tx1"/>
-                </a:solidFill>
-                <a:latin typeface="+mn-lt"/>
-                <a:ea typeface="+mn-ea"/>
-                <a:cs typeface="Geneva" charset="0"/>
-              </a:defRPr>
-            </a:lvl1pPr>
-            <a:lvl2pPr marL="742950" indent="-285750" algn="l" rtl="0" eaLnBrk="0" fontAlgn="base" hangingPunct="0">
-              <a:lnSpc>
-                <a:spcPts val="2800"/>
-              </a:lnSpc>
-              <a:spcBef>
-                <a:spcPct val="0"/>
-              </a:spcBef>
-              <a:spcAft>
-                <a:spcPts val="1400"/>
-              </a:spcAft>
-              <a:buChar char="–"/>
-              <a:defRPr sz="2300">
-                <a:solidFill>
-                  <a:schemeClr val="tx1"/>
-                </a:solidFill>
-                <a:latin typeface="+mn-lt"/>
-                <a:ea typeface="+mn-ea"/>
-              </a:defRPr>
-            </a:lvl2pPr>
-            <a:lvl3pPr marL="1143000" indent="-228600" algn="l" rtl="0" eaLnBrk="0" fontAlgn="base" hangingPunct="0">
-              <a:spcBef>
-                <a:spcPct val="20000"/>
-              </a:spcBef>
-              <a:spcAft>
-                <a:spcPct val="0"/>
-              </a:spcAft>
-              <a:buClr>
-                <a:srgbClr val="993333"/>
-              </a:buClr>
-              <a:buChar char="•"/>
-              <a:defRPr sz="2300">
-                <a:solidFill>
-                  <a:schemeClr val="tx1"/>
-                </a:solidFill>
-                <a:latin typeface="+mn-lt"/>
-                <a:ea typeface="+mn-ea"/>
-              </a:defRPr>
-            </a:lvl3pPr>
-            <a:lvl4pPr marL="1600200" indent="-228600" algn="l" rtl="0" eaLnBrk="0" fontAlgn="base" hangingPunct="0">
-              <a:spcBef>
-                <a:spcPct val="20000"/>
-              </a:spcBef>
-              <a:spcAft>
-                <a:spcPct val="0"/>
-              </a:spcAft>
-              <a:defRPr sz="2000">
-                <a:solidFill>
-                  <a:schemeClr val="tx1"/>
-                </a:solidFill>
-                <a:latin typeface="Times" charset="0"/>
-                <a:ea typeface="+mn-ea"/>
-              </a:defRPr>
-            </a:lvl4pPr>
-            <a:lvl5pPr marL="2057400" indent="-228600" algn="l" rtl="0" eaLnBrk="0" fontAlgn="base" hangingPunct="0">
-              <a:spcBef>
-                <a:spcPct val="20000"/>
-              </a:spcBef>
-              <a:spcAft>
-                <a:spcPct val="0"/>
-              </a:spcAft>
-              <a:buChar char="»"/>
-              <a:defRPr sz="2000">
-                <a:solidFill>
-                  <a:schemeClr val="tx1"/>
-                </a:solidFill>
-                <a:latin typeface="Times" charset="0"/>
-                <a:ea typeface="+mn-ea"/>
-              </a:defRPr>
-            </a:lvl5pPr>
-            <a:lvl6pPr marL="2514600" indent="-228600" algn="l" rtl="0" eaLnBrk="0" fontAlgn="base" hangingPunct="0">
-              <a:spcBef>
-                <a:spcPct val="20000"/>
-              </a:spcBef>
-              <a:spcAft>
-                <a:spcPct val="0"/>
-              </a:spcAft>
-              <a:buChar char="»"/>
-              <a:defRPr sz="2000">
-                <a:solidFill>
-                  <a:schemeClr val="tx1"/>
-                </a:solidFill>
-                <a:latin typeface="Times" charset="0"/>
-                <a:ea typeface="+mn-ea"/>
-              </a:defRPr>
-            </a:lvl6pPr>
-            <a:lvl7pPr marL="2971800" indent="-228600" algn="l" rtl="0" eaLnBrk="0" fontAlgn="base" hangingPunct="0">
-              <a:spcBef>
-                <a:spcPct val="20000"/>
-              </a:spcBef>
-              <a:spcAft>
-                <a:spcPct val="0"/>
-              </a:spcAft>
-              <a:buChar char="»"/>
-              <a:defRPr sz="2000">
-                <a:solidFill>
-                  <a:schemeClr val="tx1"/>
-                </a:solidFill>
-                <a:latin typeface="Times" charset="0"/>
-                <a:ea typeface="+mn-ea"/>
-              </a:defRPr>
-            </a:lvl7pPr>
-            <a:lvl8pPr marL="3429000" indent="-228600" algn="l" rtl="0" eaLnBrk="0" fontAlgn="base" hangingPunct="0">
-              <a:spcBef>
-                <a:spcPct val="20000"/>
-              </a:spcBef>
-              <a:spcAft>
-                <a:spcPct val="0"/>
-              </a:spcAft>
-              <a:buChar char="»"/>
-              <a:defRPr sz="2000">
-                <a:solidFill>
-                  <a:schemeClr val="tx1"/>
-                </a:solidFill>
-                <a:latin typeface="Times" charset="0"/>
-                <a:ea typeface="+mn-ea"/>
-              </a:defRPr>
-            </a:lvl8pPr>
-            <a:lvl9pPr marL="3886200" indent="-228600" algn="l" rtl="0" eaLnBrk="0" fontAlgn="base" hangingPunct="0">
-              <a:spcBef>
-                <a:spcPct val="20000"/>
-              </a:spcBef>
-              <a:spcAft>
-                <a:spcPct val="0"/>
-              </a:spcAft>
-              <a:buChar char="»"/>
-              <a:defRPr sz="2000">
-                <a:solidFill>
-                  <a:schemeClr val="tx1"/>
-                </a:solidFill>
-                <a:latin typeface="Times" charset="0"/>
-                <a:ea typeface="+mn-ea"/>
-              </a:defRPr>
-            </a:lvl9pPr>
-          </a:lstStyle>
-          <a:p>
-            <a:pPr marL="0" indent="0" algn="ctr">
-              <a:buNone/>
-            </a:pPr>
-            <a:r>
-              <a:rPr lang="en-US" altLang="en-US" sz="3200" b="1" kern="0">
-                <a:latin typeface="Arial" panose="020B0604020202020204" pitchFamily="34" charset="0"/>
-                <a:cs typeface="Arial" panose="020B0604020202020204" pitchFamily="34" charset="0"/>
-              </a:rPr>
-              <a:t>Gyro</a:t>
-            </a:r>
-          </a:p>
-        </p:txBody>
-      </p:sp>
-      <p:sp>
-        <p:nvSpPr>
-          <p:cNvPr id="29" name="Content Placeholder 2">
-            <a:extLst>
-              <a:ext uri="{FF2B5EF4-FFF2-40B4-BE49-F238E27FC236}">
-                <a16:creationId xmlns:a16="http://schemas.microsoft.com/office/drawing/2014/main" id="{137E063C-B691-47F3-AEAC-B7B89BB839A8}"/>
-              </a:ext>
-            </a:extLst>
-          </p:cNvPr>
-          <p:cNvSpPr txBox="1">
-            <a:spLocks/>
-          </p:cNvSpPr>
-          <p:nvPr/>
-        </p:nvSpPr>
-        <p:spPr bwMode="auto">
-          <a:xfrm rot="19732491">
-            <a:off x="1058998" y="4062925"/>
-            <a:ext cx="1171855" cy="366434"/>
-          </a:xfrm>
-          <a:prstGeom prst="rect">
-            <a:avLst/>
-          </a:prstGeom>
-          <a:noFill/>
-          <a:ln>
-            <a:noFill/>
-          </a:ln>
-          <a:extLst>
-            <a:ext uri="{909E8E84-426E-40DD-AFC4-6F175D3DCCD1}">
-              <a14:hiddenFill xmlns:a14="http://schemas.microsoft.com/office/drawing/2010/main">
-                <a:solidFill>
-                  <a:srgbClr val="FFFFFF"/>
-                </a:solidFill>
-              </a14:hiddenFill>
-            </a:ext>
-            <a:ext uri="{91240B29-F687-4F45-9708-019B960494DF}">
-              <a14:hiddenLine xmlns:a14="http://schemas.microsoft.com/office/drawing/2010/main" w="9525">
-                <a:solidFill>
-                  <a:srgbClr val="000000"/>
-                </a:solidFill>
-                <a:miter lim="800000"/>
-                <a:headEnd/>
-                <a:tailEnd/>
-              </a14:hiddenLine>
-            </a:ext>
-          </a:extLst>
-        </p:spPr>
-        <p:txBody>
-          <a:bodyPr vert="horz" wrap="square" lIns="91440" tIns="45720" rIns="91440" bIns="45720" numCol="1" anchor="t" anchorCtr="0" compatLnSpc="1">
-            <a:prstTxWarp prst="textNoShape">
-              <a:avLst/>
-            </a:prstTxWarp>
-          </a:bodyPr>
-          <a:lstStyle>
-            <a:lvl1pPr marL="230188" indent="-230188" algn="l" rtl="0" eaLnBrk="0" fontAlgn="base" hangingPunct="0">
-              <a:lnSpc>
-                <a:spcPts val="2700"/>
-              </a:lnSpc>
-              <a:spcBef>
-                <a:spcPct val="0"/>
-              </a:spcBef>
-              <a:spcAft>
-                <a:spcPts val="1400"/>
-              </a:spcAft>
-              <a:buClr>
-                <a:srgbClr val="993333"/>
-              </a:buClr>
-              <a:buChar char="•"/>
-              <a:defRPr sz="2300">
-                <a:solidFill>
-                  <a:schemeClr val="tx1"/>
-                </a:solidFill>
-                <a:latin typeface="+mn-lt"/>
-                <a:ea typeface="+mn-ea"/>
-                <a:cs typeface="Geneva" charset="0"/>
-              </a:defRPr>
-            </a:lvl1pPr>
-            <a:lvl2pPr marL="742950" indent="-285750" algn="l" rtl="0" eaLnBrk="0" fontAlgn="base" hangingPunct="0">
-              <a:lnSpc>
-                <a:spcPts val="2800"/>
-              </a:lnSpc>
-              <a:spcBef>
-                <a:spcPct val="0"/>
-              </a:spcBef>
-              <a:spcAft>
-                <a:spcPts val="1400"/>
-              </a:spcAft>
-              <a:buChar char="–"/>
-              <a:defRPr sz="2300">
-                <a:solidFill>
-                  <a:schemeClr val="tx1"/>
-                </a:solidFill>
-                <a:latin typeface="+mn-lt"/>
-                <a:ea typeface="+mn-ea"/>
-              </a:defRPr>
-            </a:lvl2pPr>
-            <a:lvl3pPr marL="1143000" indent="-228600" algn="l" rtl="0" eaLnBrk="0" fontAlgn="base" hangingPunct="0">
-              <a:spcBef>
-                <a:spcPct val="20000"/>
-              </a:spcBef>
-              <a:spcAft>
-                <a:spcPct val="0"/>
-              </a:spcAft>
-              <a:buClr>
-                <a:srgbClr val="993333"/>
-              </a:buClr>
-              <a:buChar char="•"/>
-              <a:defRPr sz="2300">
-                <a:solidFill>
-                  <a:schemeClr val="tx1"/>
-                </a:solidFill>
-                <a:latin typeface="+mn-lt"/>
-                <a:ea typeface="+mn-ea"/>
-              </a:defRPr>
-            </a:lvl3pPr>
-            <a:lvl4pPr marL="1600200" indent="-228600" algn="l" rtl="0" eaLnBrk="0" fontAlgn="base" hangingPunct="0">
-              <a:spcBef>
-                <a:spcPct val="20000"/>
-              </a:spcBef>
-              <a:spcAft>
-                <a:spcPct val="0"/>
-              </a:spcAft>
-              <a:defRPr sz="2000">
-                <a:solidFill>
-                  <a:schemeClr val="tx1"/>
-                </a:solidFill>
-                <a:latin typeface="Times" charset="0"/>
-                <a:ea typeface="+mn-ea"/>
-              </a:defRPr>
-            </a:lvl4pPr>
-            <a:lvl5pPr marL="2057400" indent="-228600" algn="l" rtl="0" eaLnBrk="0" fontAlgn="base" hangingPunct="0">
-              <a:spcBef>
-                <a:spcPct val="20000"/>
-              </a:spcBef>
-              <a:spcAft>
-                <a:spcPct val="0"/>
-              </a:spcAft>
-              <a:buChar char="»"/>
-              <a:defRPr sz="2000">
-                <a:solidFill>
-                  <a:schemeClr val="tx1"/>
-                </a:solidFill>
-                <a:latin typeface="Times" charset="0"/>
-                <a:ea typeface="+mn-ea"/>
-              </a:defRPr>
-            </a:lvl5pPr>
-            <a:lvl6pPr marL="2514600" indent="-228600" algn="l" rtl="0" eaLnBrk="0" fontAlgn="base" hangingPunct="0">
-              <a:spcBef>
-                <a:spcPct val="20000"/>
-              </a:spcBef>
-              <a:spcAft>
-                <a:spcPct val="0"/>
-              </a:spcAft>
-              <a:buChar char="»"/>
-              <a:defRPr sz="2000">
-                <a:solidFill>
-                  <a:schemeClr val="tx1"/>
-                </a:solidFill>
-                <a:latin typeface="Times" charset="0"/>
-                <a:ea typeface="+mn-ea"/>
-              </a:defRPr>
-            </a:lvl6pPr>
-            <a:lvl7pPr marL="2971800" indent="-228600" algn="l" rtl="0" eaLnBrk="0" fontAlgn="base" hangingPunct="0">
-              <a:spcBef>
-                <a:spcPct val="20000"/>
-              </a:spcBef>
-              <a:spcAft>
-                <a:spcPct val="0"/>
-              </a:spcAft>
-              <a:buChar char="»"/>
-              <a:defRPr sz="2000">
-                <a:solidFill>
-                  <a:schemeClr val="tx1"/>
-                </a:solidFill>
-                <a:latin typeface="Times" charset="0"/>
-                <a:ea typeface="+mn-ea"/>
-              </a:defRPr>
-            </a:lvl7pPr>
-            <a:lvl8pPr marL="3429000" indent="-228600" algn="l" rtl="0" eaLnBrk="0" fontAlgn="base" hangingPunct="0">
-              <a:spcBef>
-                <a:spcPct val="20000"/>
-              </a:spcBef>
-              <a:spcAft>
-                <a:spcPct val="0"/>
-              </a:spcAft>
-              <a:buChar char="»"/>
-              <a:defRPr sz="2000">
-                <a:solidFill>
-                  <a:schemeClr val="tx1"/>
-                </a:solidFill>
-                <a:latin typeface="Times" charset="0"/>
-                <a:ea typeface="+mn-ea"/>
-              </a:defRPr>
-            </a:lvl8pPr>
-            <a:lvl9pPr marL="3886200" indent="-228600" algn="l" rtl="0" eaLnBrk="0" fontAlgn="base" hangingPunct="0">
-              <a:spcBef>
-                <a:spcPct val="20000"/>
-              </a:spcBef>
-              <a:spcAft>
-                <a:spcPct val="0"/>
-              </a:spcAft>
-              <a:buChar char="»"/>
-              <a:defRPr sz="2000">
-                <a:solidFill>
-                  <a:schemeClr val="tx1"/>
-                </a:solidFill>
-                <a:latin typeface="Times" charset="0"/>
-                <a:ea typeface="+mn-ea"/>
-              </a:defRPr>
-            </a:lvl9pPr>
-          </a:lstStyle>
-          <a:p>
-            <a:pPr marL="0" indent="0" algn="ctr">
-              <a:buNone/>
-            </a:pPr>
-            <a:r>
-              <a:rPr lang="en-US" altLang="en-US" sz="2000" b="1" kern="0">
-                <a:latin typeface="Arial" panose="020B0604020202020204" pitchFamily="34" charset="0"/>
-                <a:cs typeface="Arial" panose="020B0604020202020204" pitchFamily="34" charset="0"/>
-              </a:rPr>
-              <a:t>FRONT</a:t>
-            </a:r>
-          </a:p>
-        </p:txBody>
-      </p:sp>
-      <p:sp>
-        <p:nvSpPr>
-          <p:cNvPr id="35" name="Content Placeholder 2">
-            <a:extLst>
-              <a:ext uri="{FF2B5EF4-FFF2-40B4-BE49-F238E27FC236}">
-                <a16:creationId xmlns:a16="http://schemas.microsoft.com/office/drawing/2014/main" id="{3B7B5374-BB3B-445D-8ABF-C0CC6B000919}"/>
-              </a:ext>
-            </a:extLst>
-          </p:cNvPr>
-          <p:cNvSpPr txBox="1">
-            <a:spLocks/>
-          </p:cNvSpPr>
-          <p:nvPr/>
-        </p:nvSpPr>
-        <p:spPr bwMode="auto">
-          <a:xfrm rot="16200000">
-            <a:off x="1912543" y="2451564"/>
-            <a:ext cx="1171855" cy="366434"/>
-          </a:xfrm>
-          <a:prstGeom prst="rect">
-            <a:avLst/>
-          </a:prstGeom>
-          <a:noFill/>
-          <a:ln>
-            <a:noFill/>
-          </a:ln>
-          <a:extLst>
-            <a:ext uri="{909E8E84-426E-40DD-AFC4-6F175D3DCCD1}">
-              <a14:hiddenFill xmlns:a14="http://schemas.microsoft.com/office/drawing/2010/main">
-                <a:solidFill>
-                  <a:srgbClr val="FFFFFF"/>
-                </a:solidFill>
-              </a14:hiddenFill>
-            </a:ext>
-            <a:ext uri="{91240B29-F687-4F45-9708-019B960494DF}">
-              <a14:hiddenLine xmlns:a14="http://schemas.microsoft.com/office/drawing/2010/main" w="9525">
-                <a:solidFill>
-                  <a:srgbClr val="000000"/>
-                </a:solidFill>
-                <a:miter lim="800000"/>
-                <a:headEnd/>
-                <a:tailEnd/>
-              </a14:hiddenLine>
-            </a:ext>
-          </a:extLst>
-        </p:spPr>
-        <p:txBody>
-          <a:bodyPr vert="horz" wrap="square" lIns="91440" tIns="45720" rIns="91440" bIns="45720" numCol="1" anchor="t" anchorCtr="0" compatLnSpc="1">
-            <a:prstTxWarp prst="textNoShape">
-              <a:avLst/>
-            </a:prstTxWarp>
-          </a:bodyPr>
-          <a:lstStyle>
-            <a:lvl1pPr marL="230188" indent="-230188" algn="l" rtl="0" eaLnBrk="0" fontAlgn="base" hangingPunct="0">
-              <a:lnSpc>
-                <a:spcPts val="2700"/>
-              </a:lnSpc>
-              <a:spcBef>
-                <a:spcPct val="0"/>
-              </a:spcBef>
-              <a:spcAft>
-                <a:spcPts val="1400"/>
-              </a:spcAft>
-              <a:buClr>
-                <a:srgbClr val="993333"/>
-              </a:buClr>
-              <a:buChar char="•"/>
-              <a:defRPr sz="2300">
-                <a:solidFill>
-                  <a:schemeClr val="tx1"/>
-                </a:solidFill>
-                <a:latin typeface="+mn-lt"/>
-                <a:ea typeface="+mn-ea"/>
-                <a:cs typeface="Geneva" charset="0"/>
-              </a:defRPr>
-            </a:lvl1pPr>
-            <a:lvl2pPr marL="742950" indent="-285750" algn="l" rtl="0" eaLnBrk="0" fontAlgn="base" hangingPunct="0">
-              <a:lnSpc>
-                <a:spcPts val="2800"/>
-              </a:lnSpc>
-              <a:spcBef>
-                <a:spcPct val="0"/>
-              </a:spcBef>
-              <a:spcAft>
-                <a:spcPts val="1400"/>
-              </a:spcAft>
-              <a:buChar char="–"/>
-              <a:defRPr sz="2300">
-                <a:solidFill>
-                  <a:schemeClr val="tx1"/>
-                </a:solidFill>
-                <a:latin typeface="+mn-lt"/>
-                <a:ea typeface="+mn-ea"/>
-              </a:defRPr>
-            </a:lvl2pPr>
-            <a:lvl3pPr marL="1143000" indent="-228600" algn="l" rtl="0" eaLnBrk="0" fontAlgn="base" hangingPunct="0">
-              <a:spcBef>
-                <a:spcPct val="20000"/>
-              </a:spcBef>
-              <a:spcAft>
-                <a:spcPct val="0"/>
-              </a:spcAft>
-              <a:buClr>
-                <a:srgbClr val="993333"/>
-              </a:buClr>
-              <a:buChar char="•"/>
-              <a:defRPr sz="2300">
-                <a:solidFill>
-                  <a:schemeClr val="tx1"/>
-                </a:solidFill>
-                <a:latin typeface="+mn-lt"/>
-                <a:ea typeface="+mn-ea"/>
-              </a:defRPr>
-            </a:lvl3pPr>
-            <a:lvl4pPr marL="1600200" indent="-228600" algn="l" rtl="0" eaLnBrk="0" fontAlgn="base" hangingPunct="0">
-              <a:spcBef>
-                <a:spcPct val="20000"/>
-              </a:spcBef>
-              <a:spcAft>
-                <a:spcPct val="0"/>
-              </a:spcAft>
-              <a:defRPr sz="2000">
-                <a:solidFill>
-                  <a:schemeClr val="tx1"/>
-                </a:solidFill>
-                <a:latin typeface="Times" charset="0"/>
-                <a:ea typeface="+mn-ea"/>
-              </a:defRPr>
-            </a:lvl4pPr>
-            <a:lvl5pPr marL="2057400" indent="-228600" algn="l" rtl="0" eaLnBrk="0" fontAlgn="base" hangingPunct="0">
-              <a:spcBef>
-                <a:spcPct val="20000"/>
-              </a:spcBef>
-              <a:spcAft>
-                <a:spcPct val="0"/>
-              </a:spcAft>
-              <a:buChar char="»"/>
-              <a:defRPr sz="2000">
-                <a:solidFill>
-                  <a:schemeClr val="tx1"/>
-                </a:solidFill>
-                <a:latin typeface="Times" charset="0"/>
-                <a:ea typeface="+mn-ea"/>
-              </a:defRPr>
-            </a:lvl5pPr>
-            <a:lvl6pPr marL="2514600" indent="-228600" algn="l" rtl="0" eaLnBrk="0" fontAlgn="base" hangingPunct="0">
-              <a:spcBef>
-                <a:spcPct val="20000"/>
-              </a:spcBef>
-              <a:spcAft>
-                <a:spcPct val="0"/>
-              </a:spcAft>
-              <a:buChar char="»"/>
-              <a:defRPr sz="2000">
-                <a:solidFill>
-                  <a:schemeClr val="tx1"/>
-                </a:solidFill>
-                <a:latin typeface="Times" charset="0"/>
-                <a:ea typeface="+mn-ea"/>
-              </a:defRPr>
-            </a:lvl6pPr>
-            <a:lvl7pPr marL="2971800" indent="-228600" algn="l" rtl="0" eaLnBrk="0" fontAlgn="base" hangingPunct="0">
-              <a:spcBef>
-                <a:spcPct val="20000"/>
-              </a:spcBef>
-              <a:spcAft>
-                <a:spcPct val="0"/>
-              </a:spcAft>
-              <a:buChar char="»"/>
-              <a:defRPr sz="2000">
-                <a:solidFill>
-                  <a:schemeClr val="tx1"/>
-                </a:solidFill>
-                <a:latin typeface="Times" charset="0"/>
-                <a:ea typeface="+mn-ea"/>
-              </a:defRPr>
-            </a:lvl7pPr>
-            <a:lvl8pPr marL="3429000" indent="-228600" algn="l" rtl="0" eaLnBrk="0" fontAlgn="base" hangingPunct="0">
-              <a:spcBef>
-                <a:spcPct val="20000"/>
-              </a:spcBef>
-              <a:spcAft>
-                <a:spcPct val="0"/>
-              </a:spcAft>
-              <a:buChar char="»"/>
-              <a:defRPr sz="2000">
-                <a:solidFill>
-                  <a:schemeClr val="tx1"/>
-                </a:solidFill>
-                <a:latin typeface="Times" charset="0"/>
-                <a:ea typeface="+mn-ea"/>
-              </a:defRPr>
-            </a:lvl8pPr>
-            <a:lvl9pPr marL="3886200" indent="-228600" algn="l" rtl="0" eaLnBrk="0" fontAlgn="base" hangingPunct="0">
-              <a:spcBef>
-                <a:spcPct val="20000"/>
-              </a:spcBef>
-              <a:spcAft>
-                <a:spcPct val="0"/>
-              </a:spcAft>
-              <a:buChar char="»"/>
-              <a:defRPr sz="2000">
-                <a:solidFill>
-                  <a:schemeClr val="tx1"/>
-                </a:solidFill>
-                <a:latin typeface="Times" charset="0"/>
-                <a:ea typeface="+mn-ea"/>
-              </a:defRPr>
-            </a:lvl9pPr>
-          </a:lstStyle>
-          <a:p>
-            <a:pPr marL="0" indent="0" algn="ctr">
-              <a:buNone/>
-            </a:pPr>
-            <a:r>
-              <a:rPr lang="en-US" altLang="en-US" sz="2000" b="1" kern="0">
-                <a:latin typeface="Arial" panose="020B0604020202020204" pitchFamily="34" charset="0"/>
-                <a:cs typeface="Arial" panose="020B0604020202020204" pitchFamily="34" charset="0"/>
-              </a:rPr>
-              <a:t>TOP</a:t>
-            </a:r>
-          </a:p>
-        </p:txBody>
-      </p:sp>
-      <p:sp>
-        <p:nvSpPr>
-          <p:cNvPr id="37" name="Content Placeholder 2">
-            <a:extLst>
-              <a:ext uri="{FF2B5EF4-FFF2-40B4-BE49-F238E27FC236}">
-                <a16:creationId xmlns:a16="http://schemas.microsoft.com/office/drawing/2014/main" id="{76C8BBB3-8F2E-40E5-B792-BE0CE7D546B5}"/>
-              </a:ext>
-            </a:extLst>
-          </p:cNvPr>
-          <p:cNvSpPr txBox="1">
-            <a:spLocks/>
-          </p:cNvSpPr>
-          <p:nvPr/>
-        </p:nvSpPr>
-        <p:spPr bwMode="auto">
-          <a:xfrm>
-            <a:off x="1120195" y="3476288"/>
-            <a:ext cx="1171855" cy="366434"/>
-          </a:xfrm>
-          <a:prstGeom prst="rect">
-            <a:avLst/>
-          </a:prstGeom>
-          <a:noFill/>
-          <a:ln>
-            <a:noFill/>
-          </a:ln>
-          <a:extLst>
-            <a:ext uri="{909E8E84-426E-40DD-AFC4-6F175D3DCCD1}">
-              <a14:hiddenFill xmlns:a14="http://schemas.microsoft.com/office/drawing/2010/main">
-                <a:solidFill>
-                  <a:srgbClr val="FFFFFF"/>
-                </a:solidFill>
-              </a14:hiddenFill>
-            </a:ext>
-            <a:ext uri="{91240B29-F687-4F45-9708-019B960494DF}">
-              <a14:hiddenLine xmlns:a14="http://schemas.microsoft.com/office/drawing/2010/main" w="9525">
-                <a:solidFill>
-                  <a:srgbClr val="000000"/>
-                </a:solidFill>
-                <a:miter lim="800000"/>
-                <a:headEnd/>
-                <a:tailEnd/>
-              </a14:hiddenLine>
-            </a:ext>
-          </a:extLst>
-        </p:spPr>
-        <p:txBody>
-          <a:bodyPr vert="horz" wrap="square" lIns="91440" tIns="45720" rIns="91440" bIns="45720" numCol="1" anchor="t" anchorCtr="0" compatLnSpc="1">
-            <a:prstTxWarp prst="textNoShape">
-              <a:avLst/>
-            </a:prstTxWarp>
-          </a:bodyPr>
-          <a:lstStyle>
-            <a:lvl1pPr marL="230188" indent="-230188" algn="l" rtl="0" eaLnBrk="0" fontAlgn="base" hangingPunct="0">
-              <a:lnSpc>
-                <a:spcPts val="2700"/>
-              </a:lnSpc>
-              <a:spcBef>
-                <a:spcPct val="0"/>
-              </a:spcBef>
-              <a:spcAft>
-                <a:spcPts val="1400"/>
-              </a:spcAft>
-              <a:buClr>
-                <a:srgbClr val="993333"/>
-              </a:buClr>
-              <a:buChar char="•"/>
-              <a:defRPr sz="2300">
-                <a:solidFill>
-                  <a:schemeClr val="tx1"/>
-                </a:solidFill>
-                <a:latin typeface="+mn-lt"/>
-                <a:ea typeface="+mn-ea"/>
-                <a:cs typeface="Geneva" charset="0"/>
-              </a:defRPr>
-            </a:lvl1pPr>
-            <a:lvl2pPr marL="742950" indent="-285750" algn="l" rtl="0" eaLnBrk="0" fontAlgn="base" hangingPunct="0">
-              <a:lnSpc>
-                <a:spcPts val="2800"/>
-              </a:lnSpc>
-              <a:spcBef>
-                <a:spcPct val="0"/>
-              </a:spcBef>
-              <a:spcAft>
-                <a:spcPts val="1400"/>
-              </a:spcAft>
-              <a:buChar char="–"/>
-              <a:defRPr sz="2300">
-                <a:solidFill>
-                  <a:schemeClr val="tx1"/>
-                </a:solidFill>
-                <a:latin typeface="+mn-lt"/>
-                <a:ea typeface="+mn-ea"/>
-              </a:defRPr>
-            </a:lvl2pPr>
-            <a:lvl3pPr marL="1143000" indent="-228600" algn="l" rtl="0" eaLnBrk="0" fontAlgn="base" hangingPunct="0">
-              <a:spcBef>
-                <a:spcPct val="20000"/>
-              </a:spcBef>
-              <a:spcAft>
-                <a:spcPct val="0"/>
-              </a:spcAft>
-              <a:buClr>
-                <a:srgbClr val="993333"/>
-              </a:buClr>
-              <a:buChar char="•"/>
-              <a:defRPr sz="2300">
-                <a:solidFill>
-                  <a:schemeClr val="tx1"/>
-                </a:solidFill>
-                <a:latin typeface="+mn-lt"/>
-                <a:ea typeface="+mn-ea"/>
-              </a:defRPr>
-            </a:lvl3pPr>
-            <a:lvl4pPr marL="1600200" indent="-228600" algn="l" rtl="0" eaLnBrk="0" fontAlgn="base" hangingPunct="0">
-              <a:spcBef>
-                <a:spcPct val="20000"/>
-              </a:spcBef>
-              <a:spcAft>
-                <a:spcPct val="0"/>
-              </a:spcAft>
-              <a:defRPr sz="2000">
-                <a:solidFill>
-                  <a:schemeClr val="tx1"/>
-                </a:solidFill>
-                <a:latin typeface="Times" charset="0"/>
-                <a:ea typeface="+mn-ea"/>
-              </a:defRPr>
-            </a:lvl4pPr>
-            <a:lvl5pPr marL="2057400" indent="-228600" algn="l" rtl="0" eaLnBrk="0" fontAlgn="base" hangingPunct="0">
-              <a:spcBef>
-                <a:spcPct val="20000"/>
-              </a:spcBef>
-              <a:spcAft>
-                <a:spcPct val="0"/>
-              </a:spcAft>
-              <a:buChar char="»"/>
-              <a:defRPr sz="2000">
-                <a:solidFill>
-                  <a:schemeClr val="tx1"/>
-                </a:solidFill>
-                <a:latin typeface="Times" charset="0"/>
-                <a:ea typeface="+mn-ea"/>
-              </a:defRPr>
-            </a:lvl5pPr>
-            <a:lvl6pPr marL="2514600" indent="-228600" algn="l" rtl="0" eaLnBrk="0" fontAlgn="base" hangingPunct="0">
-              <a:spcBef>
-                <a:spcPct val="20000"/>
-              </a:spcBef>
-              <a:spcAft>
-                <a:spcPct val="0"/>
-              </a:spcAft>
-              <a:buChar char="»"/>
-              <a:defRPr sz="2000">
-                <a:solidFill>
-                  <a:schemeClr val="tx1"/>
-                </a:solidFill>
-                <a:latin typeface="Times" charset="0"/>
-                <a:ea typeface="+mn-ea"/>
-              </a:defRPr>
-            </a:lvl6pPr>
-            <a:lvl7pPr marL="2971800" indent="-228600" algn="l" rtl="0" eaLnBrk="0" fontAlgn="base" hangingPunct="0">
-              <a:spcBef>
-                <a:spcPct val="20000"/>
-              </a:spcBef>
-              <a:spcAft>
-                <a:spcPct val="0"/>
-              </a:spcAft>
-              <a:buChar char="»"/>
-              <a:defRPr sz="2000">
-                <a:solidFill>
-                  <a:schemeClr val="tx1"/>
-                </a:solidFill>
-                <a:latin typeface="Times" charset="0"/>
-                <a:ea typeface="+mn-ea"/>
-              </a:defRPr>
-            </a:lvl7pPr>
-            <a:lvl8pPr marL="3429000" indent="-228600" algn="l" rtl="0" eaLnBrk="0" fontAlgn="base" hangingPunct="0">
-              <a:spcBef>
-                <a:spcPct val="20000"/>
-              </a:spcBef>
-              <a:spcAft>
-                <a:spcPct val="0"/>
-              </a:spcAft>
-              <a:buChar char="»"/>
-              <a:defRPr sz="2000">
-                <a:solidFill>
-                  <a:schemeClr val="tx1"/>
-                </a:solidFill>
-                <a:latin typeface="Times" charset="0"/>
-                <a:ea typeface="+mn-ea"/>
-              </a:defRPr>
-            </a:lvl8pPr>
-            <a:lvl9pPr marL="3886200" indent="-228600" algn="l" rtl="0" eaLnBrk="0" fontAlgn="base" hangingPunct="0">
-              <a:spcBef>
-                <a:spcPct val="20000"/>
-              </a:spcBef>
-              <a:spcAft>
-                <a:spcPct val="0"/>
-              </a:spcAft>
-              <a:buChar char="»"/>
-              <a:defRPr sz="2000">
-                <a:solidFill>
-                  <a:schemeClr val="tx1"/>
-                </a:solidFill>
-                <a:latin typeface="Times" charset="0"/>
-                <a:ea typeface="+mn-ea"/>
-              </a:defRPr>
-            </a:lvl9pPr>
-          </a:lstStyle>
-          <a:p>
-            <a:pPr marL="0" indent="0" algn="ctr">
-              <a:buNone/>
-            </a:pPr>
-            <a:r>
-              <a:rPr lang="en-US" altLang="en-US" sz="2000" b="1" kern="0">
-                <a:latin typeface="Arial" panose="020B0604020202020204" pitchFamily="34" charset="0"/>
-                <a:cs typeface="Arial" panose="020B0604020202020204" pitchFamily="34" charset="0"/>
-              </a:rPr>
-              <a:t>RIGHT</a:t>
-            </a:r>
-          </a:p>
-        </p:txBody>
-      </p:sp>
+          </p:spPr>
+          <p:txBody>
+            <a:bodyPr vert="horz" wrap="square" lIns="91440" tIns="45720" rIns="91440" bIns="45720" numCol="1" anchor="t" anchorCtr="0" compatLnSpc="1">
+              <a:prstTxWarp prst="textNoShape">
+                <a:avLst/>
+              </a:prstTxWarp>
+            </a:bodyPr>
+            <a:lstStyle>
+              <a:lvl1pPr marL="230188" indent="-230188" algn="l" rtl="0" eaLnBrk="0" fontAlgn="base" hangingPunct="0">
+                <a:lnSpc>
+                  <a:spcPts val="2700"/>
+                </a:lnSpc>
+                <a:spcBef>
+                  <a:spcPct val="0"/>
+                </a:spcBef>
+                <a:spcAft>
+                  <a:spcPts val="1400"/>
+                </a:spcAft>
+                <a:buClr>
+                  <a:srgbClr val="993333"/>
+                </a:buClr>
+                <a:buChar char="•"/>
+                <a:defRPr sz="2300">
+                  <a:solidFill>
+                    <a:schemeClr val="tx1"/>
+                  </a:solidFill>
+                  <a:latin typeface="+mn-lt"/>
+                  <a:ea typeface="+mn-ea"/>
+                  <a:cs typeface="Geneva" charset="0"/>
+                </a:defRPr>
+              </a:lvl1pPr>
+              <a:lvl2pPr marL="742950" indent="-285750" algn="l" rtl="0" eaLnBrk="0" fontAlgn="base" hangingPunct="0">
+                <a:lnSpc>
+                  <a:spcPts val="2800"/>
+                </a:lnSpc>
+                <a:spcBef>
+                  <a:spcPct val="0"/>
+                </a:spcBef>
+                <a:spcAft>
+                  <a:spcPts val="1400"/>
+                </a:spcAft>
+                <a:buChar char="–"/>
+                <a:defRPr sz="2300">
+                  <a:solidFill>
+                    <a:schemeClr val="tx1"/>
+                  </a:solidFill>
+                  <a:latin typeface="+mn-lt"/>
+                  <a:ea typeface="+mn-ea"/>
+                </a:defRPr>
+              </a:lvl2pPr>
+              <a:lvl3pPr marL="1143000" indent="-228600" algn="l" rtl="0" eaLnBrk="0" fontAlgn="base" hangingPunct="0">
+                <a:spcBef>
+                  <a:spcPct val="20000"/>
+                </a:spcBef>
+                <a:spcAft>
+                  <a:spcPct val="0"/>
+                </a:spcAft>
+                <a:buClr>
+                  <a:srgbClr val="993333"/>
+                </a:buClr>
+                <a:buChar char="•"/>
+                <a:defRPr sz="2300">
+                  <a:solidFill>
+                    <a:schemeClr val="tx1"/>
+                  </a:solidFill>
+                  <a:latin typeface="+mn-lt"/>
+                  <a:ea typeface="+mn-ea"/>
+                </a:defRPr>
+              </a:lvl3pPr>
+              <a:lvl4pPr marL="1600200" indent="-228600" algn="l" rtl="0" eaLnBrk="0" fontAlgn="base" hangingPunct="0">
+                <a:spcBef>
+                  <a:spcPct val="20000"/>
+                </a:spcBef>
+                <a:spcAft>
+                  <a:spcPct val="0"/>
+                </a:spcAft>
+                <a:defRPr sz="2000">
+                  <a:solidFill>
+                    <a:schemeClr val="tx1"/>
+                  </a:solidFill>
+                  <a:latin typeface="Times" charset="0"/>
+                  <a:ea typeface="+mn-ea"/>
+                </a:defRPr>
+              </a:lvl4pPr>
+              <a:lvl5pPr marL="2057400" indent="-228600" algn="l" rtl="0" eaLnBrk="0" fontAlgn="base" hangingPunct="0">
+                <a:spcBef>
+                  <a:spcPct val="20000"/>
+                </a:spcBef>
+                <a:spcAft>
+                  <a:spcPct val="0"/>
+                </a:spcAft>
+                <a:buChar char="»"/>
+                <a:defRPr sz="2000">
+                  <a:solidFill>
+                    <a:schemeClr val="tx1"/>
+                  </a:solidFill>
+                  <a:latin typeface="Times" charset="0"/>
+                  <a:ea typeface="+mn-ea"/>
+                </a:defRPr>
+              </a:lvl5pPr>
+              <a:lvl6pPr marL="2514600" indent="-228600" algn="l" rtl="0" eaLnBrk="0" fontAlgn="base" hangingPunct="0">
+                <a:spcBef>
+                  <a:spcPct val="20000"/>
+                </a:spcBef>
+                <a:spcAft>
+                  <a:spcPct val="0"/>
+                </a:spcAft>
+                <a:buChar char="»"/>
+                <a:defRPr sz="2000">
+                  <a:solidFill>
+                    <a:schemeClr val="tx1"/>
+                  </a:solidFill>
+                  <a:latin typeface="Times" charset="0"/>
+                  <a:ea typeface="+mn-ea"/>
+                </a:defRPr>
+              </a:lvl6pPr>
+              <a:lvl7pPr marL="2971800" indent="-228600" algn="l" rtl="0" eaLnBrk="0" fontAlgn="base" hangingPunct="0">
+                <a:spcBef>
+                  <a:spcPct val="20000"/>
+                </a:spcBef>
+                <a:spcAft>
+                  <a:spcPct val="0"/>
+                </a:spcAft>
+                <a:buChar char="»"/>
+                <a:defRPr sz="2000">
+                  <a:solidFill>
+                    <a:schemeClr val="tx1"/>
+                  </a:solidFill>
+                  <a:latin typeface="Times" charset="0"/>
+                  <a:ea typeface="+mn-ea"/>
+                </a:defRPr>
+              </a:lvl7pPr>
+              <a:lvl8pPr marL="3429000" indent="-228600" algn="l" rtl="0" eaLnBrk="0" fontAlgn="base" hangingPunct="0">
+                <a:spcBef>
+                  <a:spcPct val="20000"/>
+                </a:spcBef>
+                <a:spcAft>
+                  <a:spcPct val="0"/>
+                </a:spcAft>
+                <a:buChar char="»"/>
+                <a:defRPr sz="2000">
+                  <a:solidFill>
+                    <a:schemeClr val="tx1"/>
+                  </a:solidFill>
+                  <a:latin typeface="Times" charset="0"/>
+                  <a:ea typeface="+mn-ea"/>
+                </a:defRPr>
+              </a:lvl8pPr>
+              <a:lvl9pPr marL="3886200" indent="-228600" algn="l" rtl="0" eaLnBrk="0" fontAlgn="base" hangingPunct="0">
+                <a:spcBef>
+                  <a:spcPct val="20000"/>
+                </a:spcBef>
+                <a:spcAft>
+                  <a:spcPct val="0"/>
+                </a:spcAft>
+                <a:buChar char="»"/>
+                <a:defRPr sz="2000">
+                  <a:solidFill>
+                    <a:schemeClr val="tx1"/>
+                  </a:solidFill>
+                  <a:latin typeface="Times" charset="0"/>
+                  <a:ea typeface="+mn-ea"/>
+                </a:defRPr>
+              </a:lvl9pPr>
+            </a:lstStyle>
+            <a:p>
+              <a:pPr marL="0" indent="0" algn="ctr">
+                <a:buNone/>
+              </a:pPr>
+              <a:r>
+                <a:rPr lang="en-US" altLang="en-US" sz="2000" b="1" kern="0">
+                  <a:latin typeface="Arial" panose="020B0604020202020204" pitchFamily="34" charset="0"/>
+                  <a:cs typeface="Arial" panose="020B0604020202020204" pitchFamily="34" charset="0"/>
+                </a:rPr>
+                <a:t>+</a:t>
+              </a:r>
+            </a:p>
+          </p:txBody>
+        </p:sp>
+      </p:grpSp>
     </p:spTree>
     <p:extLst>
       <p:ext uri="{BB962C8B-B14F-4D97-AF65-F5344CB8AC3E}">
@@ -19629,7 +22071,7 @@
           <a:effectLst/>
           <a:extLst>
             <a:ext uri="{AF507438-7753-43e0-B8FC-AC1667EBCBE1}">
-              <a14:hiddenEffects xmlns="" xmlns:a14="http://schemas.microsoft.com/office/drawing/2010/main">
+              <a14:hiddenEffects xmlns:a14="http://schemas.microsoft.com/office/drawing/2010/main" xmlns="">
                 <a:effectLst>
                   <a:outerShdw blurRad="63500" dist="38099" dir="2700000" algn="ctr" rotWithShape="0">
                     <a:schemeClr val="bg2">
@@ -19712,7 +22154,7 @@
           <a:effectLst/>
           <a:extLst>
             <a:ext uri="{AF507438-7753-43e0-B8FC-AC1667EBCBE1}">
-              <a14:hiddenEffects xmlns="" xmlns:a14="http://schemas.microsoft.com/office/drawing/2010/main">
+              <a14:hiddenEffects xmlns:a14="http://schemas.microsoft.com/office/drawing/2010/main" xmlns="">
                 <a:effectLst>
                   <a:outerShdw blurRad="63500" dist="38099" dir="2700000" algn="ctr" rotWithShape="0">
                     <a:schemeClr val="bg2">
@@ -19994,7 +22436,7 @@
                 </a:solidFill>
                 <a:cs typeface="Segoe UI" panose="020B0502040204020203" pitchFamily="34" charset="0"/>
               </a:rPr>
-              <a:t>Internal Measurement Unit (IMU)</a:t>
+              <a:t>Inertial Measurement Unit (IMU)</a:t>
             </a:r>
           </a:p>
         </p:txBody>
@@ -20891,7 +23333,7 @@
           <a:effectLst/>
           <a:extLst>
             <a:ext uri="{AF507438-7753-43e0-B8FC-AC1667EBCBE1}">
-              <a14:hiddenEffects xmlns="" xmlns:a14="http://schemas.microsoft.com/office/drawing/2010/main">
+              <a14:hiddenEffects xmlns:a14="http://schemas.microsoft.com/office/drawing/2010/main" xmlns="">
                 <a:effectLst>
                   <a:outerShdw blurRad="63500" dist="38099" dir="2700000" algn="ctr" rotWithShape="0">
                     <a:schemeClr val="bg2">
@@ -20974,7 +23416,7 @@
           <a:effectLst/>
           <a:extLst>
             <a:ext uri="{AF507438-7753-43e0-B8FC-AC1667EBCBE1}">
-              <a14:hiddenEffects xmlns="" xmlns:a14="http://schemas.microsoft.com/office/drawing/2010/main">
+              <a14:hiddenEffects xmlns:a14="http://schemas.microsoft.com/office/drawing/2010/main" xmlns="">
                 <a:effectLst>
                   <a:outerShdw blurRad="63500" dist="38099" dir="2700000" algn="ctr" rotWithShape="0">
                     <a:schemeClr val="bg2">
@@ -21258,12 +23700,6 @@
               </a:rPr>
               <a:t>Using IMU Data</a:t>
             </a:r>
-            <a:endParaRPr lang="en-US" kern="0" dirty="0">
-              <a:solidFill>
-                <a:schemeClr val="accent6"/>
-              </a:solidFill>
-              <a:cs typeface="Segoe UI" panose="020B0502040204020203" pitchFamily="34" charset="0"/>
-            </a:endParaRPr>
           </a:p>
         </p:txBody>
       </p:sp>
